--- a/manuscripts/RW2016/RodingWS16_SCXML.pptx
+++ b/manuscripts/RW2016/RodingWS16_SCXML.pptx
@@ -2,29 +2,38 @@
 <file path=ppt/presentation.xml><?xml version="1.0" encoding="utf-8"?>
 <p:presentation xmlns:a="http://schemas.openxmlformats.org/drawingml/2006/main" xmlns:r="http://schemas.openxmlformats.org/officeDocument/2006/relationships" xmlns:p="http://schemas.openxmlformats.org/presentationml/2006/main" saveSubsetFonts="1" autoCompressPictures="0">
   <p:sldMasterIdLst>
-    <p:sldMasterId id="2147483648" r:id="rId1"/>
+    <p:sldMasterId id="2147483661" r:id="rId1"/>
   </p:sldMasterIdLst>
+  <p:notesMasterIdLst>
+    <p:notesMasterId r:id="rId22"/>
+  </p:notesMasterIdLst>
   <p:sldIdLst>
-    <p:sldId id="256" r:id="rId2"/>
-    <p:sldId id="257" r:id="rId3"/>
-    <p:sldId id="258" r:id="rId4"/>
-    <p:sldId id="259" r:id="rId5"/>
-    <p:sldId id="261" r:id="rId6"/>
-    <p:sldId id="260" r:id="rId7"/>
-    <p:sldId id="262" r:id="rId8"/>
-    <p:sldId id="264" r:id="rId9"/>
-    <p:sldId id="268" r:id="rId10"/>
-    <p:sldId id="269" r:id="rId11"/>
-    <p:sldId id="263" r:id="rId12"/>
-    <p:sldId id="265" r:id="rId13"/>
-    <p:sldId id="266" r:id="rId14"/>
-    <p:sldId id="267" r:id="rId15"/>
+    <p:sldId id="328" r:id="rId2"/>
+    <p:sldId id="330" r:id="rId3"/>
+    <p:sldId id="331" r:id="rId4"/>
+    <p:sldId id="332" r:id="rId5"/>
+    <p:sldId id="333" r:id="rId6"/>
+    <p:sldId id="334" r:id="rId7"/>
+    <p:sldId id="335" r:id="rId8"/>
+    <p:sldId id="336" r:id="rId9"/>
+    <p:sldId id="337" r:id="rId10"/>
+    <p:sldId id="338" r:id="rId11"/>
+    <p:sldId id="339" r:id="rId12"/>
+    <p:sldId id="340" r:id="rId13"/>
+    <p:sldId id="341" r:id="rId14"/>
+    <p:sldId id="342" r:id="rId15"/>
+    <p:sldId id="343" r:id="rId16"/>
+    <p:sldId id="344" r:id="rId17"/>
+    <p:sldId id="345" r:id="rId18"/>
+    <p:sldId id="346" r:id="rId19"/>
+    <p:sldId id="347" r:id="rId20"/>
+    <p:sldId id="326" r:id="rId21"/>
   </p:sldIdLst>
   <p:sldSz cx="9144000" cy="6858000" type="screen4x3"/>
   <p:notesSz cx="6858000" cy="9144000"/>
   <p:defaultTextStyle>
     <a:defPPr>
-      <a:defRPr lang="en-US"/>
+      <a:defRPr lang="en-GB"/>
     </a:defPPr>
     <a:lvl1pPr marL="0" algn="l" defTabSz="457200" rtl="0" eaLnBrk="1" latinLnBrk="0" hangingPunct="1">
       <a:defRPr sz="1800" kern="1200">
@@ -120,8 +129,362 @@
 </p:presentation>
 </file>
 
+<file path=ppt/notesMasters/notesMaster1.xml><?xml version="1.0" encoding="utf-8"?>
+<p:notesMaster xmlns:a="http://schemas.openxmlformats.org/drawingml/2006/main" xmlns:r="http://schemas.openxmlformats.org/officeDocument/2006/relationships" xmlns:p="http://schemas.openxmlformats.org/presentationml/2006/main">
+  <p:cSld>
+    <p:bg>
+      <p:bgRef idx="1001">
+        <a:schemeClr val="bg1"/>
+      </p:bgRef>
+    </p:bg>
+    <p:spTree>
+      <p:nvGrpSpPr>
+        <p:cNvPr id="1" name=""/>
+        <p:cNvGrpSpPr/>
+        <p:nvPr/>
+      </p:nvGrpSpPr>
+      <p:grpSpPr>
+        <a:xfrm>
+          <a:off x="0" y="0"/>
+          <a:ext cx="0" cy="0"/>
+          <a:chOff x="0" y="0"/>
+          <a:chExt cx="0" cy="0"/>
+        </a:xfrm>
+      </p:grpSpPr>
+      <p:sp>
+        <p:nvSpPr>
+          <p:cNvPr id="2" name="Header Placeholder 1"/>
+          <p:cNvSpPr>
+            <a:spLocks noGrp="1"/>
+          </p:cNvSpPr>
+          <p:nvPr>
+            <p:ph type="hdr" sz="quarter"/>
+          </p:nvPr>
+        </p:nvSpPr>
+        <p:spPr>
+          <a:xfrm>
+            <a:off x="0" y="0"/>
+            <a:ext cx="2971800" cy="457200"/>
+          </a:xfrm>
+          <a:prstGeom prst="rect">
+            <a:avLst/>
+          </a:prstGeom>
+        </p:spPr>
+        <p:txBody>
+          <a:bodyPr vert="horz" lIns="91440" tIns="45720" rIns="91440" bIns="45720" rtlCol="0"/>
+          <a:lstStyle>
+            <a:lvl1pPr algn="l">
+              <a:defRPr sz="1200"/>
+            </a:lvl1pPr>
+          </a:lstStyle>
+          <a:p>
+            <a:endParaRPr lang="en-GB"/>
+          </a:p>
+        </p:txBody>
+      </p:sp>
+      <p:sp>
+        <p:nvSpPr>
+          <p:cNvPr id="3" name="Date Placeholder 2"/>
+          <p:cNvSpPr>
+            <a:spLocks noGrp="1"/>
+          </p:cNvSpPr>
+          <p:nvPr>
+            <p:ph type="dt" idx="1"/>
+          </p:nvPr>
+        </p:nvSpPr>
+        <p:spPr>
+          <a:xfrm>
+            <a:off x="3884613" y="0"/>
+            <a:ext cx="2971800" cy="457200"/>
+          </a:xfrm>
+          <a:prstGeom prst="rect">
+            <a:avLst/>
+          </a:prstGeom>
+        </p:spPr>
+        <p:txBody>
+          <a:bodyPr vert="horz" lIns="91440" tIns="45720" rIns="91440" bIns="45720" rtlCol="0"/>
+          <a:lstStyle>
+            <a:lvl1pPr algn="r">
+              <a:defRPr sz="1200"/>
+            </a:lvl1pPr>
+          </a:lstStyle>
+          <a:p>
+            <a:fld id="{550DA187-7D7D-8C4A-A73A-368BA766A389}" type="datetimeFigureOut">
+              <a:rPr lang="en-GB" smtClean="0"/>
+              <a:pPr/>
+              <a:t>20/05/16</a:t>
+            </a:fld>
+            <a:endParaRPr lang="en-GB"/>
+          </a:p>
+        </p:txBody>
+      </p:sp>
+      <p:sp>
+        <p:nvSpPr>
+          <p:cNvPr id="4" name="Slide Image Placeholder 3"/>
+          <p:cNvSpPr>
+            <a:spLocks noGrp="1" noRot="1" noChangeAspect="1"/>
+          </p:cNvSpPr>
+          <p:nvPr>
+            <p:ph type="sldImg" idx="2"/>
+          </p:nvPr>
+        </p:nvSpPr>
+        <p:spPr>
+          <a:xfrm>
+            <a:off x="1143000" y="685800"/>
+            <a:ext cx="4572000" cy="3429000"/>
+          </a:xfrm>
+          <a:prstGeom prst="rect">
+            <a:avLst/>
+          </a:prstGeom>
+          <a:noFill/>
+          <a:ln w="12700">
+            <a:solidFill>
+              <a:prstClr val="black"/>
+            </a:solidFill>
+          </a:ln>
+        </p:spPr>
+        <p:txBody>
+          <a:bodyPr vert="horz" lIns="91440" tIns="45720" rIns="91440" bIns="45720" rtlCol="0" anchor="ctr"/>
+          <a:lstStyle/>
+          <a:p>
+            <a:endParaRPr lang="en-GB"/>
+          </a:p>
+        </p:txBody>
+      </p:sp>
+      <p:sp>
+        <p:nvSpPr>
+          <p:cNvPr id="5" name="Notes Placeholder 4"/>
+          <p:cNvSpPr>
+            <a:spLocks noGrp="1"/>
+          </p:cNvSpPr>
+          <p:nvPr>
+            <p:ph type="body" sz="quarter" idx="3"/>
+          </p:nvPr>
+        </p:nvSpPr>
+        <p:spPr>
+          <a:xfrm>
+            <a:off x="685800" y="4343400"/>
+            <a:ext cx="5486400" cy="4114800"/>
+          </a:xfrm>
+          <a:prstGeom prst="rect">
+            <a:avLst/>
+          </a:prstGeom>
+        </p:spPr>
+        <p:txBody>
+          <a:bodyPr vert="horz" lIns="91440" tIns="45720" rIns="91440" bIns="45720" rtlCol="0">
+            <a:normAutofit/>
+          </a:bodyPr>
+          <a:lstStyle/>
+          <a:p>
+            <a:pPr lvl="0"/>
+            <a:r>
+              <a:rPr lang="en-GB" smtClean="0"/>
+              <a:t>Click to edit Master text styles</a:t>
+            </a:r>
+          </a:p>
+          <a:p>
+            <a:pPr lvl="1"/>
+            <a:r>
+              <a:rPr lang="en-GB" smtClean="0"/>
+              <a:t>Second level</a:t>
+            </a:r>
+          </a:p>
+          <a:p>
+            <a:pPr lvl="2"/>
+            <a:r>
+              <a:rPr lang="en-GB" smtClean="0"/>
+              <a:t>Third level</a:t>
+            </a:r>
+          </a:p>
+          <a:p>
+            <a:pPr lvl="3"/>
+            <a:r>
+              <a:rPr lang="en-GB" smtClean="0"/>
+              <a:t>Fourth level</a:t>
+            </a:r>
+          </a:p>
+          <a:p>
+            <a:pPr lvl="4"/>
+            <a:r>
+              <a:rPr lang="en-GB" smtClean="0"/>
+              <a:t>Fifth level</a:t>
+            </a:r>
+            <a:endParaRPr lang="en-GB"/>
+          </a:p>
+        </p:txBody>
+      </p:sp>
+      <p:sp>
+        <p:nvSpPr>
+          <p:cNvPr id="6" name="Footer Placeholder 5"/>
+          <p:cNvSpPr>
+            <a:spLocks noGrp="1"/>
+          </p:cNvSpPr>
+          <p:nvPr>
+            <p:ph type="ftr" sz="quarter" idx="4"/>
+          </p:nvPr>
+        </p:nvSpPr>
+        <p:spPr>
+          <a:xfrm>
+            <a:off x="0" y="8685213"/>
+            <a:ext cx="2971800" cy="457200"/>
+          </a:xfrm>
+          <a:prstGeom prst="rect">
+            <a:avLst/>
+          </a:prstGeom>
+        </p:spPr>
+        <p:txBody>
+          <a:bodyPr vert="horz" lIns="91440" tIns="45720" rIns="91440" bIns="45720" rtlCol="0" anchor="b"/>
+          <a:lstStyle>
+            <a:lvl1pPr algn="l">
+              <a:defRPr sz="1200"/>
+            </a:lvl1pPr>
+          </a:lstStyle>
+          <a:p>
+            <a:endParaRPr lang="en-GB"/>
+          </a:p>
+        </p:txBody>
+      </p:sp>
+      <p:sp>
+        <p:nvSpPr>
+          <p:cNvPr id="7" name="Slide Number Placeholder 6"/>
+          <p:cNvSpPr>
+            <a:spLocks noGrp="1"/>
+          </p:cNvSpPr>
+          <p:nvPr>
+            <p:ph type="sldNum" sz="quarter" idx="5"/>
+          </p:nvPr>
+        </p:nvSpPr>
+        <p:spPr>
+          <a:xfrm>
+            <a:off x="3884613" y="8685213"/>
+            <a:ext cx="2971800" cy="457200"/>
+          </a:xfrm>
+          <a:prstGeom prst="rect">
+            <a:avLst/>
+          </a:prstGeom>
+        </p:spPr>
+        <p:txBody>
+          <a:bodyPr vert="horz" lIns="91440" tIns="45720" rIns="91440" bIns="45720" rtlCol="0" anchor="b"/>
+          <a:lstStyle>
+            <a:lvl1pPr algn="r">
+              <a:defRPr sz="1200"/>
+            </a:lvl1pPr>
+          </a:lstStyle>
+          <a:p>
+            <a:fld id="{814C9A0D-E8E4-5741-9CB1-BBD0C1D4FD37}" type="slidenum">
+              <a:rPr lang="en-GB" smtClean="0"/>
+              <a:pPr/>
+              <a:t>‹#›</a:t>
+            </a:fld>
+            <a:endParaRPr lang="en-GB"/>
+          </a:p>
+        </p:txBody>
+      </p:sp>
+    </p:spTree>
+    <p:extLst>
+      <p:ext uri="{BB962C8B-B14F-4D97-AF65-F5344CB8AC3E}">
+        <p14:creationId xmlns:p14="http://schemas.microsoft.com/office/powerpoint/2010/main" val="3321308445"/>
+      </p:ext>
+    </p:extLst>
+  </p:cSld>
+  <p:clrMap bg1="lt1" tx1="dk1" bg2="lt2" tx2="dk2" accent1="accent1" accent2="accent2" accent3="accent3" accent4="accent4" accent5="accent5" accent6="accent6" hlink="hlink" folHlink="folHlink"/>
+  <p:notesStyle>
+    <a:lvl1pPr marL="0" algn="l" defTabSz="457200" rtl="0" eaLnBrk="1" latinLnBrk="0" hangingPunct="1">
+      <a:defRPr sz="1200" kern="1200">
+        <a:solidFill>
+          <a:schemeClr val="tx1"/>
+        </a:solidFill>
+        <a:latin typeface="+mn-lt"/>
+        <a:ea typeface="+mn-ea"/>
+        <a:cs typeface="+mn-cs"/>
+      </a:defRPr>
+    </a:lvl1pPr>
+    <a:lvl2pPr marL="457200" algn="l" defTabSz="457200" rtl="0" eaLnBrk="1" latinLnBrk="0" hangingPunct="1">
+      <a:defRPr sz="1200" kern="1200">
+        <a:solidFill>
+          <a:schemeClr val="tx1"/>
+        </a:solidFill>
+        <a:latin typeface="+mn-lt"/>
+        <a:ea typeface="+mn-ea"/>
+        <a:cs typeface="+mn-cs"/>
+      </a:defRPr>
+    </a:lvl2pPr>
+    <a:lvl3pPr marL="914400" algn="l" defTabSz="457200" rtl="0" eaLnBrk="1" latinLnBrk="0" hangingPunct="1">
+      <a:defRPr sz="1200" kern="1200">
+        <a:solidFill>
+          <a:schemeClr val="tx1"/>
+        </a:solidFill>
+        <a:latin typeface="+mn-lt"/>
+        <a:ea typeface="+mn-ea"/>
+        <a:cs typeface="+mn-cs"/>
+      </a:defRPr>
+    </a:lvl3pPr>
+    <a:lvl4pPr marL="1371600" algn="l" defTabSz="457200" rtl="0" eaLnBrk="1" latinLnBrk="0" hangingPunct="1">
+      <a:defRPr sz="1200" kern="1200">
+        <a:solidFill>
+          <a:schemeClr val="tx1"/>
+        </a:solidFill>
+        <a:latin typeface="+mn-lt"/>
+        <a:ea typeface="+mn-ea"/>
+        <a:cs typeface="+mn-cs"/>
+      </a:defRPr>
+    </a:lvl4pPr>
+    <a:lvl5pPr marL="1828800" algn="l" defTabSz="457200" rtl="0" eaLnBrk="1" latinLnBrk="0" hangingPunct="1">
+      <a:defRPr sz="1200" kern="1200">
+        <a:solidFill>
+          <a:schemeClr val="tx1"/>
+        </a:solidFill>
+        <a:latin typeface="+mn-lt"/>
+        <a:ea typeface="+mn-ea"/>
+        <a:cs typeface="+mn-cs"/>
+      </a:defRPr>
+    </a:lvl5pPr>
+    <a:lvl6pPr marL="2286000" algn="l" defTabSz="457200" rtl="0" eaLnBrk="1" latinLnBrk="0" hangingPunct="1">
+      <a:defRPr sz="1200" kern="1200">
+        <a:solidFill>
+          <a:schemeClr val="tx1"/>
+        </a:solidFill>
+        <a:latin typeface="+mn-lt"/>
+        <a:ea typeface="+mn-ea"/>
+        <a:cs typeface="+mn-cs"/>
+      </a:defRPr>
+    </a:lvl6pPr>
+    <a:lvl7pPr marL="2743200" algn="l" defTabSz="457200" rtl="0" eaLnBrk="1" latinLnBrk="0" hangingPunct="1">
+      <a:defRPr sz="1200" kern="1200">
+        <a:solidFill>
+          <a:schemeClr val="tx1"/>
+        </a:solidFill>
+        <a:latin typeface="+mn-lt"/>
+        <a:ea typeface="+mn-ea"/>
+        <a:cs typeface="+mn-cs"/>
+      </a:defRPr>
+    </a:lvl7pPr>
+    <a:lvl8pPr marL="3200400" algn="l" defTabSz="457200" rtl="0" eaLnBrk="1" latinLnBrk="0" hangingPunct="1">
+      <a:defRPr sz="1200" kern="1200">
+        <a:solidFill>
+          <a:schemeClr val="tx1"/>
+        </a:solidFill>
+        <a:latin typeface="+mn-lt"/>
+        <a:ea typeface="+mn-ea"/>
+        <a:cs typeface="+mn-cs"/>
+      </a:defRPr>
+    </a:lvl8pPr>
+    <a:lvl9pPr marL="3657600" algn="l" defTabSz="457200" rtl="0" eaLnBrk="1" latinLnBrk="0" hangingPunct="1">
+      <a:defRPr sz="1200" kern="1200">
+        <a:solidFill>
+          <a:schemeClr val="tx1"/>
+        </a:solidFill>
+        <a:latin typeface="+mn-lt"/>
+        <a:ea typeface="+mn-ea"/>
+        <a:cs typeface="+mn-cs"/>
+      </a:defRPr>
+    </a:lvl9pPr>
+  </p:notesStyle>
+</p:notesMaster>
+</file>
+
 <file path=ppt/slideLayouts/slideLayout1.xml><?xml version="1.0" encoding="utf-8"?>
-<p:sldLayout xmlns:a="http://schemas.openxmlformats.org/drawingml/2006/main" xmlns:r="http://schemas.openxmlformats.org/officeDocument/2006/relationships" xmlns:p="http://schemas.openxmlformats.org/presentationml/2006/main" type="title" preserve="1">
+<p:sldLayout xmlns:a="http://schemas.openxmlformats.org/drawingml/2006/main" xmlns:r="http://schemas.openxmlformats.org/officeDocument/2006/relationships" xmlns:p="http://schemas.openxmlformats.org/presentationml/2006/main" showMasterSp="0" type="title" preserve="1">
   <p:cSld name="Title Slide">
     <p:spTree>
       <p:nvGrpSpPr>
@@ -139,9 +502,95 @@
       </p:grpSpPr>
       <p:sp>
         <p:nvSpPr>
-          <p:cNvPr id="2" name="Title 1"/>
-          <p:cNvSpPr>
-            <a:spLocks noGrp="1"/>
+          <p:cNvPr id="10247" name="Rectangle 1031"/>
+          <p:cNvSpPr>
+            <a:spLocks noChangeArrowheads="1"/>
+          </p:cNvSpPr>
+          <p:nvPr/>
+        </p:nvSpPr>
+        <p:spPr bwMode="auto">
+          <a:xfrm>
+            <a:off x="-79375" y="3200400"/>
+            <a:ext cx="9223375" cy="3657600"/>
+          </a:xfrm>
+          <a:prstGeom prst="rect">
+            <a:avLst/>
+          </a:prstGeom>
+          <a:gradFill rotWithShape="0">
+            <a:gsLst>
+              <a:gs pos="0">
+                <a:srgbClr val="014359"/>
+              </a:gs>
+              <a:gs pos="100000">
+                <a:srgbClr val="007275"/>
+              </a:gs>
+            </a:gsLst>
+            <a:lin ang="5400000" scaled="1"/>
+          </a:gradFill>
+          <a:ln w="9525">
+            <a:noFill/>
+            <a:miter lim="800000"/>
+            <a:headEnd/>
+            <a:tailEnd/>
+          </a:ln>
+        </p:spPr>
+        <p:txBody>
+          <a:bodyPr wrap="none" anchor="ctr">
+            <a:prstTxWarp prst="textNoShape">
+              <a:avLst/>
+            </a:prstTxWarp>
+          </a:bodyPr>
+          <a:lstStyle/>
+          <a:p>
+            <a:endParaRPr lang="en-GB"/>
+          </a:p>
+        </p:txBody>
+      </p:sp>
+      <p:sp>
+        <p:nvSpPr>
+          <p:cNvPr id="10248" name="Rectangle 1032"/>
+          <p:cNvSpPr>
+            <a:spLocks noChangeArrowheads="1"/>
+          </p:cNvSpPr>
+          <p:nvPr/>
+        </p:nvSpPr>
+        <p:spPr bwMode="auto">
+          <a:xfrm>
+            <a:off x="-79375" y="0"/>
+            <a:ext cx="9223375" cy="3276600"/>
+          </a:xfrm>
+          <a:prstGeom prst="rect">
+            <a:avLst/>
+          </a:prstGeom>
+          <a:solidFill>
+            <a:srgbClr val="014359"/>
+          </a:solidFill>
+          <a:ln w="9525">
+            <a:noFill/>
+            <a:miter lim="800000"/>
+            <a:headEnd/>
+            <a:tailEnd/>
+          </a:ln>
+        </p:spPr>
+        <p:txBody>
+          <a:bodyPr wrap="none" anchor="ctr">
+            <a:prstTxWarp prst="textNoShape">
+              <a:avLst/>
+            </a:prstTxWarp>
+          </a:bodyPr>
+          <a:lstStyle/>
+          <a:p>
+            <a:endParaRPr lang="en-US" sz="2400">
+              <a:latin typeface="Arial" charset="0"/>
+            </a:endParaRPr>
+          </a:p>
+        </p:txBody>
+      </p:sp>
+      <p:sp>
+        <p:nvSpPr>
+          <p:cNvPr id="10242" name="Rectangle 1026"/>
+          <p:cNvSpPr>
+            <a:spLocks noGrp="1" noChangeArrowheads="1"/>
           </p:cNvSpPr>
           <p:nvPr>
             <p:ph type="ctrTitle"/>
@@ -149,210 +598,133 @@
         </p:nvSpPr>
         <p:spPr>
           <a:xfrm>
-            <a:off x="685800" y="2130425"/>
-            <a:ext cx="7772400" cy="1470025"/>
+            <a:off x="323850" y="2260599"/>
+            <a:ext cx="8496300" cy="2226733"/>
           </a:xfrm>
         </p:spPr>
         <p:txBody>
-          <a:bodyPr/>
-          <a:lstStyle/>
-          <a:p>
-            <a:r>
-              <a:rPr lang="en-GB"/>
-              <a:t>Click to edit Master title style</a:t>
-            </a:r>
-            <a:endParaRPr lang="en-US"/>
-          </a:p>
-        </p:txBody>
-      </p:sp>
-      <p:sp>
-        <p:nvSpPr>
-          <p:cNvPr id="3" name="Subtitle 2"/>
-          <p:cNvSpPr>
-            <a:spLocks noGrp="1"/>
-          </p:cNvSpPr>
-          <p:nvPr>
-            <p:ph type="subTitle" idx="1"/>
-          </p:nvPr>
-        </p:nvSpPr>
-        <p:spPr>
-          <a:xfrm>
-            <a:off x="1371600" y="3886200"/>
-            <a:ext cx="6400800" cy="1752600"/>
-          </a:xfrm>
-        </p:spPr>
-        <p:txBody>
-          <a:bodyPr/>
+          <a:bodyPr lIns="91440"/>
           <a:lstStyle>
-            <a:lvl1pPr marL="0" indent="0" algn="ctr">
-              <a:buNone/>
-              <a:defRPr>
+            <a:lvl1pPr>
+              <a:defRPr sz="3600">
                 <a:solidFill>
-                  <a:schemeClr val="tx1">
-                    <a:tint val="75000"/>
-                  </a:schemeClr>
+                  <a:schemeClr val="bg1"/>
                 </a:solidFill>
               </a:defRPr>
             </a:lvl1pPr>
-            <a:lvl2pPr marL="457200" indent="0" algn="ctr">
+          </a:lstStyle>
+          <a:p>
+            <a:r>
+              <a:rPr lang="en-GB" smtClean="0"/>
+              <a:t>Click to edit Master title style</a:t>
+            </a:r>
+            <a:endParaRPr lang="en-GB"/>
+          </a:p>
+        </p:txBody>
+      </p:sp>
+      <p:sp>
+        <p:nvSpPr>
+          <p:cNvPr id="10243" name="Rectangle 1027"/>
+          <p:cNvSpPr>
+            <a:spLocks noGrp="1" noChangeArrowheads="1"/>
+          </p:cNvSpPr>
+          <p:nvPr>
+            <p:ph type="subTitle" idx="1"/>
+          </p:nvPr>
+        </p:nvSpPr>
+        <p:spPr>
+          <a:xfrm>
+            <a:off x="323850" y="5012267"/>
+            <a:ext cx="6965950" cy="674158"/>
+          </a:xfrm>
+          <a:prstGeom prst="rect">
+            <a:avLst/>
+          </a:prstGeom>
+        </p:spPr>
+        <p:txBody>
+          <a:bodyPr lIns="91440"/>
+          <a:lstStyle>
+            <a:lvl1pPr marL="0" indent="0">
+              <a:buFontTx/>
               <a:buNone/>
-              <a:defRPr>
+              <a:defRPr sz="3500">
                 <a:solidFill>
-                  <a:schemeClr val="tx1">
-                    <a:tint val="75000"/>
-                  </a:schemeClr>
+                  <a:schemeClr val="accent1"/>
                 </a:solidFill>
               </a:defRPr>
-            </a:lvl2pPr>
-            <a:lvl3pPr marL="914400" indent="0" algn="ctr">
-              <a:buNone/>
+            </a:lvl1pPr>
+          </a:lstStyle>
+          <a:p>
+            <a:r>
+              <a:rPr lang="en-GB" smtClean="0"/>
+              <a:t>Click to edit Master subtitle style</a:t>
+            </a:r>
+            <a:endParaRPr lang="en-GB"/>
+          </a:p>
+        </p:txBody>
+      </p:sp>
+      <p:sp>
+        <p:nvSpPr>
+          <p:cNvPr id="10246" name="Rectangle 1030"/>
+          <p:cNvSpPr>
+            <a:spLocks noGrp="1" noChangeArrowheads="1"/>
+          </p:cNvSpPr>
+          <p:nvPr>
+            <p:ph type="sldNum" sz="quarter" idx="4"/>
+          </p:nvPr>
+        </p:nvSpPr>
+        <p:spPr>
+          <a:xfrm>
+            <a:off x="6553200" y="6245225"/>
+            <a:ext cx="2133600" cy="476250"/>
+          </a:xfrm>
+        </p:spPr>
+        <p:txBody>
+          <a:bodyPr rIns="91440"/>
+          <a:lstStyle>
+            <a:lvl1pPr>
               <a:defRPr>
-                <a:solidFill>
-                  <a:schemeClr val="tx1">
-                    <a:tint val="75000"/>
-                  </a:schemeClr>
-                </a:solidFill>
+                <a:latin typeface="Arial" charset="0"/>
               </a:defRPr>
-            </a:lvl3pPr>
-            <a:lvl4pPr marL="1371600" indent="0" algn="ctr">
-              <a:buNone/>
-              <a:defRPr>
-                <a:solidFill>
-                  <a:schemeClr val="tx1">
-                    <a:tint val="75000"/>
-                  </a:schemeClr>
-                </a:solidFill>
-              </a:defRPr>
-            </a:lvl4pPr>
-            <a:lvl5pPr marL="1828800" indent="0" algn="ctr">
-              <a:buNone/>
-              <a:defRPr>
-                <a:solidFill>
-                  <a:schemeClr val="tx1">
-                    <a:tint val="75000"/>
-                  </a:schemeClr>
-                </a:solidFill>
-              </a:defRPr>
-            </a:lvl5pPr>
-            <a:lvl6pPr marL="2286000" indent="0" algn="ctr">
-              <a:buNone/>
-              <a:defRPr>
-                <a:solidFill>
-                  <a:schemeClr val="tx1">
-                    <a:tint val="75000"/>
-                  </a:schemeClr>
-                </a:solidFill>
-              </a:defRPr>
-            </a:lvl6pPr>
-            <a:lvl7pPr marL="2743200" indent="0" algn="ctr">
-              <a:buNone/>
-              <a:defRPr>
-                <a:solidFill>
-                  <a:schemeClr val="tx1">
-                    <a:tint val="75000"/>
-                  </a:schemeClr>
-                </a:solidFill>
-              </a:defRPr>
-            </a:lvl7pPr>
-            <a:lvl8pPr marL="3200400" indent="0" algn="ctr">
-              <a:buNone/>
-              <a:defRPr>
-                <a:solidFill>
-                  <a:schemeClr val="tx1">
-                    <a:tint val="75000"/>
-                  </a:schemeClr>
-                </a:solidFill>
-              </a:defRPr>
-            </a:lvl8pPr>
-            <a:lvl9pPr marL="3657600" indent="0" algn="ctr">
-              <a:buNone/>
-              <a:defRPr>
-                <a:solidFill>
-                  <a:schemeClr val="tx1">
-                    <a:tint val="75000"/>
-                  </a:schemeClr>
-                </a:solidFill>
-              </a:defRPr>
-            </a:lvl9pPr>
+            </a:lvl1pPr>
           </a:lstStyle>
           <a:p>
-            <a:r>
-              <a:rPr lang="en-GB"/>
-              <a:t>Click to edit Master subtitle style</a:t>
-            </a:r>
-            <a:endParaRPr lang="en-US"/>
-          </a:p>
-        </p:txBody>
-      </p:sp>
-      <p:sp>
-        <p:nvSpPr>
-          <p:cNvPr id="4" name="Date Placeholder 3"/>
-          <p:cNvSpPr>
-            <a:spLocks noGrp="1"/>
-          </p:cNvSpPr>
-          <p:nvPr>
-            <p:ph type="dt" sz="half" idx="10"/>
-          </p:nvPr>
-        </p:nvSpPr>
-        <p:spPr/>
-        <p:txBody>
-          <a:bodyPr/>
-          <a:lstStyle/>
-          <a:p>
-            <a:fld id="{F90E86F8-F907-424C-8522-AB6247E5BD98}" type="datetimeFigureOut">
-              <a:t>16/05/16</a:t>
-            </a:fld>
-            <a:endParaRPr lang="en-US"/>
-          </a:p>
-        </p:txBody>
-      </p:sp>
-      <p:sp>
-        <p:nvSpPr>
-          <p:cNvPr id="5" name="Footer Placeholder 4"/>
-          <p:cNvSpPr>
-            <a:spLocks noGrp="1"/>
-          </p:cNvSpPr>
-          <p:nvPr>
-            <p:ph type="ftr" sz="quarter" idx="11"/>
-          </p:nvPr>
-        </p:nvSpPr>
-        <p:spPr/>
-        <p:txBody>
-          <a:bodyPr/>
-          <a:lstStyle/>
-          <a:p>
-            <a:endParaRPr lang="en-US"/>
-          </a:p>
-        </p:txBody>
-      </p:sp>
-      <p:sp>
-        <p:nvSpPr>
-          <p:cNvPr id="6" name="Slide Number Placeholder 5"/>
-          <p:cNvSpPr>
-            <a:spLocks noGrp="1"/>
-          </p:cNvSpPr>
-          <p:nvPr>
-            <p:ph type="sldNum" sz="quarter" idx="12"/>
-          </p:nvPr>
-        </p:nvSpPr>
-        <p:spPr/>
-        <p:txBody>
-          <a:bodyPr/>
-          <a:lstStyle/>
-          <a:p>
-            <a:fld id="{C801731E-83CA-9345-A049-E9669943AA4B}" type="slidenum">
+            <a:fld id="{62D44BB8-CF0D-3C41-837E-11280C7A5155}" type="slidenum">
+              <a:rPr lang="en-GB" smtClean="0"/>
+              <a:pPr/>
               <a:t>‹#›</a:t>
             </a:fld>
-            <a:endParaRPr lang="en-US"/>
-          </a:p>
-        </p:txBody>
-      </p:sp>
+            <a:endParaRPr lang="en-GB"/>
+          </a:p>
+        </p:txBody>
+      </p:sp>
+      <p:pic>
+        <p:nvPicPr>
+          <p:cNvPr id="10254" name="Picture 1038" descr="electronics"/>
+          <p:cNvPicPr>
+            <a:picLocks noChangeAspect="1" noChangeArrowheads="1"/>
+          </p:cNvPicPr>
+          <p:nvPr/>
+        </p:nvPicPr>
+        <p:blipFill>
+          <a:blip r:embed="rId2"/>
+          <a:srcRect/>
+          <a:stretch>
+            <a:fillRect/>
+          </a:stretch>
+        </p:blipFill>
+        <p:spPr bwMode="auto">
+          <a:xfrm>
+            <a:off x="6011863" y="381000"/>
+            <a:ext cx="2771775" cy="1103313"/>
+          </a:xfrm>
+          <a:prstGeom prst="rect">
+            <a:avLst/>
+          </a:prstGeom>
+          <a:noFill/>
+        </p:spPr>
+      </p:pic>
     </p:spTree>
-    <p:extLst>
-      <p:ext uri="{BB962C8B-B14F-4D97-AF65-F5344CB8AC3E}">
-        <p14:creationId xmlns:p14="http://schemas.microsoft.com/office/powerpoint/2010/main" val="1101706846"/>
-      </p:ext>
-    </p:extLst>
   </p:cSld>
   <p:clrMapOvr>
     <a:masterClrMapping/>
@@ -393,10 +765,10 @@
           <a:lstStyle/>
           <a:p>
             <a:r>
-              <a:rPr lang="en-GB"/>
+              <a:rPr lang="en-GB" smtClean="0"/>
               <a:t>Click to edit Master title style</a:t>
             </a:r>
-            <a:endParaRPr lang="en-US"/>
+            <a:endParaRPr lang="en-GB"/>
           </a:p>
         </p:txBody>
       </p:sp>
@@ -410,45 +782,53 @@
             <p:ph type="body" orient="vert" idx="1"/>
           </p:nvPr>
         </p:nvSpPr>
-        <p:spPr/>
+        <p:spPr>
+          <a:xfrm>
+            <a:off x="323850" y="1700213"/>
+            <a:ext cx="8496300" cy="4114800"/>
+          </a:xfrm>
+          <a:prstGeom prst="rect">
+            <a:avLst/>
+          </a:prstGeom>
+        </p:spPr>
         <p:txBody>
           <a:bodyPr vert="eaVert"/>
           <a:lstStyle/>
           <a:p>
             <a:pPr lvl="0"/>
             <a:r>
-              <a:rPr lang="en-GB"/>
+              <a:rPr lang="en-GB" smtClean="0"/>
               <a:t>Click to edit Master text styles</a:t>
             </a:r>
           </a:p>
           <a:p>
             <a:pPr lvl="1"/>
             <a:r>
-              <a:rPr lang="en-GB"/>
+              <a:rPr lang="en-GB" smtClean="0"/>
               <a:t>Second level</a:t>
             </a:r>
           </a:p>
           <a:p>
             <a:pPr lvl="2"/>
             <a:r>
-              <a:rPr lang="en-GB"/>
+              <a:rPr lang="en-GB" smtClean="0"/>
               <a:t>Third level</a:t>
             </a:r>
           </a:p>
           <a:p>
             <a:pPr lvl="3"/>
             <a:r>
-              <a:rPr lang="en-GB"/>
+              <a:rPr lang="en-GB" smtClean="0"/>
               <a:t>Fourth level</a:t>
             </a:r>
           </a:p>
           <a:p>
             <a:pPr lvl="4"/>
             <a:r>
-              <a:rPr lang="en-GB"/>
+              <a:rPr lang="en-GB" smtClean="0"/>
               <a:t>Fifth level</a:t>
             </a:r>
-            <a:endParaRPr lang="en-US"/>
+            <a:endParaRPr lang="en-GB"/>
           </a:p>
         </p:txBody>
       </p:sp>
@@ -465,12 +845,18 @@
         <p:spPr/>
         <p:txBody>
           <a:bodyPr/>
-          <a:lstStyle/>
-          <a:p>
-            <a:fld id="{F90E86F8-F907-424C-8522-AB6247E5BD98}" type="datetimeFigureOut">
-              <a:t>16/05/16</a:t>
+          <a:lstStyle>
+            <a:lvl1pPr>
+              <a:defRPr/>
+            </a:lvl1pPr>
+          </a:lstStyle>
+          <a:p>
+            <a:fld id="{03E632DE-081F-CD46-A6DB-B798177DF416}" type="datetimeFigureOut">
+              <a:rPr lang="en-GB" smtClean="0"/>
+              <a:pPr/>
+              <a:t>20/05/16</a:t>
             </a:fld>
-            <a:endParaRPr lang="en-US"/>
+            <a:endParaRPr lang="en-GB"/>
           </a:p>
         </p:txBody>
       </p:sp>
@@ -487,9 +873,13 @@
         <p:spPr/>
         <p:txBody>
           <a:bodyPr/>
-          <a:lstStyle/>
-          <a:p>
-            <a:endParaRPr lang="en-US"/>
+          <a:lstStyle>
+            <a:lvl1pPr>
+              <a:defRPr/>
+            </a:lvl1pPr>
+          </a:lstStyle>
+          <a:p>
+            <a:endParaRPr lang="en-GB"/>
           </a:p>
         </p:txBody>
       </p:sp>
@@ -506,21 +896,22 @@
         <p:spPr/>
         <p:txBody>
           <a:bodyPr/>
-          <a:lstStyle/>
-          <a:p>
-            <a:fld id="{C801731E-83CA-9345-A049-E9669943AA4B}" type="slidenum">
+          <a:lstStyle>
+            <a:lvl1pPr>
+              <a:defRPr smtClean="0"/>
+            </a:lvl1pPr>
+          </a:lstStyle>
+          <a:p>
+            <a:fld id="{62D44BB8-CF0D-3C41-837E-11280C7A5155}" type="slidenum">
+              <a:rPr lang="en-GB" smtClean="0"/>
+              <a:pPr/>
               <a:t>‹#›</a:t>
             </a:fld>
-            <a:endParaRPr lang="en-US"/>
+            <a:endParaRPr lang="en-GB"/>
           </a:p>
         </p:txBody>
       </p:sp>
     </p:spTree>
-    <p:extLst>
-      <p:ext uri="{BB962C8B-B14F-4D97-AF65-F5344CB8AC3E}">
-        <p14:creationId xmlns:p14="http://schemas.microsoft.com/office/powerpoint/2010/main" val="1679411791"/>
-      </p:ext>
-    </p:extLst>
   </p:cSld>
   <p:clrMapOvr>
     <a:masterClrMapping/>
@@ -557,8 +948,8 @@
         </p:nvSpPr>
         <p:spPr>
           <a:xfrm>
-            <a:off x="6629400" y="274638"/>
-            <a:ext cx="2057400" cy="5851525"/>
+            <a:off x="6696075" y="908050"/>
+            <a:ext cx="2124075" cy="4906963"/>
           </a:xfrm>
         </p:spPr>
         <p:txBody>
@@ -566,10 +957,10 @@
           <a:lstStyle/>
           <a:p>
             <a:r>
-              <a:rPr lang="en-GB"/>
+              <a:rPr lang="en-GB" smtClean="0"/>
               <a:t>Click to edit Master title style</a:t>
             </a:r>
-            <a:endParaRPr lang="en-US"/>
+            <a:endParaRPr lang="en-GB"/>
           </a:p>
         </p:txBody>
       </p:sp>
@@ -585,120 +976,456 @@
         </p:nvSpPr>
         <p:spPr>
           <a:xfrm>
-            <a:off x="457200" y="274638"/>
-            <a:ext cx="6019800" cy="5851525"/>
+            <a:off x="323850" y="908050"/>
+            <a:ext cx="6219825" cy="4906963"/>
+          </a:xfrm>
+          <a:prstGeom prst="rect">
+            <a:avLst/>
+          </a:prstGeom>
+        </p:spPr>
+        <p:txBody>
+          <a:bodyPr vert="eaVert"/>
+          <a:lstStyle/>
+          <a:p>
+            <a:pPr lvl="0"/>
+            <a:r>
+              <a:rPr lang="en-GB" smtClean="0"/>
+              <a:t>Click to edit Master text styles</a:t>
+            </a:r>
+          </a:p>
+          <a:p>
+            <a:pPr lvl="1"/>
+            <a:r>
+              <a:rPr lang="en-GB" smtClean="0"/>
+              <a:t>Second level</a:t>
+            </a:r>
+          </a:p>
+          <a:p>
+            <a:pPr lvl="2"/>
+            <a:r>
+              <a:rPr lang="en-GB" smtClean="0"/>
+              <a:t>Third level</a:t>
+            </a:r>
+          </a:p>
+          <a:p>
+            <a:pPr lvl="3"/>
+            <a:r>
+              <a:rPr lang="en-GB" smtClean="0"/>
+              <a:t>Fourth level</a:t>
+            </a:r>
+          </a:p>
+          <a:p>
+            <a:pPr lvl="4"/>
+            <a:r>
+              <a:rPr lang="en-GB" smtClean="0"/>
+              <a:t>Fifth level</a:t>
+            </a:r>
+            <a:endParaRPr lang="en-GB"/>
+          </a:p>
+        </p:txBody>
+      </p:sp>
+      <p:sp>
+        <p:nvSpPr>
+          <p:cNvPr id="4" name="Date Placeholder 3"/>
+          <p:cNvSpPr>
+            <a:spLocks noGrp="1"/>
+          </p:cNvSpPr>
+          <p:nvPr>
+            <p:ph type="dt" sz="half" idx="10"/>
+          </p:nvPr>
+        </p:nvSpPr>
+        <p:spPr/>
+        <p:txBody>
+          <a:bodyPr/>
+          <a:lstStyle>
+            <a:lvl1pPr>
+              <a:defRPr/>
+            </a:lvl1pPr>
+          </a:lstStyle>
+          <a:p>
+            <a:fld id="{03E632DE-081F-CD46-A6DB-B798177DF416}" type="datetimeFigureOut">
+              <a:rPr lang="en-GB" smtClean="0"/>
+              <a:pPr/>
+              <a:t>20/05/16</a:t>
+            </a:fld>
+            <a:endParaRPr lang="en-GB"/>
+          </a:p>
+        </p:txBody>
+      </p:sp>
+      <p:sp>
+        <p:nvSpPr>
+          <p:cNvPr id="5" name="Footer Placeholder 4"/>
+          <p:cNvSpPr>
+            <a:spLocks noGrp="1"/>
+          </p:cNvSpPr>
+          <p:nvPr>
+            <p:ph type="ftr" sz="quarter" idx="11"/>
+          </p:nvPr>
+        </p:nvSpPr>
+        <p:spPr/>
+        <p:txBody>
+          <a:bodyPr/>
+          <a:lstStyle>
+            <a:lvl1pPr>
+              <a:defRPr/>
+            </a:lvl1pPr>
+          </a:lstStyle>
+          <a:p>
+            <a:endParaRPr lang="en-GB"/>
+          </a:p>
+        </p:txBody>
+      </p:sp>
+      <p:sp>
+        <p:nvSpPr>
+          <p:cNvPr id="6" name="Slide Number Placeholder 5"/>
+          <p:cNvSpPr>
+            <a:spLocks noGrp="1"/>
+          </p:cNvSpPr>
+          <p:nvPr>
+            <p:ph type="sldNum" sz="quarter" idx="12"/>
+          </p:nvPr>
+        </p:nvSpPr>
+        <p:spPr/>
+        <p:txBody>
+          <a:bodyPr/>
+          <a:lstStyle>
+            <a:lvl1pPr>
+              <a:defRPr smtClean="0"/>
+            </a:lvl1pPr>
+          </a:lstStyle>
+          <a:p>
+            <a:fld id="{62D44BB8-CF0D-3C41-837E-11280C7A5155}" type="slidenum">
+              <a:rPr lang="en-GB" smtClean="0"/>
+              <a:pPr/>
+              <a:t>‹#›</a:t>
+            </a:fld>
+            <a:endParaRPr lang="en-GB"/>
+          </a:p>
+        </p:txBody>
+      </p:sp>
+    </p:spTree>
+  </p:cSld>
+  <p:clrMapOvr>
+    <a:masterClrMapping/>
+  </p:clrMapOvr>
+</p:sldLayout>
+</file>
+
+<file path=ppt/slideLayouts/slideLayout12.xml><?xml version="1.0" encoding="utf-8"?>
+<p:sldLayout xmlns:a="http://schemas.openxmlformats.org/drawingml/2006/main" xmlns:r="http://schemas.openxmlformats.org/officeDocument/2006/relationships" xmlns:p="http://schemas.openxmlformats.org/presentationml/2006/main" type="txAndChart" preserve="1">
+  <p:cSld name="Title, Text and Chart">
+    <p:spTree>
+      <p:nvGrpSpPr>
+        <p:cNvPr id="1" name=""/>
+        <p:cNvGrpSpPr/>
+        <p:nvPr/>
+      </p:nvGrpSpPr>
+      <p:grpSpPr>
+        <a:xfrm>
+          <a:off x="0" y="0"/>
+          <a:ext cx="0" cy="0"/>
+          <a:chOff x="0" y="0"/>
+          <a:chExt cx="0" cy="0"/>
+        </a:xfrm>
+      </p:grpSpPr>
+      <p:sp>
+        <p:nvSpPr>
+          <p:cNvPr id="2" name="Title 1"/>
+          <p:cNvSpPr>
+            <a:spLocks noGrp="1"/>
+          </p:cNvSpPr>
+          <p:nvPr>
+            <p:ph type="title"/>
+          </p:nvPr>
+        </p:nvSpPr>
+        <p:spPr>
+          <a:xfrm>
+            <a:off x="323850" y="908050"/>
+            <a:ext cx="8496300" cy="649288"/>
           </a:xfrm>
         </p:spPr>
         <p:txBody>
-          <a:bodyPr vert="eaVert"/>
-          <a:lstStyle/>
-          <a:p>
-            <a:pPr lvl="0"/>
-            <a:r>
-              <a:rPr lang="en-GB"/>
-              <a:t>Click to edit Master text styles</a:t>
-            </a:r>
-          </a:p>
-          <a:p>
-            <a:pPr lvl="1"/>
-            <a:r>
-              <a:rPr lang="en-GB"/>
-              <a:t>Second level</a:t>
-            </a:r>
-          </a:p>
-          <a:p>
-            <a:pPr lvl="2"/>
-            <a:r>
-              <a:rPr lang="en-GB"/>
-              <a:t>Third level</a:t>
-            </a:r>
-          </a:p>
-          <a:p>
-            <a:pPr lvl="3"/>
-            <a:r>
-              <a:rPr lang="en-GB"/>
-              <a:t>Fourth level</a:t>
-            </a:r>
-          </a:p>
-          <a:p>
-            <a:pPr lvl="4"/>
-            <a:r>
-              <a:rPr lang="en-GB"/>
-              <a:t>Fifth level</a:t>
-            </a:r>
-            <a:endParaRPr lang="en-US"/>
-          </a:p>
-        </p:txBody>
-      </p:sp>
-      <p:sp>
-        <p:nvSpPr>
-          <p:cNvPr id="4" name="Date Placeholder 3"/>
-          <p:cNvSpPr>
-            <a:spLocks noGrp="1"/>
-          </p:cNvSpPr>
-          <p:nvPr>
-            <p:ph type="dt" sz="half" idx="10"/>
-          </p:nvPr>
-        </p:nvSpPr>
-        <p:spPr/>
-        <p:txBody>
           <a:bodyPr/>
           <a:lstStyle/>
           <a:p>
-            <a:fld id="{F90E86F8-F907-424C-8522-AB6247E5BD98}" type="datetimeFigureOut">
-              <a:t>16/05/16</a:t>
-            </a:fld>
-            <a:endParaRPr lang="en-US"/>
-          </a:p>
-        </p:txBody>
-      </p:sp>
-      <p:sp>
-        <p:nvSpPr>
-          <p:cNvPr id="5" name="Footer Placeholder 4"/>
-          <p:cNvSpPr>
-            <a:spLocks noGrp="1"/>
-          </p:cNvSpPr>
-          <p:nvPr>
-            <p:ph type="ftr" sz="quarter" idx="11"/>
-          </p:nvPr>
-        </p:nvSpPr>
-        <p:spPr/>
+            <a:r>
+              <a:rPr lang="en-GB" smtClean="0"/>
+              <a:t>Click to edit Master title style</a:t>
+            </a:r>
+            <a:endParaRPr lang="en-GB"/>
+          </a:p>
+        </p:txBody>
+      </p:sp>
+      <p:sp>
+        <p:nvSpPr>
+          <p:cNvPr id="3" name="Text Placeholder 2"/>
+          <p:cNvSpPr>
+            <a:spLocks noGrp="1"/>
+          </p:cNvSpPr>
+          <p:nvPr>
+            <p:ph type="body" sz="half" idx="1"/>
+          </p:nvPr>
+        </p:nvSpPr>
+        <p:spPr>
+          <a:xfrm>
+            <a:off x="323850" y="1700213"/>
+            <a:ext cx="4171950" cy="4114800"/>
+          </a:xfrm>
+          <a:prstGeom prst="rect">
+            <a:avLst/>
+          </a:prstGeom>
+        </p:spPr>
         <p:txBody>
           <a:bodyPr/>
           <a:lstStyle/>
           <a:p>
-            <a:endParaRPr lang="en-US"/>
-          </a:p>
-        </p:txBody>
-      </p:sp>
-      <p:sp>
-        <p:nvSpPr>
-          <p:cNvPr id="6" name="Slide Number Placeholder 5"/>
-          <p:cNvSpPr>
-            <a:spLocks noGrp="1"/>
-          </p:cNvSpPr>
-          <p:nvPr>
-            <p:ph type="sldNum" sz="quarter" idx="12"/>
-          </p:nvPr>
-        </p:nvSpPr>
-        <p:spPr/>
+            <a:pPr lvl="0"/>
+            <a:r>
+              <a:rPr lang="en-GB" smtClean="0"/>
+              <a:t>Click to edit Master text styles</a:t>
+            </a:r>
+          </a:p>
+          <a:p>
+            <a:pPr lvl="1"/>
+            <a:r>
+              <a:rPr lang="en-GB" smtClean="0"/>
+              <a:t>Second level</a:t>
+            </a:r>
+          </a:p>
+          <a:p>
+            <a:pPr lvl="2"/>
+            <a:r>
+              <a:rPr lang="en-GB" smtClean="0"/>
+              <a:t>Third level</a:t>
+            </a:r>
+          </a:p>
+          <a:p>
+            <a:pPr lvl="3"/>
+            <a:r>
+              <a:rPr lang="en-GB" smtClean="0"/>
+              <a:t>Fourth level</a:t>
+            </a:r>
+          </a:p>
+          <a:p>
+            <a:pPr lvl="4"/>
+            <a:r>
+              <a:rPr lang="en-GB" smtClean="0"/>
+              <a:t>Fifth level</a:t>
+            </a:r>
+            <a:endParaRPr lang="en-GB"/>
+          </a:p>
+        </p:txBody>
+      </p:sp>
+      <p:sp>
+        <p:nvSpPr>
+          <p:cNvPr id="4" name="Chart Placeholder 3"/>
+          <p:cNvSpPr>
+            <a:spLocks noGrp="1"/>
+          </p:cNvSpPr>
+          <p:nvPr>
+            <p:ph type="chart" sz="half" idx="2"/>
+          </p:nvPr>
+        </p:nvSpPr>
+        <p:spPr>
+          <a:xfrm>
+            <a:off x="4648200" y="1700213"/>
+            <a:ext cx="4171950" cy="4114800"/>
+          </a:xfrm>
+          <a:prstGeom prst="rect">
+            <a:avLst/>
+          </a:prstGeom>
+        </p:spPr>
         <p:txBody>
           <a:bodyPr/>
           <a:lstStyle/>
           <a:p>
-            <a:fld id="{C801731E-83CA-9345-A049-E9669943AA4B}" type="slidenum">
+            <a:r>
+              <a:rPr lang="en-GB" smtClean="0"/>
+              <a:t>Click icon to add chart</a:t>
+            </a:r>
+            <a:endParaRPr lang="en-GB"/>
+          </a:p>
+        </p:txBody>
+      </p:sp>
+      <p:sp>
+        <p:nvSpPr>
+          <p:cNvPr id="5" name="Date Placeholder 4"/>
+          <p:cNvSpPr>
+            <a:spLocks noGrp="1"/>
+          </p:cNvSpPr>
+          <p:nvPr>
+            <p:ph type="dt" sz="half" idx="10"/>
+          </p:nvPr>
+        </p:nvSpPr>
+        <p:spPr>
+          <a:xfrm>
+            <a:off x="685800" y="6248400"/>
+            <a:ext cx="1905000" cy="457200"/>
+          </a:xfrm>
+        </p:spPr>
+        <p:txBody>
+          <a:bodyPr/>
+          <a:lstStyle>
+            <a:lvl1pPr>
+              <a:defRPr/>
+            </a:lvl1pPr>
+          </a:lstStyle>
+          <a:p>
+            <a:fld id="{03E632DE-081F-CD46-A6DB-B798177DF416}" type="datetimeFigureOut">
+              <a:rPr lang="en-GB" smtClean="0"/>
+              <a:pPr/>
+              <a:t>20/05/16</a:t>
+            </a:fld>
+            <a:endParaRPr lang="en-GB"/>
+          </a:p>
+        </p:txBody>
+      </p:sp>
+      <p:sp>
+        <p:nvSpPr>
+          <p:cNvPr id="6" name="Footer Placeholder 5"/>
+          <p:cNvSpPr>
+            <a:spLocks noGrp="1"/>
+          </p:cNvSpPr>
+          <p:nvPr>
+            <p:ph type="ftr" sz="quarter" idx="11"/>
+          </p:nvPr>
+        </p:nvSpPr>
+        <p:spPr>
+          <a:xfrm>
+            <a:off x="3124200" y="6248400"/>
+            <a:ext cx="2895600" cy="457200"/>
+          </a:xfrm>
+        </p:spPr>
+        <p:txBody>
+          <a:bodyPr/>
+          <a:lstStyle>
+            <a:lvl1pPr>
+              <a:defRPr/>
+            </a:lvl1pPr>
+          </a:lstStyle>
+          <a:p>
+            <a:endParaRPr lang="en-GB"/>
+          </a:p>
+        </p:txBody>
+      </p:sp>
+      <p:sp>
+        <p:nvSpPr>
+          <p:cNvPr id="7" name="Slide Number Placeholder 6"/>
+          <p:cNvSpPr>
+            <a:spLocks noGrp="1"/>
+          </p:cNvSpPr>
+          <p:nvPr>
+            <p:ph type="sldNum" sz="quarter" idx="12"/>
+          </p:nvPr>
+        </p:nvSpPr>
+        <p:spPr>
+          <a:xfrm>
+            <a:off x="6877050" y="6308725"/>
+            <a:ext cx="1905000" cy="457200"/>
+          </a:xfrm>
+        </p:spPr>
+        <p:txBody>
+          <a:bodyPr/>
+          <a:lstStyle>
+            <a:lvl1pPr>
+              <a:defRPr smtClean="0"/>
+            </a:lvl1pPr>
+          </a:lstStyle>
+          <a:p>
+            <a:fld id="{62D44BB8-CF0D-3C41-837E-11280C7A5155}" type="slidenum">
+              <a:rPr lang="en-GB" smtClean="0"/>
+              <a:pPr/>
               <a:t>‹#›</a:t>
             </a:fld>
-            <a:endParaRPr lang="en-US"/>
+            <a:endParaRPr lang="en-GB"/>
           </a:p>
         </p:txBody>
       </p:sp>
     </p:spTree>
-    <p:extLst>
-      <p:ext uri="{BB962C8B-B14F-4D97-AF65-F5344CB8AC3E}">
-        <p14:creationId xmlns:p14="http://schemas.microsoft.com/office/powerpoint/2010/main" val="3420819222"/>
-      </p:ext>
-    </p:extLst>
+  </p:cSld>
+  <p:clrMapOvr>
+    <a:masterClrMapping/>
+  </p:clrMapOvr>
+</p:sldLayout>
+</file>
+
+<file path=ppt/slideLayouts/slideLayout13.xml><?xml version="1.0" encoding="utf-8"?>
+<p:sldLayout xmlns:a="http://schemas.openxmlformats.org/drawingml/2006/main" xmlns:r="http://schemas.openxmlformats.org/officeDocument/2006/relationships" xmlns:p="http://schemas.openxmlformats.org/presentationml/2006/main" preserve="1">
+  <p:cSld name="Title and Table">
+    <p:spTree>
+      <p:nvGrpSpPr>
+        <p:cNvPr id="1" name=""/>
+        <p:cNvGrpSpPr/>
+        <p:nvPr/>
+      </p:nvGrpSpPr>
+      <p:grpSpPr>
+        <a:xfrm>
+          <a:off x="0" y="0"/>
+          <a:ext cx="0" cy="0"/>
+          <a:chOff x="0" y="0"/>
+          <a:chExt cx="0" cy="0"/>
+        </a:xfrm>
+      </p:grpSpPr>
+      <p:sp>
+        <p:nvSpPr>
+          <p:cNvPr id="2" name="Title 1"/>
+          <p:cNvSpPr>
+            <a:spLocks noGrp="1"/>
+          </p:cNvSpPr>
+          <p:nvPr>
+            <p:ph type="title"/>
+          </p:nvPr>
+        </p:nvSpPr>
+        <p:spPr>
+          <a:xfrm>
+            <a:off x="311150" y="0"/>
+            <a:ext cx="8496300" cy="649288"/>
+          </a:xfrm>
+        </p:spPr>
+        <p:txBody>
+          <a:bodyPr/>
+          <a:lstStyle/>
+          <a:p>
+            <a:r>
+              <a:rPr lang="en-GB" smtClean="0"/>
+              <a:t>Click to edit Master title style</a:t>
+            </a:r>
+            <a:endParaRPr lang="en-GB"/>
+          </a:p>
+        </p:txBody>
+      </p:sp>
+      <p:sp>
+        <p:nvSpPr>
+          <p:cNvPr id="3" name="Table Placeholder 2"/>
+          <p:cNvSpPr>
+            <a:spLocks noGrp="1"/>
+          </p:cNvSpPr>
+          <p:nvPr>
+            <p:ph type="tbl" idx="1"/>
+          </p:nvPr>
+        </p:nvSpPr>
+        <p:spPr>
+          <a:xfrm>
+            <a:off x="323850" y="1700213"/>
+            <a:ext cx="8496300" cy="4114800"/>
+          </a:xfrm>
+          <a:prstGeom prst="rect">
+            <a:avLst/>
+          </a:prstGeom>
+        </p:spPr>
+        <p:txBody>
+          <a:bodyPr/>
+          <a:lstStyle/>
+          <a:p>
+            <a:r>
+              <a:rPr lang="en-GB" smtClean="0"/>
+              <a:t>Click icon to add table</a:t>
+            </a:r>
+            <a:endParaRPr lang="en-GB"/>
+          </a:p>
+        </p:txBody>
+      </p:sp>
+    </p:spTree>
   </p:cSld>
   <p:clrMapOvr>
     <a:masterClrMapping/>
@@ -739,10 +1466,10 @@
           <a:lstStyle/>
           <a:p>
             <a:r>
-              <a:rPr lang="en-GB"/>
+              <a:rPr lang="en-GB" smtClean="0"/>
               <a:t>Click to edit Master title style</a:t>
             </a:r>
-            <a:endParaRPr lang="en-US"/>
+            <a:endParaRPr lang="en-GB"/>
           </a:p>
         </p:txBody>
       </p:sp>
@@ -756,45 +1483,53 @@
             <p:ph idx="1"/>
           </p:nvPr>
         </p:nvSpPr>
-        <p:spPr/>
+        <p:spPr>
+          <a:xfrm>
+            <a:off x="323850" y="1700213"/>
+            <a:ext cx="8496300" cy="4114800"/>
+          </a:xfrm>
+          <a:prstGeom prst="rect">
+            <a:avLst/>
+          </a:prstGeom>
+        </p:spPr>
         <p:txBody>
           <a:bodyPr/>
           <a:lstStyle/>
           <a:p>
             <a:pPr lvl="0"/>
             <a:r>
-              <a:rPr lang="en-GB"/>
+              <a:rPr lang="en-GB" smtClean="0"/>
               <a:t>Click to edit Master text styles</a:t>
             </a:r>
           </a:p>
           <a:p>
             <a:pPr lvl="1"/>
             <a:r>
-              <a:rPr lang="en-GB"/>
+              <a:rPr lang="en-GB" smtClean="0"/>
               <a:t>Second level</a:t>
             </a:r>
           </a:p>
           <a:p>
             <a:pPr lvl="2"/>
             <a:r>
-              <a:rPr lang="en-GB"/>
+              <a:rPr lang="en-GB" smtClean="0"/>
               <a:t>Third level</a:t>
             </a:r>
           </a:p>
           <a:p>
             <a:pPr lvl="3"/>
             <a:r>
-              <a:rPr lang="en-GB"/>
+              <a:rPr lang="en-GB" smtClean="0"/>
               <a:t>Fourth level</a:t>
             </a:r>
           </a:p>
           <a:p>
             <a:pPr lvl="4"/>
             <a:r>
-              <a:rPr lang="en-GB"/>
+              <a:rPr lang="en-GB" smtClean="0"/>
               <a:t>Fifth level</a:t>
             </a:r>
-            <a:endParaRPr lang="en-US"/>
+            <a:endParaRPr lang="en-GB"/>
           </a:p>
         </p:txBody>
       </p:sp>
@@ -811,12 +1546,18 @@
         <p:spPr/>
         <p:txBody>
           <a:bodyPr/>
-          <a:lstStyle/>
-          <a:p>
-            <a:fld id="{F90E86F8-F907-424C-8522-AB6247E5BD98}" type="datetimeFigureOut">
-              <a:t>16/05/16</a:t>
+          <a:lstStyle>
+            <a:lvl1pPr>
+              <a:defRPr/>
+            </a:lvl1pPr>
+          </a:lstStyle>
+          <a:p>
+            <a:fld id="{03E632DE-081F-CD46-A6DB-B798177DF416}" type="datetimeFigureOut">
+              <a:rPr lang="en-GB" smtClean="0"/>
+              <a:pPr/>
+              <a:t>20/05/16</a:t>
             </a:fld>
-            <a:endParaRPr lang="en-US"/>
+            <a:endParaRPr lang="en-GB"/>
           </a:p>
         </p:txBody>
       </p:sp>
@@ -833,9 +1574,13 @@
         <p:spPr/>
         <p:txBody>
           <a:bodyPr/>
-          <a:lstStyle/>
-          <a:p>
-            <a:endParaRPr lang="en-US"/>
+          <a:lstStyle>
+            <a:lvl1pPr>
+              <a:defRPr/>
+            </a:lvl1pPr>
+          </a:lstStyle>
+          <a:p>
+            <a:endParaRPr lang="en-GB"/>
           </a:p>
         </p:txBody>
       </p:sp>
@@ -852,21 +1597,22 @@
         <p:spPr/>
         <p:txBody>
           <a:bodyPr/>
-          <a:lstStyle/>
-          <a:p>
-            <a:fld id="{C801731E-83CA-9345-A049-E9669943AA4B}" type="slidenum">
+          <a:lstStyle>
+            <a:lvl1pPr>
+              <a:defRPr smtClean="0"/>
+            </a:lvl1pPr>
+          </a:lstStyle>
+          <a:p>
+            <a:fld id="{62D44BB8-CF0D-3C41-837E-11280C7A5155}" type="slidenum">
+              <a:rPr lang="en-GB" smtClean="0"/>
+              <a:pPr/>
               <a:t>‹#›</a:t>
             </a:fld>
-            <a:endParaRPr lang="en-US"/>
+            <a:endParaRPr lang="en-GB"/>
           </a:p>
         </p:txBody>
       </p:sp>
     </p:spTree>
-    <p:extLst>
-      <p:ext uri="{BB962C8B-B14F-4D97-AF65-F5344CB8AC3E}">
-        <p14:creationId xmlns:p14="http://schemas.microsoft.com/office/powerpoint/2010/main" val="1759204433"/>
-      </p:ext>
-    </p:extLst>
   </p:cSld>
   <p:clrMapOvr>
     <a:masterClrMapping/>
@@ -908,7 +1654,7 @@
           </a:xfrm>
         </p:spPr>
         <p:txBody>
-          <a:bodyPr anchor="t"/>
+          <a:bodyPr/>
           <a:lstStyle>
             <a:lvl1pPr algn="l">
               <a:defRPr sz="4000" b="1" cap="all"/>
@@ -916,10 +1662,10 @@
           </a:lstStyle>
           <a:p>
             <a:r>
-              <a:rPr lang="en-GB"/>
+              <a:rPr lang="en-GB" smtClean="0"/>
               <a:t>Click to edit Master title style</a:t>
             </a:r>
-            <a:endParaRPr lang="en-US"/>
+            <a:endParaRPr lang="en-GB"/>
           </a:p>
         </p:txBody>
       </p:sp>
@@ -938,105 +1684,54 @@
             <a:off x="722313" y="2906713"/>
             <a:ext cx="7772400" cy="1500187"/>
           </a:xfrm>
+          <a:prstGeom prst="rect">
+            <a:avLst/>
+          </a:prstGeom>
         </p:spPr>
         <p:txBody>
           <a:bodyPr anchor="b"/>
           <a:lstStyle>
             <a:lvl1pPr marL="0" indent="0">
               <a:buNone/>
-              <a:defRPr sz="2000">
-                <a:solidFill>
-                  <a:schemeClr val="tx1">
-                    <a:tint val="75000"/>
-                  </a:schemeClr>
-                </a:solidFill>
-              </a:defRPr>
+              <a:defRPr sz="2000"/>
             </a:lvl1pPr>
             <a:lvl2pPr marL="457200" indent="0">
               <a:buNone/>
-              <a:defRPr sz="1800">
-                <a:solidFill>
-                  <a:schemeClr val="tx1">
-                    <a:tint val="75000"/>
-                  </a:schemeClr>
-                </a:solidFill>
-              </a:defRPr>
+              <a:defRPr sz="1800"/>
             </a:lvl2pPr>
             <a:lvl3pPr marL="914400" indent="0">
               <a:buNone/>
-              <a:defRPr sz="1600">
-                <a:solidFill>
-                  <a:schemeClr val="tx1">
-                    <a:tint val="75000"/>
-                  </a:schemeClr>
-                </a:solidFill>
-              </a:defRPr>
+              <a:defRPr sz="1600"/>
             </a:lvl3pPr>
             <a:lvl4pPr marL="1371600" indent="0">
               <a:buNone/>
-              <a:defRPr sz="1400">
-                <a:solidFill>
-                  <a:schemeClr val="tx1">
-                    <a:tint val="75000"/>
-                  </a:schemeClr>
-                </a:solidFill>
-              </a:defRPr>
+              <a:defRPr sz="1400"/>
             </a:lvl4pPr>
             <a:lvl5pPr marL="1828800" indent="0">
               <a:buNone/>
-              <a:defRPr sz="1400">
-                <a:solidFill>
-                  <a:schemeClr val="tx1">
-                    <a:tint val="75000"/>
-                  </a:schemeClr>
-                </a:solidFill>
-              </a:defRPr>
+              <a:defRPr sz="1400"/>
             </a:lvl5pPr>
             <a:lvl6pPr marL="2286000" indent="0">
               <a:buNone/>
-              <a:defRPr sz="1400">
-                <a:solidFill>
-                  <a:schemeClr val="tx1">
-                    <a:tint val="75000"/>
-                  </a:schemeClr>
-                </a:solidFill>
-              </a:defRPr>
+              <a:defRPr sz="1400"/>
             </a:lvl6pPr>
             <a:lvl7pPr marL="2743200" indent="0">
               <a:buNone/>
-              <a:defRPr sz="1400">
-                <a:solidFill>
-                  <a:schemeClr val="tx1">
-                    <a:tint val="75000"/>
-                  </a:schemeClr>
-                </a:solidFill>
-              </a:defRPr>
+              <a:defRPr sz="1400"/>
             </a:lvl7pPr>
             <a:lvl8pPr marL="3200400" indent="0">
               <a:buNone/>
-              <a:defRPr sz="1400">
-                <a:solidFill>
-                  <a:schemeClr val="tx1">
-                    <a:tint val="75000"/>
-                  </a:schemeClr>
-                </a:solidFill>
-              </a:defRPr>
+              <a:defRPr sz="1400"/>
             </a:lvl8pPr>
             <a:lvl9pPr marL="3657600" indent="0">
               <a:buNone/>
-              <a:defRPr sz="1400">
-                <a:solidFill>
-                  <a:schemeClr val="tx1">
-                    <a:tint val="75000"/>
-                  </a:schemeClr>
-                </a:solidFill>
-              </a:defRPr>
+              <a:defRPr sz="1400"/>
             </a:lvl9pPr>
           </a:lstStyle>
           <a:p>
             <a:pPr lvl="0"/>
             <a:r>
-              <a:rPr lang="en-GB"/>
+              <a:rPr lang="en-GB" smtClean="0"/>
               <a:t>Click to edit Master text styles</a:t>
             </a:r>
           </a:p>
@@ -1055,12 +1750,18 @@
         <p:spPr/>
         <p:txBody>
           <a:bodyPr/>
-          <a:lstStyle/>
-          <a:p>
-            <a:fld id="{F90E86F8-F907-424C-8522-AB6247E5BD98}" type="datetimeFigureOut">
-              <a:t>16/05/16</a:t>
+          <a:lstStyle>
+            <a:lvl1pPr>
+              <a:defRPr/>
+            </a:lvl1pPr>
+          </a:lstStyle>
+          <a:p>
+            <a:fld id="{03E632DE-081F-CD46-A6DB-B798177DF416}" type="datetimeFigureOut">
+              <a:rPr lang="en-GB" smtClean="0"/>
+              <a:pPr/>
+              <a:t>20/05/16</a:t>
             </a:fld>
-            <a:endParaRPr lang="en-US"/>
+            <a:endParaRPr lang="en-GB"/>
           </a:p>
         </p:txBody>
       </p:sp>
@@ -1077,9 +1778,13 @@
         <p:spPr/>
         <p:txBody>
           <a:bodyPr/>
-          <a:lstStyle/>
-          <a:p>
-            <a:endParaRPr lang="en-US"/>
+          <a:lstStyle>
+            <a:lvl1pPr>
+              <a:defRPr/>
+            </a:lvl1pPr>
+          </a:lstStyle>
+          <a:p>
+            <a:endParaRPr lang="en-GB"/>
           </a:p>
         </p:txBody>
       </p:sp>
@@ -1096,21 +1801,22 @@
         <p:spPr/>
         <p:txBody>
           <a:bodyPr/>
-          <a:lstStyle/>
-          <a:p>
-            <a:fld id="{C801731E-83CA-9345-A049-E9669943AA4B}" type="slidenum">
+          <a:lstStyle>
+            <a:lvl1pPr>
+              <a:defRPr smtClean="0"/>
+            </a:lvl1pPr>
+          </a:lstStyle>
+          <a:p>
+            <a:fld id="{62D44BB8-CF0D-3C41-837E-11280C7A5155}" type="slidenum">
+              <a:rPr lang="en-GB" smtClean="0"/>
+              <a:pPr/>
               <a:t>‹#›</a:t>
             </a:fld>
-            <a:endParaRPr lang="en-US"/>
+            <a:endParaRPr lang="en-GB"/>
           </a:p>
         </p:txBody>
       </p:sp>
     </p:spTree>
-    <p:extLst>
-      <p:ext uri="{BB962C8B-B14F-4D97-AF65-F5344CB8AC3E}">
-        <p14:creationId xmlns:p14="http://schemas.microsoft.com/office/powerpoint/2010/main" val="2897825962"/>
-      </p:ext>
-    </p:extLst>
   </p:cSld>
   <p:clrMapOvr>
     <a:masterClrMapping/>
@@ -1151,10 +1857,10 @@
           <a:lstStyle/>
           <a:p>
             <a:r>
-              <a:rPr lang="en-GB"/>
+              <a:rPr lang="en-GB" smtClean="0"/>
               <a:t>Click to edit Master title style</a:t>
             </a:r>
-            <a:endParaRPr lang="en-US"/>
+            <a:endParaRPr lang="en-GB"/>
           </a:p>
         </p:txBody>
       </p:sp>
@@ -1170,9 +1876,12 @@
         </p:nvSpPr>
         <p:spPr>
           <a:xfrm>
-            <a:off x="457200" y="1600200"/>
-            <a:ext cx="4038600" cy="4525963"/>
+            <a:off x="323850" y="1700213"/>
+            <a:ext cx="4171950" cy="4114800"/>
           </a:xfrm>
+          <a:prstGeom prst="rect">
+            <a:avLst/>
+          </a:prstGeom>
         </p:spPr>
         <p:txBody>
           <a:bodyPr/>
@@ -1208,38 +1917,38 @@
           <a:p>
             <a:pPr lvl="0"/>
             <a:r>
-              <a:rPr lang="en-GB"/>
+              <a:rPr lang="en-GB" smtClean="0"/>
               <a:t>Click to edit Master text styles</a:t>
             </a:r>
           </a:p>
           <a:p>
             <a:pPr lvl="1"/>
             <a:r>
-              <a:rPr lang="en-GB"/>
+              <a:rPr lang="en-GB" smtClean="0"/>
               <a:t>Second level</a:t>
             </a:r>
           </a:p>
           <a:p>
             <a:pPr lvl="2"/>
             <a:r>
-              <a:rPr lang="en-GB"/>
+              <a:rPr lang="en-GB" smtClean="0"/>
               <a:t>Third level</a:t>
             </a:r>
           </a:p>
           <a:p>
             <a:pPr lvl="3"/>
             <a:r>
-              <a:rPr lang="en-GB"/>
+              <a:rPr lang="en-GB" smtClean="0"/>
               <a:t>Fourth level</a:t>
             </a:r>
           </a:p>
           <a:p>
             <a:pPr lvl="4"/>
             <a:r>
-              <a:rPr lang="en-GB"/>
+              <a:rPr lang="en-GB" smtClean="0"/>
               <a:t>Fifth level</a:t>
             </a:r>
-            <a:endParaRPr lang="en-US"/>
+            <a:endParaRPr lang="en-GB"/>
           </a:p>
         </p:txBody>
       </p:sp>
@@ -1255,9 +1964,12 @@
         </p:nvSpPr>
         <p:spPr>
           <a:xfrm>
-            <a:off x="4648200" y="1600200"/>
-            <a:ext cx="4038600" cy="4525963"/>
+            <a:off x="4648200" y="1700213"/>
+            <a:ext cx="4171950" cy="4114800"/>
           </a:xfrm>
+          <a:prstGeom prst="rect">
+            <a:avLst/>
+          </a:prstGeom>
         </p:spPr>
         <p:txBody>
           <a:bodyPr/>
@@ -1293,38 +2005,38 @@
           <a:p>
             <a:pPr lvl="0"/>
             <a:r>
-              <a:rPr lang="en-GB"/>
+              <a:rPr lang="en-GB" smtClean="0"/>
               <a:t>Click to edit Master text styles</a:t>
             </a:r>
           </a:p>
           <a:p>
             <a:pPr lvl="1"/>
             <a:r>
-              <a:rPr lang="en-GB"/>
+              <a:rPr lang="en-GB" smtClean="0"/>
               <a:t>Second level</a:t>
             </a:r>
           </a:p>
           <a:p>
             <a:pPr lvl="2"/>
             <a:r>
-              <a:rPr lang="en-GB"/>
+              <a:rPr lang="en-GB" smtClean="0"/>
               <a:t>Third level</a:t>
             </a:r>
           </a:p>
           <a:p>
             <a:pPr lvl="3"/>
             <a:r>
-              <a:rPr lang="en-GB"/>
+              <a:rPr lang="en-GB" smtClean="0"/>
               <a:t>Fourth level</a:t>
             </a:r>
           </a:p>
           <a:p>
             <a:pPr lvl="4"/>
             <a:r>
-              <a:rPr lang="en-GB"/>
+              <a:rPr lang="en-GB" smtClean="0"/>
               <a:t>Fifth level</a:t>
             </a:r>
-            <a:endParaRPr lang="en-US"/>
+            <a:endParaRPr lang="en-GB"/>
           </a:p>
         </p:txBody>
       </p:sp>
@@ -1341,12 +2053,18 @@
         <p:spPr/>
         <p:txBody>
           <a:bodyPr/>
-          <a:lstStyle/>
-          <a:p>
-            <a:fld id="{F90E86F8-F907-424C-8522-AB6247E5BD98}" type="datetimeFigureOut">
-              <a:t>16/05/16</a:t>
+          <a:lstStyle>
+            <a:lvl1pPr>
+              <a:defRPr/>
+            </a:lvl1pPr>
+          </a:lstStyle>
+          <a:p>
+            <a:fld id="{03E632DE-081F-CD46-A6DB-B798177DF416}" type="datetimeFigureOut">
+              <a:rPr lang="en-GB" smtClean="0"/>
+              <a:pPr/>
+              <a:t>20/05/16</a:t>
             </a:fld>
-            <a:endParaRPr lang="en-US"/>
+            <a:endParaRPr lang="en-GB"/>
           </a:p>
         </p:txBody>
       </p:sp>
@@ -1363,9 +2081,13 @@
         <p:spPr/>
         <p:txBody>
           <a:bodyPr/>
-          <a:lstStyle/>
-          <a:p>
-            <a:endParaRPr lang="en-US"/>
+          <a:lstStyle>
+            <a:lvl1pPr>
+              <a:defRPr/>
+            </a:lvl1pPr>
+          </a:lstStyle>
+          <a:p>
+            <a:endParaRPr lang="en-GB"/>
           </a:p>
         </p:txBody>
       </p:sp>
@@ -1382,21 +2104,22 @@
         <p:spPr/>
         <p:txBody>
           <a:bodyPr/>
-          <a:lstStyle/>
-          <a:p>
-            <a:fld id="{C801731E-83CA-9345-A049-E9669943AA4B}" type="slidenum">
+          <a:lstStyle>
+            <a:lvl1pPr>
+              <a:defRPr smtClean="0"/>
+            </a:lvl1pPr>
+          </a:lstStyle>
+          <a:p>
+            <a:fld id="{62D44BB8-CF0D-3C41-837E-11280C7A5155}" type="slidenum">
+              <a:rPr lang="en-GB" smtClean="0"/>
+              <a:pPr/>
               <a:t>‹#›</a:t>
             </a:fld>
-            <a:endParaRPr lang="en-US"/>
+            <a:endParaRPr lang="en-GB"/>
           </a:p>
         </p:txBody>
       </p:sp>
     </p:spTree>
-    <p:extLst>
-      <p:ext uri="{BB962C8B-B14F-4D97-AF65-F5344CB8AC3E}">
-        <p14:creationId xmlns:p14="http://schemas.microsoft.com/office/powerpoint/2010/main" val="2976156695"/>
-      </p:ext>
-    </p:extLst>
   </p:cSld>
   <p:clrMapOvr>
     <a:masterClrMapping/>
@@ -1431,7 +2154,12 @@
             <p:ph type="title"/>
           </p:nvPr>
         </p:nvSpPr>
-        <p:spPr/>
+        <p:spPr>
+          <a:xfrm>
+            <a:off x="457200" y="274638"/>
+            <a:ext cx="8229600" cy="1143000"/>
+          </a:xfrm>
+        </p:spPr>
         <p:txBody>
           <a:bodyPr/>
           <a:lstStyle>
@@ -1441,10 +2169,10 @@
           </a:lstStyle>
           <a:p>
             <a:r>
-              <a:rPr lang="en-GB"/>
+              <a:rPr lang="en-GB" smtClean="0"/>
               <a:t>Click to edit Master title style</a:t>
             </a:r>
-            <a:endParaRPr lang="en-US"/>
+            <a:endParaRPr lang="en-GB"/>
           </a:p>
         </p:txBody>
       </p:sp>
@@ -1463,6 +2191,9 @@
             <a:off x="457200" y="1535113"/>
             <a:ext cx="4040188" cy="639762"/>
           </a:xfrm>
+          <a:prstGeom prst="rect">
+            <a:avLst/>
+          </a:prstGeom>
         </p:spPr>
         <p:txBody>
           <a:bodyPr anchor="b"/>
@@ -1507,7 +2238,7 @@
           <a:p>
             <a:pPr lvl="0"/>
             <a:r>
-              <a:rPr lang="en-GB"/>
+              <a:rPr lang="en-GB" smtClean="0"/>
               <a:t>Click to edit Master text styles</a:t>
             </a:r>
           </a:p>
@@ -1528,6 +2259,9 @@
             <a:off x="457200" y="2174875"/>
             <a:ext cx="4040188" cy="3951288"/>
           </a:xfrm>
+          <a:prstGeom prst="rect">
+            <a:avLst/>
+          </a:prstGeom>
         </p:spPr>
         <p:txBody>
           <a:bodyPr/>
@@ -1563,38 +2297,38 @@
           <a:p>
             <a:pPr lvl="0"/>
             <a:r>
-              <a:rPr lang="en-GB"/>
+              <a:rPr lang="en-GB" smtClean="0"/>
               <a:t>Click to edit Master text styles</a:t>
             </a:r>
           </a:p>
           <a:p>
             <a:pPr lvl="1"/>
             <a:r>
-              <a:rPr lang="en-GB"/>
+              <a:rPr lang="en-GB" smtClean="0"/>
               <a:t>Second level</a:t>
             </a:r>
           </a:p>
           <a:p>
             <a:pPr lvl="2"/>
             <a:r>
-              <a:rPr lang="en-GB"/>
+              <a:rPr lang="en-GB" smtClean="0"/>
               <a:t>Third level</a:t>
             </a:r>
           </a:p>
           <a:p>
             <a:pPr lvl="3"/>
             <a:r>
-              <a:rPr lang="en-GB"/>
+              <a:rPr lang="en-GB" smtClean="0"/>
               <a:t>Fourth level</a:t>
             </a:r>
           </a:p>
           <a:p>
             <a:pPr lvl="4"/>
             <a:r>
-              <a:rPr lang="en-GB"/>
+              <a:rPr lang="en-GB" smtClean="0"/>
               <a:t>Fifth level</a:t>
             </a:r>
-            <a:endParaRPr lang="en-US"/>
+            <a:endParaRPr lang="en-GB"/>
           </a:p>
         </p:txBody>
       </p:sp>
@@ -1613,6 +2347,9 @@
             <a:off x="4645025" y="1535113"/>
             <a:ext cx="4041775" cy="639762"/>
           </a:xfrm>
+          <a:prstGeom prst="rect">
+            <a:avLst/>
+          </a:prstGeom>
         </p:spPr>
         <p:txBody>
           <a:bodyPr anchor="b"/>
@@ -1657,7 +2394,7 @@
           <a:p>
             <a:pPr lvl="0"/>
             <a:r>
-              <a:rPr lang="en-GB"/>
+              <a:rPr lang="en-GB" smtClean="0"/>
               <a:t>Click to edit Master text styles</a:t>
             </a:r>
           </a:p>
@@ -1678,6 +2415,9 @@
             <a:off x="4645025" y="2174875"/>
             <a:ext cx="4041775" cy="3951288"/>
           </a:xfrm>
+          <a:prstGeom prst="rect">
+            <a:avLst/>
+          </a:prstGeom>
         </p:spPr>
         <p:txBody>
           <a:bodyPr/>
@@ -1713,38 +2453,38 @@
           <a:p>
             <a:pPr lvl="0"/>
             <a:r>
-              <a:rPr lang="en-GB"/>
+              <a:rPr lang="en-GB" smtClean="0"/>
               <a:t>Click to edit Master text styles</a:t>
             </a:r>
           </a:p>
           <a:p>
             <a:pPr lvl="1"/>
             <a:r>
-              <a:rPr lang="en-GB"/>
+              <a:rPr lang="en-GB" smtClean="0"/>
               <a:t>Second level</a:t>
             </a:r>
           </a:p>
           <a:p>
             <a:pPr lvl="2"/>
             <a:r>
-              <a:rPr lang="en-GB"/>
+              <a:rPr lang="en-GB" smtClean="0"/>
               <a:t>Third level</a:t>
             </a:r>
           </a:p>
           <a:p>
             <a:pPr lvl="3"/>
             <a:r>
-              <a:rPr lang="en-GB"/>
+              <a:rPr lang="en-GB" smtClean="0"/>
               <a:t>Fourth level</a:t>
             </a:r>
           </a:p>
           <a:p>
             <a:pPr lvl="4"/>
             <a:r>
-              <a:rPr lang="en-GB"/>
+              <a:rPr lang="en-GB" smtClean="0"/>
               <a:t>Fifth level</a:t>
             </a:r>
-            <a:endParaRPr lang="en-US"/>
+            <a:endParaRPr lang="en-GB"/>
           </a:p>
         </p:txBody>
       </p:sp>
@@ -1761,12 +2501,18 @@
         <p:spPr/>
         <p:txBody>
           <a:bodyPr/>
-          <a:lstStyle/>
-          <a:p>
-            <a:fld id="{F90E86F8-F907-424C-8522-AB6247E5BD98}" type="datetimeFigureOut">
-              <a:t>16/05/16</a:t>
+          <a:lstStyle>
+            <a:lvl1pPr>
+              <a:defRPr/>
+            </a:lvl1pPr>
+          </a:lstStyle>
+          <a:p>
+            <a:fld id="{03E632DE-081F-CD46-A6DB-B798177DF416}" type="datetimeFigureOut">
+              <a:rPr lang="en-GB" smtClean="0"/>
+              <a:pPr/>
+              <a:t>20/05/16</a:t>
             </a:fld>
-            <a:endParaRPr lang="en-US"/>
+            <a:endParaRPr lang="en-GB"/>
           </a:p>
         </p:txBody>
       </p:sp>
@@ -1783,9 +2529,13 @@
         <p:spPr/>
         <p:txBody>
           <a:bodyPr/>
-          <a:lstStyle/>
-          <a:p>
-            <a:endParaRPr lang="en-US"/>
+          <a:lstStyle>
+            <a:lvl1pPr>
+              <a:defRPr/>
+            </a:lvl1pPr>
+          </a:lstStyle>
+          <a:p>
+            <a:endParaRPr lang="en-GB"/>
           </a:p>
         </p:txBody>
       </p:sp>
@@ -1802,21 +2552,22 @@
         <p:spPr/>
         <p:txBody>
           <a:bodyPr/>
-          <a:lstStyle/>
-          <a:p>
-            <a:fld id="{C801731E-83CA-9345-A049-E9669943AA4B}" type="slidenum">
+          <a:lstStyle>
+            <a:lvl1pPr>
+              <a:defRPr smtClean="0"/>
+            </a:lvl1pPr>
+          </a:lstStyle>
+          <a:p>
+            <a:fld id="{62D44BB8-CF0D-3C41-837E-11280C7A5155}" type="slidenum">
+              <a:rPr lang="en-GB" smtClean="0"/>
+              <a:pPr/>
               <a:t>‹#›</a:t>
             </a:fld>
-            <a:endParaRPr lang="en-US"/>
+            <a:endParaRPr lang="en-GB"/>
           </a:p>
         </p:txBody>
       </p:sp>
     </p:spTree>
-    <p:extLst>
-      <p:ext uri="{BB962C8B-B14F-4D97-AF65-F5344CB8AC3E}">
-        <p14:creationId xmlns:p14="http://schemas.microsoft.com/office/powerpoint/2010/main" val="1048509095"/>
-      </p:ext>
-    </p:extLst>
   </p:cSld>
   <p:clrMapOvr>
     <a:masterClrMapping/>
@@ -1857,10 +2608,10 @@
           <a:lstStyle/>
           <a:p>
             <a:r>
-              <a:rPr lang="en-GB"/>
+              <a:rPr lang="en-GB" smtClean="0"/>
               <a:t>Click to edit Master title style</a:t>
             </a:r>
-            <a:endParaRPr lang="en-US"/>
+            <a:endParaRPr lang="en-GB"/>
           </a:p>
         </p:txBody>
       </p:sp>
@@ -1877,12 +2628,18 @@
         <p:spPr/>
         <p:txBody>
           <a:bodyPr/>
-          <a:lstStyle/>
-          <a:p>
-            <a:fld id="{F90E86F8-F907-424C-8522-AB6247E5BD98}" type="datetimeFigureOut">
-              <a:t>16/05/16</a:t>
+          <a:lstStyle>
+            <a:lvl1pPr>
+              <a:defRPr/>
+            </a:lvl1pPr>
+          </a:lstStyle>
+          <a:p>
+            <a:fld id="{03E632DE-081F-CD46-A6DB-B798177DF416}" type="datetimeFigureOut">
+              <a:rPr lang="en-GB" smtClean="0"/>
+              <a:pPr/>
+              <a:t>20/05/16</a:t>
             </a:fld>
-            <a:endParaRPr lang="en-US"/>
+            <a:endParaRPr lang="en-GB"/>
           </a:p>
         </p:txBody>
       </p:sp>
@@ -1899,9 +2656,13 @@
         <p:spPr/>
         <p:txBody>
           <a:bodyPr/>
-          <a:lstStyle/>
-          <a:p>
-            <a:endParaRPr lang="en-US"/>
+          <a:lstStyle>
+            <a:lvl1pPr>
+              <a:defRPr/>
+            </a:lvl1pPr>
+          </a:lstStyle>
+          <a:p>
+            <a:endParaRPr lang="en-GB"/>
           </a:p>
         </p:txBody>
       </p:sp>
@@ -1918,21 +2679,22 @@
         <p:spPr/>
         <p:txBody>
           <a:bodyPr/>
-          <a:lstStyle/>
-          <a:p>
-            <a:fld id="{C801731E-83CA-9345-A049-E9669943AA4B}" type="slidenum">
+          <a:lstStyle>
+            <a:lvl1pPr>
+              <a:defRPr smtClean="0"/>
+            </a:lvl1pPr>
+          </a:lstStyle>
+          <a:p>
+            <a:fld id="{62D44BB8-CF0D-3C41-837E-11280C7A5155}" type="slidenum">
+              <a:rPr lang="en-GB" smtClean="0"/>
+              <a:pPr/>
               <a:t>‹#›</a:t>
             </a:fld>
-            <a:endParaRPr lang="en-US"/>
+            <a:endParaRPr lang="en-GB"/>
           </a:p>
         </p:txBody>
       </p:sp>
     </p:spTree>
-    <p:extLst>
-      <p:ext uri="{BB962C8B-B14F-4D97-AF65-F5344CB8AC3E}">
-        <p14:creationId xmlns:p14="http://schemas.microsoft.com/office/powerpoint/2010/main" val="1114232820"/>
-      </p:ext>
-    </p:extLst>
   </p:cSld>
   <p:clrMapOvr>
     <a:masterClrMapping/>
@@ -1970,12 +2732,18 @@
         <p:spPr/>
         <p:txBody>
           <a:bodyPr/>
-          <a:lstStyle/>
-          <a:p>
-            <a:fld id="{F90E86F8-F907-424C-8522-AB6247E5BD98}" type="datetimeFigureOut">
-              <a:t>16/05/16</a:t>
+          <a:lstStyle>
+            <a:lvl1pPr>
+              <a:defRPr/>
+            </a:lvl1pPr>
+          </a:lstStyle>
+          <a:p>
+            <a:fld id="{03E632DE-081F-CD46-A6DB-B798177DF416}" type="datetimeFigureOut">
+              <a:rPr lang="en-GB" smtClean="0"/>
+              <a:pPr/>
+              <a:t>20/05/16</a:t>
             </a:fld>
-            <a:endParaRPr lang="en-US"/>
+            <a:endParaRPr lang="en-GB"/>
           </a:p>
         </p:txBody>
       </p:sp>
@@ -1992,9 +2760,13 @@
         <p:spPr/>
         <p:txBody>
           <a:bodyPr/>
-          <a:lstStyle/>
-          <a:p>
-            <a:endParaRPr lang="en-US"/>
+          <a:lstStyle>
+            <a:lvl1pPr>
+              <a:defRPr/>
+            </a:lvl1pPr>
+          </a:lstStyle>
+          <a:p>
+            <a:endParaRPr lang="en-GB"/>
           </a:p>
         </p:txBody>
       </p:sp>
@@ -2011,21 +2783,22 @@
         <p:spPr/>
         <p:txBody>
           <a:bodyPr/>
-          <a:lstStyle/>
-          <a:p>
-            <a:fld id="{C801731E-83CA-9345-A049-E9669943AA4B}" type="slidenum">
+          <a:lstStyle>
+            <a:lvl1pPr>
+              <a:defRPr smtClean="0"/>
+            </a:lvl1pPr>
+          </a:lstStyle>
+          <a:p>
+            <a:fld id="{62D44BB8-CF0D-3C41-837E-11280C7A5155}" type="slidenum">
+              <a:rPr lang="en-GB" smtClean="0"/>
+              <a:pPr/>
               <a:t>‹#›</a:t>
             </a:fld>
-            <a:endParaRPr lang="en-US"/>
+            <a:endParaRPr lang="en-GB"/>
           </a:p>
         </p:txBody>
       </p:sp>
     </p:spTree>
-    <p:extLst>
-      <p:ext uri="{BB962C8B-B14F-4D97-AF65-F5344CB8AC3E}">
-        <p14:creationId xmlns:p14="http://schemas.microsoft.com/office/powerpoint/2010/main" val="2528654716"/>
-      </p:ext>
-    </p:extLst>
   </p:cSld>
   <p:clrMapOvr>
     <a:masterClrMapping/>
@@ -2075,10 +2848,10 @@
           </a:lstStyle>
           <a:p>
             <a:r>
-              <a:rPr lang="en-GB"/>
+              <a:rPr lang="en-GB" smtClean="0"/>
               <a:t>Click to edit Master title style</a:t>
             </a:r>
-            <a:endParaRPr lang="en-US"/>
+            <a:endParaRPr lang="en-GB"/>
           </a:p>
         </p:txBody>
       </p:sp>
@@ -2097,6 +2870,9 @@
             <a:off x="3575050" y="273050"/>
             <a:ext cx="5111750" cy="5853113"/>
           </a:xfrm>
+          <a:prstGeom prst="rect">
+            <a:avLst/>
+          </a:prstGeom>
         </p:spPr>
         <p:txBody>
           <a:bodyPr/>
@@ -2132,38 +2908,38 @@
           <a:p>
             <a:pPr lvl="0"/>
             <a:r>
-              <a:rPr lang="en-GB"/>
+              <a:rPr lang="en-GB" smtClean="0"/>
               <a:t>Click to edit Master text styles</a:t>
             </a:r>
           </a:p>
           <a:p>
             <a:pPr lvl="1"/>
             <a:r>
-              <a:rPr lang="en-GB"/>
+              <a:rPr lang="en-GB" smtClean="0"/>
               <a:t>Second level</a:t>
             </a:r>
           </a:p>
           <a:p>
             <a:pPr lvl="2"/>
             <a:r>
-              <a:rPr lang="en-GB"/>
+              <a:rPr lang="en-GB" smtClean="0"/>
               <a:t>Third level</a:t>
             </a:r>
           </a:p>
           <a:p>
             <a:pPr lvl="3"/>
             <a:r>
-              <a:rPr lang="en-GB"/>
+              <a:rPr lang="en-GB" smtClean="0"/>
               <a:t>Fourth level</a:t>
             </a:r>
           </a:p>
           <a:p>
             <a:pPr lvl="4"/>
             <a:r>
-              <a:rPr lang="en-GB"/>
+              <a:rPr lang="en-GB" smtClean="0"/>
               <a:t>Fifth level</a:t>
             </a:r>
-            <a:endParaRPr lang="en-US"/>
+            <a:endParaRPr lang="en-GB"/>
           </a:p>
         </p:txBody>
       </p:sp>
@@ -2182,6 +2958,9 @@
             <a:off x="457200" y="1435100"/>
             <a:ext cx="3008313" cy="4691063"/>
           </a:xfrm>
+          <a:prstGeom prst="rect">
+            <a:avLst/>
+          </a:prstGeom>
         </p:spPr>
         <p:txBody>
           <a:bodyPr/>
@@ -2226,7 +3005,7 @@
           <a:p>
             <a:pPr lvl="0"/>
             <a:r>
-              <a:rPr lang="en-GB"/>
+              <a:rPr lang="en-GB" smtClean="0"/>
               <a:t>Click to edit Master text styles</a:t>
             </a:r>
           </a:p>
@@ -2245,12 +3024,18 @@
         <p:spPr/>
         <p:txBody>
           <a:bodyPr/>
-          <a:lstStyle/>
-          <a:p>
-            <a:fld id="{F90E86F8-F907-424C-8522-AB6247E5BD98}" type="datetimeFigureOut">
-              <a:t>16/05/16</a:t>
+          <a:lstStyle>
+            <a:lvl1pPr>
+              <a:defRPr/>
+            </a:lvl1pPr>
+          </a:lstStyle>
+          <a:p>
+            <a:fld id="{03E632DE-081F-CD46-A6DB-B798177DF416}" type="datetimeFigureOut">
+              <a:rPr lang="en-GB" smtClean="0"/>
+              <a:pPr/>
+              <a:t>20/05/16</a:t>
             </a:fld>
-            <a:endParaRPr lang="en-US"/>
+            <a:endParaRPr lang="en-GB"/>
           </a:p>
         </p:txBody>
       </p:sp>
@@ -2267,9 +3052,13 @@
         <p:spPr/>
         <p:txBody>
           <a:bodyPr/>
-          <a:lstStyle/>
-          <a:p>
-            <a:endParaRPr lang="en-US"/>
+          <a:lstStyle>
+            <a:lvl1pPr>
+              <a:defRPr/>
+            </a:lvl1pPr>
+          </a:lstStyle>
+          <a:p>
+            <a:endParaRPr lang="en-GB"/>
           </a:p>
         </p:txBody>
       </p:sp>
@@ -2286,21 +3075,22 @@
         <p:spPr/>
         <p:txBody>
           <a:bodyPr/>
-          <a:lstStyle/>
-          <a:p>
-            <a:fld id="{C801731E-83CA-9345-A049-E9669943AA4B}" type="slidenum">
+          <a:lstStyle>
+            <a:lvl1pPr>
+              <a:defRPr smtClean="0"/>
+            </a:lvl1pPr>
+          </a:lstStyle>
+          <a:p>
+            <a:fld id="{62D44BB8-CF0D-3C41-837E-11280C7A5155}" type="slidenum">
+              <a:rPr lang="en-GB" smtClean="0"/>
+              <a:pPr/>
               <a:t>‹#›</a:t>
             </a:fld>
-            <a:endParaRPr lang="en-US"/>
+            <a:endParaRPr lang="en-GB"/>
           </a:p>
         </p:txBody>
       </p:sp>
     </p:spTree>
-    <p:extLst>
-      <p:ext uri="{BB962C8B-B14F-4D97-AF65-F5344CB8AC3E}">
-        <p14:creationId xmlns:p14="http://schemas.microsoft.com/office/powerpoint/2010/main" val="238299731"/>
-      </p:ext>
-    </p:extLst>
   </p:cSld>
   <p:clrMapOvr>
     <a:masterClrMapping/>
@@ -2350,10 +3140,10 @@
           </a:lstStyle>
           <a:p>
             <a:r>
-              <a:rPr lang="en-GB"/>
+              <a:rPr lang="en-GB" smtClean="0"/>
               <a:t>Click to edit Master title style</a:t>
             </a:r>
-            <a:endParaRPr lang="en-US"/>
+            <a:endParaRPr lang="en-GB"/>
           </a:p>
         </p:txBody>
       </p:sp>
@@ -2372,6 +3162,9 @@
             <a:off x="1792288" y="612775"/>
             <a:ext cx="5486400" cy="4114800"/>
           </a:xfrm>
+          <a:prstGeom prst="rect">
+            <a:avLst/>
+          </a:prstGeom>
         </p:spPr>
         <p:txBody>
           <a:bodyPr/>
@@ -2414,7 +3207,11 @@
             </a:lvl9pPr>
           </a:lstStyle>
           <a:p>
-            <a:endParaRPr lang="en-US"/>
+            <a:r>
+              <a:rPr lang="en-GB" smtClean="0"/>
+              <a:t>Drag picture to placeholder or click icon to add</a:t>
+            </a:r>
+            <a:endParaRPr lang="en-GB"/>
           </a:p>
         </p:txBody>
       </p:sp>
@@ -2433,6 +3230,9 @@
             <a:off x="1792288" y="5367338"/>
             <a:ext cx="5486400" cy="804862"/>
           </a:xfrm>
+          <a:prstGeom prst="rect">
+            <a:avLst/>
+          </a:prstGeom>
         </p:spPr>
         <p:txBody>
           <a:bodyPr/>
@@ -2477,7 +3277,7 @@
           <a:p>
             <a:pPr lvl="0"/>
             <a:r>
-              <a:rPr lang="en-GB"/>
+              <a:rPr lang="en-GB" smtClean="0"/>
               <a:t>Click to edit Master text styles</a:t>
             </a:r>
           </a:p>
@@ -2496,12 +3296,18 @@
         <p:spPr/>
         <p:txBody>
           <a:bodyPr/>
-          <a:lstStyle/>
-          <a:p>
-            <a:fld id="{F90E86F8-F907-424C-8522-AB6247E5BD98}" type="datetimeFigureOut">
-              <a:t>16/05/16</a:t>
+          <a:lstStyle>
+            <a:lvl1pPr>
+              <a:defRPr/>
+            </a:lvl1pPr>
+          </a:lstStyle>
+          <a:p>
+            <a:fld id="{03E632DE-081F-CD46-A6DB-B798177DF416}" type="datetimeFigureOut">
+              <a:rPr lang="en-GB" smtClean="0"/>
+              <a:pPr/>
+              <a:t>20/05/16</a:t>
             </a:fld>
-            <a:endParaRPr lang="en-US"/>
+            <a:endParaRPr lang="en-GB"/>
           </a:p>
         </p:txBody>
       </p:sp>
@@ -2518,9 +3324,13 @@
         <p:spPr/>
         <p:txBody>
           <a:bodyPr/>
-          <a:lstStyle/>
-          <a:p>
-            <a:endParaRPr lang="en-US"/>
+          <a:lstStyle>
+            <a:lvl1pPr>
+              <a:defRPr/>
+            </a:lvl1pPr>
+          </a:lstStyle>
+          <a:p>
+            <a:endParaRPr lang="en-GB"/>
           </a:p>
         </p:txBody>
       </p:sp>
@@ -2537,21 +3347,22 @@
         <p:spPr/>
         <p:txBody>
           <a:bodyPr/>
-          <a:lstStyle/>
-          <a:p>
-            <a:fld id="{C801731E-83CA-9345-A049-E9669943AA4B}" type="slidenum">
+          <a:lstStyle>
+            <a:lvl1pPr>
+              <a:defRPr smtClean="0"/>
+            </a:lvl1pPr>
+          </a:lstStyle>
+          <a:p>
+            <a:fld id="{62D44BB8-CF0D-3C41-837E-11280C7A5155}" type="slidenum">
+              <a:rPr lang="en-GB" smtClean="0"/>
+              <a:pPr/>
               <a:t>‹#›</a:t>
             </a:fld>
-            <a:endParaRPr lang="en-US"/>
+            <a:endParaRPr lang="en-GB"/>
           </a:p>
         </p:txBody>
       </p:sp>
     </p:spTree>
-    <p:extLst>
-      <p:ext uri="{BB962C8B-B14F-4D97-AF65-F5344CB8AC3E}">
-        <p14:creationId xmlns:p14="http://schemas.microsoft.com/office/powerpoint/2010/main" val="3281805214"/>
-      </p:ext>
-    </p:extLst>
   </p:cSld>
   <p:clrMapOvr>
     <a:masterClrMapping/>
@@ -2560,12 +3371,15 @@
 </file>
 
 <file path=ppt/slideMasters/slideMaster1.xml><?xml version="1.0" encoding="utf-8"?>
-<p:sldMaster xmlns:a="http://schemas.openxmlformats.org/drawingml/2006/main" xmlns:r="http://schemas.openxmlformats.org/officeDocument/2006/relationships" xmlns:p="http://schemas.openxmlformats.org/presentationml/2006/main">
+<p:sldMaster xmlns:a="http://schemas.openxmlformats.org/drawingml/2006/main" xmlns:r="http://schemas.openxmlformats.org/officeDocument/2006/relationships" xmlns:p="http://schemas.openxmlformats.org/presentationml/2006/main" preserve="1">
   <p:cSld>
     <p:bg>
-      <p:bgRef idx="1001">
-        <a:schemeClr val="bg1"/>
-      </p:bgRef>
+      <p:bgPr>
+        <a:solidFill>
+          <a:schemeClr val="bg1"/>
+        </a:solidFill>
+        <a:effectLst/>
+      </p:bgPr>
     </p:bg>
     <p:spTree>
       <p:nvGrpSpPr>
@@ -2583,262 +3397,419 @@
       </p:grpSpPr>
       <p:sp>
         <p:nvSpPr>
-          <p:cNvPr id="2" name="Title Placeholder 1"/>
-          <p:cNvSpPr>
-            <a:spLocks noGrp="1"/>
+          <p:cNvPr id="1026" name="Rectangle 2"/>
+          <p:cNvSpPr>
+            <a:spLocks noGrp="1" noChangeArrowheads="1"/>
           </p:cNvSpPr>
           <p:nvPr>
             <p:ph type="title"/>
           </p:nvPr>
         </p:nvSpPr>
-        <p:spPr>
+        <p:spPr bwMode="auto">
           <a:xfrm>
-            <a:off x="457200" y="274638"/>
-            <a:ext cx="8229600" cy="1143000"/>
+            <a:off x="311150" y="0"/>
+            <a:ext cx="8496300" cy="649288"/>
           </a:xfrm>
           <a:prstGeom prst="rect">
             <a:avLst/>
           </a:prstGeom>
+          <a:noFill/>
+          <a:ln w="9525">
+            <a:noFill/>
+            <a:miter lim="800000"/>
+            <a:headEnd/>
+            <a:tailEnd/>
+          </a:ln>
         </p:spPr>
         <p:txBody>
-          <a:bodyPr vert="horz" lIns="91440" tIns="45720" rIns="91440" bIns="45720" rtlCol="0" anchor="ctr">
-            <a:normAutofit/>
+          <a:bodyPr vert="horz" wrap="square" lIns="0" tIns="45720" rIns="91440" bIns="45720" numCol="1" anchor="t" anchorCtr="0" compatLnSpc="1">
+            <a:prstTxWarp prst="textNoShape">
+              <a:avLst/>
+            </a:prstTxWarp>
           </a:bodyPr>
           <a:lstStyle/>
           <a:p>
-            <a:r>
-              <a:rPr lang="en-GB"/>
+            <a:pPr lvl="0"/>
+            <a:r>
+              <a:rPr lang="en-GB" smtClean="0"/>
               <a:t>Click to edit Master title style</a:t>
             </a:r>
-            <a:endParaRPr lang="en-US"/>
-          </a:p>
-        </p:txBody>
-      </p:sp>
-      <p:sp>
-        <p:nvSpPr>
-          <p:cNvPr id="3" name="Text Placeholder 2"/>
-          <p:cNvSpPr>
-            <a:spLocks noGrp="1"/>
-          </p:cNvSpPr>
-          <p:nvPr>
-            <p:ph type="body" idx="1"/>
-          </p:nvPr>
-        </p:nvSpPr>
-        <p:spPr>
+            <a:endParaRPr lang="en-GB"/>
+          </a:p>
+        </p:txBody>
+      </p:sp>
+      <p:sp>
+        <p:nvSpPr>
+          <p:cNvPr id="1028" name="Rectangle 4"/>
+          <p:cNvSpPr>
+            <a:spLocks noGrp="1" noChangeArrowheads="1"/>
+          </p:cNvSpPr>
+          <p:nvPr>
+            <p:ph type="dt" sz="half" idx="2"/>
+          </p:nvPr>
+        </p:nvSpPr>
+        <p:spPr bwMode="auto">
           <a:xfrm>
-            <a:off x="457200" y="1600200"/>
-            <a:ext cx="8229600" cy="4525963"/>
+            <a:off x="685800" y="6248400"/>
+            <a:ext cx="1905000" cy="457200"/>
           </a:xfrm>
           <a:prstGeom prst="rect">
             <a:avLst/>
           </a:prstGeom>
+          <a:noFill/>
+          <a:ln w="9525">
+            <a:noFill/>
+            <a:miter lim="800000"/>
+            <a:headEnd/>
+            <a:tailEnd/>
+          </a:ln>
         </p:spPr>
         <p:txBody>
-          <a:bodyPr vert="horz" lIns="91440" tIns="45720" rIns="91440" bIns="45720" rtlCol="0">
-            <a:normAutofit/>
+          <a:bodyPr vert="horz" wrap="square" lIns="91440" tIns="45720" rIns="91440" bIns="45720" numCol="1" anchor="t" anchorCtr="0" compatLnSpc="1">
+            <a:prstTxWarp prst="textNoShape">
+              <a:avLst/>
+            </a:prstTxWarp>
           </a:bodyPr>
-          <a:lstStyle/>
-          <a:p>
-            <a:pPr lvl="0"/>
-            <a:r>
-              <a:rPr lang="en-GB"/>
-              <a:t>Click to edit Master text styles</a:t>
-            </a:r>
-          </a:p>
-          <a:p>
-            <a:pPr lvl="1"/>
-            <a:r>
-              <a:rPr lang="en-GB"/>
-              <a:t>Second level</a:t>
-            </a:r>
-          </a:p>
-          <a:p>
-            <a:pPr lvl="2"/>
-            <a:r>
-              <a:rPr lang="en-GB"/>
-              <a:t>Third level</a:t>
-            </a:r>
-          </a:p>
-          <a:p>
-            <a:pPr lvl="3"/>
-            <a:r>
-              <a:rPr lang="en-GB"/>
-              <a:t>Fourth level</a:t>
-            </a:r>
-          </a:p>
-          <a:p>
-            <a:pPr lvl="4"/>
-            <a:r>
-              <a:rPr lang="en-GB"/>
-              <a:t>Fifth level</a:t>
-            </a:r>
-            <a:endParaRPr lang="en-US"/>
-          </a:p>
-        </p:txBody>
-      </p:sp>
-      <p:sp>
-        <p:nvSpPr>
-          <p:cNvPr id="4" name="Date Placeholder 3"/>
-          <p:cNvSpPr>
-            <a:spLocks noGrp="1"/>
-          </p:cNvSpPr>
-          <p:nvPr>
-            <p:ph type="dt" sz="half" idx="2"/>
-          </p:nvPr>
-        </p:nvSpPr>
-        <p:spPr>
+          <a:lstStyle>
+            <a:lvl1pPr algn="l">
+              <a:defRPr sz="1400">
+                <a:latin typeface="Arial" charset="0"/>
+              </a:defRPr>
+            </a:lvl1pPr>
+          </a:lstStyle>
+          <a:p>
+            <a:fld id="{03E632DE-081F-CD46-A6DB-B798177DF416}" type="datetimeFigureOut">
+              <a:rPr lang="en-GB" smtClean="0"/>
+              <a:pPr/>
+              <a:t>20/05/16</a:t>
+            </a:fld>
+            <a:endParaRPr lang="en-GB"/>
+          </a:p>
+        </p:txBody>
+      </p:sp>
+      <p:sp>
+        <p:nvSpPr>
+          <p:cNvPr id="1029" name="Rectangle 5"/>
+          <p:cNvSpPr>
+            <a:spLocks noGrp="1" noChangeArrowheads="1"/>
+          </p:cNvSpPr>
+          <p:nvPr>
+            <p:ph type="ftr" sz="quarter" idx="3"/>
+          </p:nvPr>
+        </p:nvSpPr>
+        <p:spPr bwMode="auto">
           <a:xfrm>
-            <a:off x="457200" y="6356350"/>
-            <a:ext cx="2133600" cy="365125"/>
+            <a:off x="3124200" y="6248400"/>
+            <a:ext cx="2895600" cy="457200"/>
           </a:xfrm>
           <a:prstGeom prst="rect">
             <a:avLst/>
           </a:prstGeom>
+          <a:noFill/>
+          <a:ln w="9525">
+            <a:noFill/>
+            <a:miter lim="800000"/>
+            <a:headEnd/>
+            <a:tailEnd/>
+          </a:ln>
         </p:spPr>
         <p:txBody>
-          <a:bodyPr vert="horz" lIns="91440" tIns="45720" rIns="91440" bIns="45720" rtlCol="0" anchor="ctr"/>
+          <a:bodyPr vert="horz" wrap="square" lIns="91440" tIns="45720" rIns="91440" bIns="45720" numCol="1" anchor="t" anchorCtr="0" compatLnSpc="1">
+            <a:prstTxWarp prst="textNoShape">
+              <a:avLst/>
+            </a:prstTxWarp>
+          </a:bodyPr>
           <a:lstStyle>
-            <a:lvl1pPr algn="l">
-              <a:defRPr sz="1200">
-                <a:solidFill>
-                  <a:schemeClr val="tx1">
-                    <a:tint val="75000"/>
-                  </a:schemeClr>
-                </a:solidFill>
+            <a:lvl1pPr>
+              <a:defRPr sz="1400">
+                <a:latin typeface="Arial" charset="0"/>
               </a:defRPr>
             </a:lvl1pPr>
           </a:lstStyle>
           <a:p>
-            <a:fld id="{F90E86F8-F907-424C-8522-AB6247E5BD98}" type="datetimeFigureOut">
-              <a:t>16/05/16</a:t>
-            </a:fld>
-            <a:endParaRPr lang="en-US"/>
-          </a:p>
-        </p:txBody>
-      </p:sp>
-      <p:sp>
-        <p:nvSpPr>
-          <p:cNvPr id="5" name="Footer Placeholder 4"/>
-          <p:cNvSpPr>
-            <a:spLocks noGrp="1"/>
-          </p:cNvSpPr>
-          <p:nvPr>
-            <p:ph type="ftr" sz="quarter" idx="3"/>
-          </p:nvPr>
-        </p:nvSpPr>
-        <p:spPr>
+            <a:r>
+              <a:rPr lang="en-GB" smtClean="0"/>
+              <a:t>ddd</a:t>
+            </a:r>
+            <a:endParaRPr lang="en-GB"/>
+          </a:p>
+        </p:txBody>
+      </p:sp>
+      <p:sp>
+        <p:nvSpPr>
+          <p:cNvPr id="1030" name="Rectangle 6"/>
+          <p:cNvSpPr>
+            <a:spLocks noGrp="1" noChangeArrowheads="1"/>
+          </p:cNvSpPr>
+          <p:nvPr>
+            <p:ph type="sldNum" sz="quarter" idx="4"/>
+          </p:nvPr>
+        </p:nvSpPr>
+        <p:spPr bwMode="auto">
           <a:xfrm>
-            <a:off x="3124200" y="6356350"/>
-            <a:ext cx="2895600" cy="365125"/>
+            <a:off x="6877050" y="6308725"/>
+            <a:ext cx="1905000" cy="457200"/>
           </a:xfrm>
           <a:prstGeom prst="rect">
             <a:avLst/>
           </a:prstGeom>
+          <a:noFill/>
+          <a:ln w="9525">
+            <a:noFill/>
+            <a:miter lim="800000"/>
+            <a:headEnd/>
+            <a:tailEnd/>
+          </a:ln>
         </p:spPr>
         <p:txBody>
-          <a:bodyPr vert="horz" lIns="91440" tIns="45720" rIns="91440" bIns="45720" rtlCol="0" anchor="ctr"/>
+          <a:bodyPr vert="horz" wrap="square" lIns="91440" tIns="45720" rIns="0" bIns="45720" numCol="1" anchor="t" anchorCtr="0" compatLnSpc="1">
+            <a:prstTxWarp prst="textNoShape">
+              <a:avLst/>
+            </a:prstTxWarp>
+          </a:bodyPr>
           <a:lstStyle>
-            <a:lvl1pPr algn="ctr">
-              <a:defRPr sz="1200">
-                <a:solidFill>
-                  <a:schemeClr val="tx1">
-                    <a:tint val="75000"/>
-                  </a:schemeClr>
-                </a:solidFill>
+            <a:lvl1pPr algn="r">
+              <a:defRPr sz="1400">
+                <a:latin typeface="+mn-lt"/>
               </a:defRPr>
             </a:lvl1pPr>
           </a:lstStyle>
           <a:p>
-            <a:endParaRPr lang="en-US"/>
-          </a:p>
-        </p:txBody>
-      </p:sp>
-      <p:sp>
-        <p:nvSpPr>
-          <p:cNvPr id="6" name="Slide Number Placeholder 5"/>
-          <p:cNvSpPr>
-            <a:spLocks noGrp="1"/>
-          </p:cNvSpPr>
-          <p:nvPr>
-            <p:ph type="sldNum" sz="quarter" idx="4"/>
-          </p:nvPr>
+            <a:fld id="{3BDB8CDB-2990-9A46-93BC-61089184B7BF}" type="slidenum">
+              <a:rPr lang="en-GB" smtClean="0"/>
+              <a:pPr/>
+              <a:t>‹#›</a:t>
+            </a:fld>
+            <a:fld id="{62D44BB8-CF0D-3C41-837E-11280C7A5155}" type="slidenum">
+              <a:rPr lang="en-GB" smtClean="0"/>
+              <a:pPr/>
+              <a:t>‹#›</a:t>
+            </a:fld>
+            <a:endParaRPr lang="en-GB"/>
+          </a:p>
+        </p:txBody>
+      </p:sp>
+      <p:sp>
+        <p:nvSpPr>
+          <p:cNvPr id="6" name="TextBox 5"/>
+          <p:cNvSpPr txBox="1"/>
+          <p:nvPr/>
         </p:nvSpPr>
         <p:spPr>
           <a:xfrm>
-            <a:off x="6553200" y="6356350"/>
-            <a:ext cx="2133600" cy="365125"/>
+            <a:off x="0" y="6488668"/>
+            <a:ext cx="9144000" cy="369332"/>
           </a:xfrm>
           <a:prstGeom prst="rect">
             <a:avLst/>
           </a:prstGeom>
+          <a:noFill/>
         </p:spPr>
         <p:txBody>
-          <a:bodyPr vert="horz" lIns="91440" tIns="45720" rIns="91440" bIns="45720" rtlCol="0" anchor="ctr"/>
-          <a:lstStyle>
-            <a:lvl1pPr algn="r">
-              <a:defRPr sz="1200">
-                <a:solidFill>
-                  <a:schemeClr val="tx1">
-                    <a:tint val="75000"/>
-                  </a:schemeClr>
-                </a:solidFill>
-              </a:defRPr>
-            </a:lvl1pPr>
-          </a:lstStyle>
-          <a:p>
-            <a:fld id="{C801731E-83CA-9345-A049-E9669943AA4B}" type="slidenum">
-              <a:t>‹#›</a:t>
-            </a:fld>
-            <a:endParaRPr lang="en-US"/>
+          <a:bodyPr wrap="square" rtlCol="0">
+            <a:spAutoFit/>
+          </a:bodyPr>
+          <a:lstStyle/>
+          <a:p>
+            <a:pPr algn="ctr"/>
+            <a:r>
+              <a:rPr lang="en-GB"/>
+              <a:t>Rodin Workshop 2016 – Linz,</a:t>
+            </a:r>
+            <a:r>
+              <a:rPr lang="en-GB" baseline="0"/>
+              <a:t> 23</a:t>
+            </a:r>
+            <a:r>
+              <a:rPr lang="en-GB" baseline="30000"/>
+              <a:t>rd </a:t>
+            </a:r>
+            <a:r>
+              <a:rPr lang="en-GB" baseline="0"/>
+              <a:t> May</a:t>
+            </a:r>
+            <a:r>
+              <a:rPr lang="en-GB"/>
+              <a:t> </a:t>
+            </a:r>
           </a:p>
         </p:txBody>
       </p:sp>
     </p:spTree>
-    <p:extLst>
-      <p:ext uri="{BB962C8B-B14F-4D97-AF65-F5344CB8AC3E}">
-        <p14:creationId xmlns:p14="http://schemas.microsoft.com/office/powerpoint/2010/main" val="3777006650"/>
-      </p:ext>
-    </p:extLst>
   </p:cSld>
   <p:clrMap bg1="lt1" tx1="dk1" bg2="lt2" tx2="dk2" accent1="accent1" accent2="accent2" accent3="accent3" accent4="accent4" accent5="accent5" accent6="accent6" hlink="hlink" folHlink="folHlink"/>
   <p:sldLayoutIdLst>
-    <p:sldLayoutId id="2147483649" r:id="rId1"/>
-    <p:sldLayoutId id="2147483650" r:id="rId2"/>
-    <p:sldLayoutId id="2147483651" r:id="rId3"/>
-    <p:sldLayoutId id="2147483652" r:id="rId4"/>
-    <p:sldLayoutId id="2147483653" r:id="rId5"/>
-    <p:sldLayoutId id="2147483654" r:id="rId6"/>
-    <p:sldLayoutId id="2147483655" r:id="rId7"/>
-    <p:sldLayoutId id="2147483656" r:id="rId8"/>
-    <p:sldLayoutId id="2147483657" r:id="rId9"/>
-    <p:sldLayoutId id="2147483658" r:id="rId10"/>
-    <p:sldLayoutId id="2147483659" r:id="rId11"/>
+    <p:sldLayoutId id="2147483662" r:id="rId1"/>
+    <p:sldLayoutId id="2147483663" r:id="rId2"/>
+    <p:sldLayoutId id="2147483664" r:id="rId3"/>
+    <p:sldLayoutId id="2147483665" r:id="rId4"/>
+    <p:sldLayoutId id="2147483666" r:id="rId5"/>
+    <p:sldLayoutId id="2147483667" r:id="rId6"/>
+    <p:sldLayoutId id="2147483668" r:id="rId7"/>
+    <p:sldLayoutId id="2147483669" r:id="rId8"/>
+    <p:sldLayoutId id="2147483670" r:id="rId9"/>
+    <p:sldLayoutId id="2147483671" r:id="rId10"/>
+    <p:sldLayoutId id="2147483672" r:id="rId11"/>
+    <p:sldLayoutId id="2147483673" r:id="rId12"/>
+    <p:sldLayoutId id="2147483674" r:id="rId13"/>
   </p:sldLayoutIdLst>
   <p:txStyles>
     <p:titleStyle>
-      <a:lvl1pPr algn="ctr" defTabSz="457200" rtl="0" eaLnBrk="1" latinLnBrk="0" hangingPunct="1">
+      <a:lvl1pPr algn="l" rtl="0" eaLnBrk="1" fontAlgn="base" hangingPunct="1">
         <a:spcBef>
           <a:spcPct val="0"/>
         </a:spcBef>
-        <a:buNone/>
-        <a:defRPr sz="4400" kern="1200">
+        <a:spcAft>
+          <a:spcPct val="0"/>
+        </a:spcAft>
+        <a:defRPr sz="3500">
           <a:solidFill>
-            <a:schemeClr val="tx1"/>
+            <a:schemeClr val="tx2"/>
           </a:solidFill>
           <a:latin typeface="+mj-lt"/>
           <a:ea typeface="+mj-ea"/>
           <a:cs typeface="+mj-cs"/>
         </a:defRPr>
       </a:lvl1pPr>
+      <a:lvl2pPr algn="l" rtl="0" eaLnBrk="1" fontAlgn="base" hangingPunct="1">
+        <a:spcBef>
+          <a:spcPct val="0"/>
+        </a:spcBef>
+        <a:spcAft>
+          <a:spcPct val="0"/>
+        </a:spcAft>
+        <a:defRPr sz="3500">
+          <a:solidFill>
+            <a:schemeClr val="tx2"/>
+          </a:solidFill>
+          <a:latin typeface="Georgia" charset="0"/>
+          <a:ea typeface="ＭＳ Ｐゴシック" charset="-128"/>
+          <a:cs typeface="ＭＳ Ｐゴシック" charset="-128"/>
+        </a:defRPr>
+      </a:lvl2pPr>
+      <a:lvl3pPr algn="l" rtl="0" eaLnBrk="1" fontAlgn="base" hangingPunct="1">
+        <a:spcBef>
+          <a:spcPct val="0"/>
+        </a:spcBef>
+        <a:spcAft>
+          <a:spcPct val="0"/>
+        </a:spcAft>
+        <a:defRPr sz="3500">
+          <a:solidFill>
+            <a:schemeClr val="tx2"/>
+          </a:solidFill>
+          <a:latin typeface="Georgia" charset="0"/>
+          <a:ea typeface="ＭＳ Ｐゴシック" charset="-128"/>
+          <a:cs typeface="ＭＳ Ｐゴシック" charset="-128"/>
+        </a:defRPr>
+      </a:lvl3pPr>
+      <a:lvl4pPr algn="l" rtl="0" eaLnBrk="1" fontAlgn="base" hangingPunct="1">
+        <a:spcBef>
+          <a:spcPct val="0"/>
+        </a:spcBef>
+        <a:spcAft>
+          <a:spcPct val="0"/>
+        </a:spcAft>
+        <a:defRPr sz="3500">
+          <a:solidFill>
+            <a:schemeClr val="tx2"/>
+          </a:solidFill>
+          <a:latin typeface="Georgia" charset="0"/>
+          <a:ea typeface="ＭＳ Ｐゴシック" charset="-128"/>
+          <a:cs typeface="ＭＳ Ｐゴシック" charset="-128"/>
+        </a:defRPr>
+      </a:lvl4pPr>
+      <a:lvl5pPr algn="l" rtl="0" eaLnBrk="1" fontAlgn="base" hangingPunct="1">
+        <a:spcBef>
+          <a:spcPct val="0"/>
+        </a:spcBef>
+        <a:spcAft>
+          <a:spcPct val="0"/>
+        </a:spcAft>
+        <a:defRPr sz="3500">
+          <a:solidFill>
+            <a:schemeClr val="tx2"/>
+          </a:solidFill>
+          <a:latin typeface="Georgia" charset="0"/>
+          <a:ea typeface="ＭＳ Ｐゴシック" charset="-128"/>
+          <a:cs typeface="ＭＳ Ｐゴシック" charset="-128"/>
+        </a:defRPr>
+      </a:lvl5pPr>
+      <a:lvl6pPr marL="457200" algn="l" rtl="0" eaLnBrk="1" fontAlgn="base" hangingPunct="1">
+        <a:spcBef>
+          <a:spcPct val="0"/>
+        </a:spcBef>
+        <a:spcAft>
+          <a:spcPct val="0"/>
+        </a:spcAft>
+        <a:defRPr sz="3500">
+          <a:solidFill>
+            <a:schemeClr val="tx2"/>
+          </a:solidFill>
+          <a:latin typeface="Georgia" charset="0"/>
+          <a:ea typeface="ＭＳ Ｐゴシック" charset="-128"/>
+          <a:cs typeface="ＭＳ Ｐゴシック" charset="-128"/>
+        </a:defRPr>
+      </a:lvl6pPr>
+      <a:lvl7pPr marL="914400" algn="l" rtl="0" eaLnBrk="1" fontAlgn="base" hangingPunct="1">
+        <a:spcBef>
+          <a:spcPct val="0"/>
+        </a:spcBef>
+        <a:spcAft>
+          <a:spcPct val="0"/>
+        </a:spcAft>
+        <a:defRPr sz="3500">
+          <a:solidFill>
+            <a:schemeClr val="tx2"/>
+          </a:solidFill>
+          <a:latin typeface="Georgia" charset="0"/>
+          <a:ea typeface="ＭＳ Ｐゴシック" charset="-128"/>
+          <a:cs typeface="ＭＳ Ｐゴシック" charset="-128"/>
+        </a:defRPr>
+      </a:lvl7pPr>
+      <a:lvl8pPr marL="1371600" algn="l" rtl="0" eaLnBrk="1" fontAlgn="base" hangingPunct="1">
+        <a:spcBef>
+          <a:spcPct val="0"/>
+        </a:spcBef>
+        <a:spcAft>
+          <a:spcPct val="0"/>
+        </a:spcAft>
+        <a:defRPr sz="3500">
+          <a:solidFill>
+            <a:schemeClr val="tx2"/>
+          </a:solidFill>
+          <a:latin typeface="Georgia" charset="0"/>
+          <a:ea typeface="ＭＳ Ｐゴシック" charset="-128"/>
+          <a:cs typeface="ＭＳ Ｐゴシック" charset="-128"/>
+        </a:defRPr>
+      </a:lvl8pPr>
+      <a:lvl9pPr marL="1828800" algn="l" rtl="0" eaLnBrk="1" fontAlgn="base" hangingPunct="1">
+        <a:spcBef>
+          <a:spcPct val="0"/>
+        </a:spcBef>
+        <a:spcAft>
+          <a:spcPct val="0"/>
+        </a:spcAft>
+        <a:defRPr sz="3500">
+          <a:solidFill>
+            <a:schemeClr val="tx2"/>
+          </a:solidFill>
+          <a:latin typeface="Georgia" charset="0"/>
+          <a:ea typeface="ＭＳ Ｐゴシック" charset="-128"/>
+          <a:cs typeface="ＭＳ Ｐゴシック" charset="-128"/>
+        </a:defRPr>
+      </a:lvl9pPr>
     </p:titleStyle>
     <p:bodyStyle>
-      <a:lvl1pPr marL="342900" indent="-342900" algn="l" defTabSz="457200" rtl="0" eaLnBrk="1" latinLnBrk="0" hangingPunct="1">
+      <a:lvl1pPr marL="342900" indent="-342900" algn="l" rtl="0" eaLnBrk="1" fontAlgn="base" hangingPunct="1">
         <a:spcBef>
-          <a:spcPct val="20000"/>
+          <a:spcPts val="1000"/>
         </a:spcBef>
-        <a:buFont typeface="Arial"/>
+        <a:spcAft>
+          <a:spcPts val="1000"/>
+        </a:spcAft>
         <a:buChar char="•"/>
-        <a:defRPr sz="3200" kern="1200">
+        <a:defRPr sz="2400">
           <a:solidFill>
             <a:schemeClr val="tx1"/>
           </a:solidFill>
@@ -2847,130 +3818,162 @@
           <a:cs typeface="+mn-cs"/>
         </a:defRPr>
       </a:lvl1pPr>
-      <a:lvl2pPr marL="742950" indent="-285750" algn="l" defTabSz="457200" rtl="0" eaLnBrk="1" latinLnBrk="0" hangingPunct="1">
+      <a:lvl2pPr marL="811213" indent="-288925" algn="l" rtl="0" eaLnBrk="1" fontAlgn="base" hangingPunct="1">
+        <a:lnSpc>
+          <a:spcPct val="90000"/>
+        </a:lnSpc>
         <a:spcBef>
-          <a:spcPct val="20000"/>
+          <a:spcPts val="700"/>
         </a:spcBef>
-        <a:buFont typeface="Arial"/>
+        <a:spcAft>
+          <a:spcPts val="700"/>
+        </a:spcAft>
         <a:buChar char="–"/>
-        <a:defRPr sz="2800" kern="1200">
+        <a:defRPr sz="2000">
           <a:solidFill>
             <a:schemeClr val="tx1"/>
           </a:solidFill>
           <a:latin typeface="+mn-lt"/>
           <a:ea typeface="+mn-ea"/>
-          <a:cs typeface="+mn-cs"/>
         </a:defRPr>
       </a:lvl2pPr>
-      <a:lvl3pPr marL="1143000" indent="-228600" algn="l" defTabSz="457200" rtl="0" eaLnBrk="1" latinLnBrk="0" hangingPunct="1">
+      <a:lvl3pPr marL="1219200" indent="-228600" algn="l" rtl="0" eaLnBrk="1" fontAlgn="base" hangingPunct="1">
+        <a:lnSpc>
+          <a:spcPct val="90000"/>
+        </a:lnSpc>
         <a:spcBef>
-          <a:spcPct val="20000"/>
+          <a:spcPts val="200"/>
         </a:spcBef>
-        <a:buFont typeface="Arial"/>
+        <a:spcAft>
+          <a:spcPts val="200"/>
+        </a:spcAft>
         <a:buChar char="•"/>
-        <a:defRPr sz="2400" kern="1200">
+        <a:defRPr sz="1800">
           <a:solidFill>
             <a:schemeClr val="tx1"/>
           </a:solidFill>
           <a:latin typeface="+mn-lt"/>
           <a:ea typeface="+mn-ea"/>
-          <a:cs typeface="+mn-cs"/>
         </a:defRPr>
       </a:lvl3pPr>
-      <a:lvl4pPr marL="1600200" indent="-228600" algn="l" defTabSz="457200" rtl="0" eaLnBrk="1" latinLnBrk="0" hangingPunct="1">
+      <a:lvl4pPr marL="1627188" indent="-228600" algn="l" rtl="0" eaLnBrk="1" fontAlgn="base" hangingPunct="1">
+        <a:lnSpc>
+          <a:spcPct val="90000"/>
+        </a:lnSpc>
         <a:spcBef>
-          <a:spcPct val="20000"/>
+          <a:spcPts val="100"/>
         </a:spcBef>
-        <a:buFont typeface="Arial"/>
+        <a:spcAft>
+          <a:spcPts val="100"/>
+        </a:spcAft>
         <a:buChar char="–"/>
-        <a:defRPr sz="2000" kern="1200">
+        <a:defRPr sz="1800">
           <a:solidFill>
             <a:schemeClr val="tx1"/>
           </a:solidFill>
           <a:latin typeface="+mn-lt"/>
           <a:ea typeface="+mn-ea"/>
-          <a:cs typeface="+mn-cs"/>
         </a:defRPr>
       </a:lvl4pPr>
-      <a:lvl5pPr marL="2057400" indent="-228600" algn="l" defTabSz="457200" rtl="0" eaLnBrk="1" latinLnBrk="0" hangingPunct="1">
+      <a:lvl5pPr marL="2057400" indent="-228600" algn="l" rtl="0" eaLnBrk="1" fontAlgn="base" hangingPunct="1">
+        <a:lnSpc>
+          <a:spcPct val="90000"/>
+        </a:lnSpc>
         <a:spcBef>
-          <a:spcPct val="20000"/>
+          <a:spcPts val="50"/>
         </a:spcBef>
-        <a:buFont typeface="Arial"/>
+        <a:spcAft>
+          <a:spcPts val="50"/>
+        </a:spcAft>
         <a:buChar char="»"/>
-        <a:defRPr sz="2000" kern="1200">
+        <a:defRPr sz="1600">
           <a:solidFill>
             <a:schemeClr val="tx1"/>
           </a:solidFill>
           <a:latin typeface="+mn-lt"/>
           <a:ea typeface="+mn-ea"/>
-          <a:cs typeface="+mn-cs"/>
         </a:defRPr>
       </a:lvl5pPr>
-      <a:lvl6pPr marL="2514600" indent="-228600" algn="l" defTabSz="457200" rtl="0" eaLnBrk="1" latinLnBrk="0" hangingPunct="1">
+      <a:lvl6pPr marL="2514600" indent="-228600" algn="l" rtl="0" eaLnBrk="1" fontAlgn="base" hangingPunct="1">
+        <a:lnSpc>
+          <a:spcPct val="90000"/>
+        </a:lnSpc>
         <a:spcBef>
           <a:spcPct val="20000"/>
         </a:spcBef>
-        <a:buFont typeface="Arial"/>
-        <a:buChar char="•"/>
-        <a:defRPr sz="2000" kern="1200">
+        <a:spcAft>
+          <a:spcPct val="0"/>
+        </a:spcAft>
+        <a:buChar char="»"/>
+        <a:defRPr sz="2400">
           <a:solidFill>
             <a:schemeClr val="tx1"/>
           </a:solidFill>
           <a:latin typeface="+mn-lt"/>
           <a:ea typeface="+mn-ea"/>
-          <a:cs typeface="+mn-cs"/>
         </a:defRPr>
       </a:lvl6pPr>
-      <a:lvl7pPr marL="2971800" indent="-228600" algn="l" defTabSz="457200" rtl="0" eaLnBrk="1" latinLnBrk="0" hangingPunct="1">
+      <a:lvl7pPr marL="2971800" indent="-228600" algn="l" rtl="0" eaLnBrk="1" fontAlgn="base" hangingPunct="1">
+        <a:lnSpc>
+          <a:spcPct val="90000"/>
+        </a:lnSpc>
         <a:spcBef>
           <a:spcPct val="20000"/>
         </a:spcBef>
-        <a:buFont typeface="Arial"/>
-        <a:buChar char="•"/>
-        <a:defRPr sz="2000" kern="1200">
+        <a:spcAft>
+          <a:spcPct val="0"/>
+        </a:spcAft>
+        <a:buChar char="»"/>
+        <a:defRPr sz="2400">
           <a:solidFill>
             <a:schemeClr val="tx1"/>
           </a:solidFill>
           <a:latin typeface="+mn-lt"/>
           <a:ea typeface="+mn-ea"/>
-          <a:cs typeface="+mn-cs"/>
         </a:defRPr>
       </a:lvl7pPr>
-      <a:lvl8pPr marL="3429000" indent="-228600" algn="l" defTabSz="457200" rtl="0" eaLnBrk="1" latinLnBrk="0" hangingPunct="1">
+      <a:lvl8pPr marL="3429000" indent="-228600" algn="l" rtl="0" eaLnBrk="1" fontAlgn="base" hangingPunct="1">
+        <a:lnSpc>
+          <a:spcPct val="90000"/>
+        </a:lnSpc>
         <a:spcBef>
           <a:spcPct val="20000"/>
         </a:spcBef>
-        <a:buFont typeface="Arial"/>
-        <a:buChar char="•"/>
-        <a:defRPr sz="2000" kern="1200">
+        <a:spcAft>
+          <a:spcPct val="0"/>
+        </a:spcAft>
+        <a:buChar char="»"/>
+        <a:defRPr sz="2400">
           <a:solidFill>
             <a:schemeClr val="tx1"/>
           </a:solidFill>
           <a:latin typeface="+mn-lt"/>
           <a:ea typeface="+mn-ea"/>
-          <a:cs typeface="+mn-cs"/>
         </a:defRPr>
       </a:lvl8pPr>
-      <a:lvl9pPr marL="3886200" indent="-228600" algn="l" defTabSz="457200" rtl="0" eaLnBrk="1" latinLnBrk="0" hangingPunct="1">
+      <a:lvl9pPr marL="3886200" indent="-228600" algn="l" rtl="0" eaLnBrk="1" fontAlgn="base" hangingPunct="1">
+        <a:lnSpc>
+          <a:spcPct val="90000"/>
+        </a:lnSpc>
         <a:spcBef>
           <a:spcPct val="20000"/>
         </a:spcBef>
-        <a:buFont typeface="Arial"/>
-        <a:buChar char="•"/>
-        <a:defRPr sz="2000" kern="1200">
+        <a:spcAft>
+          <a:spcPct val="0"/>
+        </a:spcAft>
+        <a:buChar char="»"/>
+        <a:defRPr sz="2400">
           <a:solidFill>
             <a:schemeClr val="tx1"/>
           </a:solidFill>
           <a:latin typeface="+mn-lt"/>
           <a:ea typeface="+mn-ea"/>
-          <a:cs typeface="+mn-cs"/>
         </a:defRPr>
       </a:lvl9pPr>
     </p:bodyStyle>
     <p:otherStyle>
       <a:defPPr>
-        <a:defRPr lang="en-US"/>
+        <a:defRPr lang="en-GB"/>
       </a:defPPr>
       <a:lvl1pPr marL="0" algn="l" defTabSz="457200" rtl="0" eaLnBrk="1" latinLnBrk="0" hangingPunct="1">
         <a:defRPr sz="1800" kern="1200">
@@ -3096,73 +4099,93 @@
         </p:nvSpPr>
         <p:spPr>
           <a:xfrm>
-            <a:off x="685800" y="1515561"/>
-            <a:ext cx="7772400" cy="1470025"/>
+            <a:off x="524934" y="2497667"/>
+            <a:ext cx="7772400" cy="1862666"/>
           </a:xfrm>
         </p:spPr>
         <p:txBody>
+          <a:bodyPr>
+            <a:normAutofit/>
+          </a:bodyPr>
+          <a:lstStyle/>
+          <a:p>
+            <a:r>
+              <a:rPr lang="en-US"/>
+              <a:t>Translating SCXML Statecharts to iUML-B State-machines</a:t>
+            </a:r>
+            <a:endParaRPr lang="en-GB" sz="3600"/>
+          </a:p>
+        </p:txBody>
+      </p:sp>
+      <p:sp>
+        <p:nvSpPr>
+          <p:cNvPr id="3" name="Subtitle 2"/>
+          <p:cNvSpPr>
+            <a:spLocks noGrp="1"/>
+          </p:cNvSpPr>
+          <p:nvPr>
+            <p:ph type="subTitle" idx="1"/>
+          </p:nvPr>
+        </p:nvSpPr>
+        <p:spPr>
+          <a:xfrm>
+            <a:off x="696383" y="4203700"/>
+            <a:ext cx="7507817" cy="1651000"/>
+          </a:xfrm>
+        </p:spPr>
+        <p:txBody>
           <a:bodyPr/>
           <a:lstStyle/>
           <a:p>
             <a:r>
-              <a:rPr lang="en-US"/>
-              <a:t>Translating SCXML Statecharts to iUML-B State-machines</a:t>
-            </a:r>
-          </a:p>
-        </p:txBody>
-      </p:sp>
-      <p:sp>
-        <p:nvSpPr>
-          <p:cNvPr id="3" name="Subtitle 2"/>
-          <p:cNvSpPr>
-            <a:spLocks noGrp="1"/>
-          </p:cNvSpPr>
-          <p:nvPr>
-            <p:ph type="subTitle" idx="1"/>
-          </p:nvPr>
-        </p:nvSpPr>
-        <p:spPr/>
-        <p:txBody>
-          <a:bodyPr>
-            <a:normAutofit lnSpcReduction="10000"/>
-          </a:bodyPr>
-          <a:lstStyle/>
-          <a:p>
-            <a:r>
-              <a:rPr lang="en-US"/>
-              <a:t>Karla Morris </a:t>
-            </a:r>
-          </a:p>
-          <a:p>
-            <a:r>
-              <a:rPr lang="en-US" sz="1800"/>
+              <a:rPr lang="en-US" sz="2000">
+                <a:solidFill>
+                  <a:srgbClr val="C3C3C3"/>
+                </a:solidFill>
+              </a:rPr>
+              <a:t>Karla Morris 	:	</a:t>
+            </a:r>
+            <a:r>
+              <a:rPr lang="en-US" sz="1600">
+                <a:solidFill>
+                  <a:srgbClr val="C3C3C3"/>
+                </a:solidFill>
+              </a:rPr>
               <a:t>Sandia National Laboratories, CA, USA</a:t>
             </a:r>
           </a:p>
           <a:p>
             <a:r>
-              <a:rPr lang="en-US"/>
-              <a:t>Colin Snook</a:t>
-            </a:r>
-          </a:p>
-          <a:p>
-            <a:r>
-              <a:rPr lang="en-US" sz="1900"/>
+              <a:rPr lang="en-US" sz="2000">
+                <a:solidFill>
+                  <a:srgbClr val="C3C3C3"/>
+                </a:solidFill>
+              </a:rPr>
+              <a:t>Colin Snook	:	</a:t>
+            </a:r>
+            <a:r>
+              <a:rPr lang="en-US" sz="1600">
+                <a:solidFill>
+                  <a:srgbClr val="C3C3C3"/>
+                </a:solidFill>
+              </a:rPr>
               <a:t>University of Southampton, UK</a:t>
             </a:r>
           </a:p>
         </p:txBody>
       </p:sp>
     </p:spTree>
-    <p:extLst>
-      <p:ext uri="{BB962C8B-B14F-4D97-AF65-F5344CB8AC3E}">
-        <p14:creationId xmlns:p14="http://schemas.microsoft.com/office/powerpoint/2010/main" val="98042688"/>
-      </p:ext>
-    </p:extLst>
   </p:cSld>
   <p:clrMapOvr>
     <a:masterClrMapping/>
   </p:clrMapOvr>
+  <p:timing>
+    <p:tnLst>
+      <p:par>
+        <p:cTn xmlns:p14="http://schemas.microsoft.com/office/powerpoint/2010/main" id="1" dur="indefinite" restart="never" nodeType="tmRoot"/>
+      </p:par>
+    </p:tnLst>
+  </p:timing>
 </p:sld>
 </file>
 
@@ -3195,215 +4218,44 @@
         </p:nvSpPr>
         <p:spPr/>
         <p:txBody>
-          <a:bodyPr>
-            <a:normAutofit/>
-          </a:bodyPr>
+          <a:bodyPr/>
           <a:lstStyle/>
           <a:p>
             <a:r>
               <a:rPr lang="en-US"/>
-              <a:t>Example extended SCXML</a:t>
-            </a:r>
-            <a:br>
-              <a:rPr lang="en-US"/>
-            </a:br>
-            <a:r>
-              <a:rPr lang="en-US" sz="2200">
-                <a:solidFill>
-                  <a:srgbClr val="FF0000"/>
-                </a:solidFill>
-              </a:rPr>
-              <a:t>(extensions are the bits in red)</a:t>
-            </a:r>
-          </a:p>
-        </p:txBody>
-      </p:sp>
-      <p:sp>
-        <p:nvSpPr>
-          <p:cNvPr id="4" name="Rectangle 3"/>
-          <p:cNvSpPr/>
+              <a:t>SCXML Extension Attributes</a:t>
+            </a:r>
+          </a:p>
+        </p:txBody>
+      </p:sp>
+      <p:pic>
+        <p:nvPicPr>
+          <p:cNvPr id="4" name="Picture 3"/>
+          <p:cNvPicPr>
+            <a:picLocks noChangeAspect="1"/>
+          </p:cNvPicPr>
           <p:nvPr/>
-        </p:nvSpPr>
+        </p:nvPicPr>
+        <p:blipFill>
+          <a:blip r:embed="rId2"/>
+          <a:stretch>
+            <a:fillRect/>
+          </a:stretch>
+        </p:blipFill>
         <p:spPr>
           <a:xfrm>
-            <a:off x="579439" y="1883352"/>
-            <a:ext cx="8199436" cy="4524316"/>
+            <a:off x="1206503" y="1503518"/>
+            <a:ext cx="7016749" cy="4964553"/>
           </a:xfrm>
           <a:prstGeom prst="rect">
             <a:avLst/>
           </a:prstGeom>
         </p:spPr>
-        <p:txBody>
-          <a:bodyPr wrap="square">
-            <a:spAutoFit/>
-          </a:bodyPr>
-          <a:lstStyle/>
-          <a:p>
-            <a:r>
-              <a:rPr lang="en-US" sz="1600"/>
-              <a:t>&lt;datamodel </a:t>
-            </a:r>
-            <a:r>
-              <a:rPr lang="en-US" sz="1600">
-                <a:solidFill>
-                  <a:srgbClr val="FF0000"/>
-                </a:solidFill>
-              </a:rPr>
-              <a:t>iumlb:refinement="2"</a:t>
-            </a:r>
-            <a:r>
-              <a:rPr lang="en-US" sz="1600"/>
-              <a:t>&gt;</a:t>
-            </a:r>
-          </a:p>
-          <a:p>
-            <a:r>
-              <a:rPr lang="en-US" sz="1600"/>
-              <a:t>  &lt;data expr="false" id="Gate_In.Block" </a:t>
-            </a:r>
-            <a:r>
-              <a:rPr lang="en-US" sz="1600">
-                <a:solidFill>
-                  <a:srgbClr val="FF0000"/>
-                </a:solidFill>
-              </a:rPr>
-              <a:t>iumlb:type="BOOL"</a:t>
-            </a:r>
-            <a:r>
-              <a:rPr lang="en-US" sz="1600"/>
-              <a:t>/&gt;</a:t>
-            </a:r>
-          </a:p>
-          <a:p>
-            <a:r>
-              <a:rPr lang="en-US" sz="1600"/>
-              <a:t>&lt;/datamodel&gt;</a:t>
-            </a:r>
-          </a:p>
-          <a:p>
-            <a:r>
-              <a:rPr lang="en-US" sz="1600"/>
-              <a:t>&lt;!-- Other model details --&gt;</a:t>
-            </a:r>
-          </a:p>
-          <a:p>
-            <a:r>
-              <a:rPr lang="en-US" sz="1600"/>
-              <a:t>&lt;state id="BLOCKED"&gt;</a:t>
-            </a:r>
-          </a:p>
-          <a:p>
-            <a:r>
-              <a:rPr lang="en-US" sz="1600"/>
-              <a:t>  &lt;transition cond="[On_In.CardAccept==true]" target="UNBLOCKED"&gt;</a:t>
-            </a:r>
-          </a:p>
-          <a:p>
-            <a:r>
-              <a:rPr lang="en-US" sz="1600"/>
-              <a:t>    </a:t>
-            </a:r>
-            <a:r>
-              <a:rPr lang="en-US" sz="1600">
-                <a:solidFill>
-                  <a:srgbClr val="FF0000"/>
-                </a:solidFill>
-              </a:rPr>
-              <a:t>&lt;iumlb:guard name="gd1" predicate="On_In.CardAccept==true" refinement="2"/&gt;</a:t>
-            </a:r>
-          </a:p>
-          <a:p>
-            <a:r>
-              <a:rPr lang="en-US" sz="1600"/>
-              <a:t>    &lt;assign expr="true" location="Gate_In.Block" </a:t>
-            </a:r>
-            <a:r>
-              <a:rPr lang="en-US" sz="1600">
-                <a:solidFill>
-                  <a:srgbClr val="FF0000"/>
-                </a:solidFill>
-              </a:rPr>
-              <a:t>iumlb:refinement="3"</a:t>
-            </a:r>
-            <a:r>
-              <a:rPr lang="en-US" sz="1600"/>
-              <a:t>/&gt;</a:t>
-            </a:r>
-          </a:p>
-          <a:p>
-            <a:r>
-              <a:rPr lang="en-US" sz="1600"/>
-              <a:t>  &lt;/transition&gt;</a:t>
-            </a:r>
-          </a:p>
-          <a:p>
-            <a:r>
-              <a:rPr lang="en-US" sz="1600"/>
-              <a:t>  &lt;onentry&gt;</a:t>
-            </a:r>
-          </a:p>
-          <a:p>
-            <a:r>
-              <a:rPr lang="en-US" sz="1600"/>
-              <a:t>    &lt;assign expr="true" location="Gate_In.Block"/&gt;</a:t>
-            </a:r>
-          </a:p>
-          <a:p>
-            <a:r>
-              <a:rPr lang="en-US" sz="1600"/>
-              <a:t>    &lt;assign expr="false" location="On_In.Reset"/&gt;</a:t>
-            </a:r>
-          </a:p>
-          <a:p>
-            <a:r>
-              <a:rPr lang="en-US" sz="1600"/>
-              <a:t>  &lt;/onentry&gt;</a:t>
-            </a:r>
-          </a:p>
-          <a:p>
-            <a:r>
-              <a:rPr lang="en-US" sz="1600"/>
-              <a:t>  &lt;onexit&gt;</a:t>
-            </a:r>
-          </a:p>
-          <a:p>
-            <a:r>
-              <a:rPr lang="en-US" sz="1600"/>
-              <a:t>    &lt;assign expr="false" location="Gate_In.Block"/&gt;</a:t>
-            </a:r>
-          </a:p>
-          <a:p>
-            <a:r>
-              <a:rPr lang="en-US" sz="1600"/>
-              <a:t>  &lt;/onexit&gt;</a:t>
-            </a:r>
-          </a:p>
-          <a:p>
-            <a:r>
-              <a:rPr lang="en-US" sz="1600"/>
-              <a:t>  </a:t>
-            </a:r>
-            <a:r>
-              <a:rPr lang="en-US" sz="1600">
-                <a:solidFill>
-                  <a:srgbClr val="FF0000"/>
-                </a:solidFill>
-              </a:rPr>
-              <a:t>&lt;iumlb:invariant predicate="Gate_In.Block == TRUE" name="GateCondition"/&gt;</a:t>
-            </a:r>
-          </a:p>
-          <a:p>
-            <a:r>
-              <a:rPr lang="en-US" sz="1600"/>
-              <a:t>&lt;/state&gt; </a:t>
-            </a:r>
-          </a:p>
-        </p:txBody>
-      </p:sp>
+      </p:pic>
     </p:spTree>
     <p:extLst>
       <p:ext uri="{BB962C8B-B14F-4D97-AF65-F5344CB8AC3E}">
-        <p14:creationId xmlns:p14="http://schemas.microsoft.com/office/powerpoint/2010/main" val="4048637852"/>
+        <p14:creationId xmlns:p14="http://schemas.microsoft.com/office/powerpoint/2010/main" val="1264198084"/>
       </p:ext>
     </p:extLst>
   </p:cSld>
@@ -3442,44 +4294,215 @@
         </p:nvSpPr>
         <p:spPr/>
         <p:txBody>
-          <a:bodyPr/>
+          <a:bodyPr>
+            <a:normAutofit fontScale="90000"/>
+          </a:bodyPr>
           <a:lstStyle/>
           <a:p>
             <a:r>
               <a:rPr lang="en-US"/>
-              <a:t>Example – generated iUML-B</a:t>
-            </a:r>
-          </a:p>
-        </p:txBody>
-      </p:sp>
-      <p:pic>
-        <p:nvPicPr>
-          <p:cNvPr id="4" name="Picture 3"/>
-          <p:cNvPicPr>
-            <a:picLocks noChangeAspect="1"/>
-          </p:cNvPicPr>
+              <a:t>Example extended SCXML</a:t>
+            </a:r>
+            <a:br>
+              <a:rPr lang="en-US"/>
+            </a:br>
+            <a:r>
+              <a:rPr lang="en-US" sz="2200">
+                <a:solidFill>
+                  <a:srgbClr val="FF0000"/>
+                </a:solidFill>
+              </a:rPr>
+              <a:t>(extensions are the bits in red)</a:t>
+            </a:r>
+          </a:p>
+        </p:txBody>
+      </p:sp>
+      <p:sp>
+        <p:nvSpPr>
+          <p:cNvPr id="4" name="Rectangle 3"/>
+          <p:cNvSpPr/>
           <p:nvPr/>
-        </p:nvPicPr>
-        <p:blipFill>
-          <a:blip r:embed="rId2"/>
-          <a:stretch>
-            <a:fillRect/>
-          </a:stretch>
-        </p:blipFill>
+        </p:nvSpPr>
         <p:spPr>
           <a:xfrm>
-            <a:off x="0" y="1761465"/>
-            <a:ext cx="9144000" cy="4943548"/>
+            <a:off x="579439" y="1883352"/>
+            <a:ext cx="8199436" cy="4524316"/>
           </a:xfrm>
           <a:prstGeom prst="rect">
             <a:avLst/>
           </a:prstGeom>
         </p:spPr>
-      </p:pic>
+        <p:txBody>
+          <a:bodyPr wrap="square">
+            <a:spAutoFit/>
+          </a:bodyPr>
+          <a:lstStyle/>
+          <a:p>
+            <a:r>
+              <a:rPr lang="en-US" sz="1600"/>
+              <a:t>&lt;datamodel </a:t>
+            </a:r>
+            <a:r>
+              <a:rPr lang="en-US" sz="1600">
+                <a:solidFill>
+                  <a:srgbClr val="FF0000"/>
+                </a:solidFill>
+              </a:rPr>
+              <a:t>iumlb:refinement="2"</a:t>
+            </a:r>
+            <a:r>
+              <a:rPr lang="en-US" sz="1600"/>
+              <a:t>&gt;</a:t>
+            </a:r>
+          </a:p>
+          <a:p>
+            <a:r>
+              <a:rPr lang="en-US" sz="1600"/>
+              <a:t>  &lt;data expr="false" id="Gate_In.Block" </a:t>
+            </a:r>
+            <a:r>
+              <a:rPr lang="en-US" sz="1600">
+                <a:solidFill>
+                  <a:srgbClr val="FF0000"/>
+                </a:solidFill>
+              </a:rPr>
+              <a:t>iumlb:type="BOOL"</a:t>
+            </a:r>
+            <a:r>
+              <a:rPr lang="en-US" sz="1600"/>
+              <a:t>/&gt;</a:t>
+            </a:r>
+          </a:p>
+          <a:p>
+            <a:r>
+              <a:rPr lang="en-US" sz="1600"/>
+              <a:t>&lt;/datamodel&gt;</a:t>
+            </a:r>
+          </a:p>
+          <a:p>
+            <a:r>
+              <a:rPr lang="en-US" sz="1600"/>
+              <a:t>&lt;!-- Other model details --&gt;</a:t>
+            </a:r>
+          </a:p>
+          <a:p>
+            <a:r>
+              <a:rPr lang="en-US" sz="1600"/>
+              <a:t>&lt;state id="BLOCKED"&gt;</a:t>
+            </a:r>
+          </a:p>
+          <a:p>
+            <a:r>
+              <a:rPr lang="en-US" sz="1600"/>
+              <a:t>  &lt;transition cond="[On_In.CardAccept==true]" target="UNBLOCKED"&gt;</a:t>
+            </a:r>
+          </a:p>
+          <a:p>
+            <a:r>
+              <a:rPr lang="en-US" sz="1600"/>
+              <a:t>    </a:t>
+            </a:r>
+            <a:r>
+              <a:rPr lang="en-US" sz="1600">
+                <a:solidFill>
+                  <a:srgbClr val="FF0000"/>
+                </a:solidFill>
+              </a:rPr>
+              <a:t>&lt;iumlb:guard name="gd1" predicate="On_In.CardAccept==true" refinement="2"/&gt;</a:t>
+            </a:r>
+          </a:p>
+          <a:p>
+            <a:r>
+              <a:rPr lang="en-US" sz="1600"/>
+              <a:t>    &lt;assign expr="true" location="Gate_In.Block" </a:t>
+            </a:r>
+            <a:r>
+              <a:rPr lang="en-US" sz="1600">
+                <a:solidFill>
+                  <a:srgbClr val="FF0000"/>
+                </a:solidFill>
+              </a:rPr>
+              <a:t>iumlb:refinement="3"</a:t>
+            </a:r>
+            <a:r>
+              <a:rPr lang="en-US" sz="1600"/>
+              <a:t>/&gt;</a:t>
+            </a:r>
+          </a:p>
+          <a:p>
+            <a:r>
+              <a:rPr lang="en-US" sz="1600"/>
+              <a:t>  &lt;/transition&gt;</a:t>
+            </a:r>
+          </a:p>
+          <a:p>
+            <a:r>
+              <a:rPr lang="en-US" sz="1600"/>
+              <a:t>  &lt;onentry&gt;</a:t>
+            </a:r>
+          </a:p>
+          <a:p>
+            <a:r>
+              <a:rPr lang="en-US" sz="1600"/>
+              <a:t>    &lt;assign expr="true" location="Gate_In.Block"/&gt;</a:t>
+            </a:r>
+          </a:p>
+          <a:p>
+            <a:r>
+              <a:rPr lang="en-US" sz="1600"/>
+              <a:t>    &lt;assign expr="false" location="On_In.Reset"/&gt;</a:t>
+            </a:r>
+          </a:p>
+          <a:p>
+            <a:r>
+              <a:rPr lang="en-US" sz="1600"/>
+              <a:t>  &lt;/onentry&gt;</a:t>
+            </a:r>
+          </a:p>
+          <a:p>
+            <a:r>
+              <a:rPr lang="en-US" sz="1600"/>
+              <a:t>  &lt;onexit&gt;</a:t>
+            </a:r>
+          </a:p>
+          <a:p>
+            <a:r>
+              <a:rPr lang="en-US" sz="1600"/>
+              <a:t>    &lt;assign expr="false" location="Gate_In.Block"/&gt;</a:t>
+            </a:r>
+          </a:p>
+          <a:p>
+            <a:r>
+              <a:rPr lang="en-US" sz="1600"/>
+              <a:t>  &lt;/onexit&gt;</a:t>
+            </a:r>
+          </a:p>
+          <a:p>
+            <a:r>
+              <a:rPr lang="en-US" sz="1600"/>
+              <a:t>  </a:t>
+            </a:r>
+            <a:r>
+              <a:rPr lang="en-US" sz="1600">
+                <a:solidFill>
+                  <a:srgbClr val="FF0000"/>
+                </a:solidFill>
+              </a:rPr>
+              <a:t>&lt;iumlb:invariant predicate="Gate_In.Block == TRUE" name="GateCondition"/&gt;</a:t>
+            </a:r>
+          </a:p>
+          <a:p>
+            <a:r>
+              <a:rPr lang="en-US" sz="1600"/>
+              <a:t>&lt;/state&gt; </a:t>
+            </a:r>
+          </a:p>
+        </p:txBody>
+      </p:sp>
     </p:spTree>
     <p:extLst>
       <p:ext uri="{BB962C8B-B14F-4D97-AF65-F5344CB8AC3E}">
-        <p14:creationId xmlns:p14="http://schemas.microsoft.com/office/powerpoint/2010/main" val="2536904728"/>
+        <p14:creationId xmlns:p14="http://schemas.microsoft.com/office/powerpoint/2010/main" val="333332016"/>
       </p:ext>
     </p:extLst>
   </p:cSld>
@@ -3523,7 +4546,7 @@
           <a:p>
             <a:r>
               <a:rPr lang="en-US"/>
-              <a:t>The next version – support 4 RTC</a:t>
+              <a:t>Initial translation supports..</a:t>
             </a:r>
           </a:p>
         </p:txBody>
@@ -3540,38 +4563,92 @@
         </p:nvSpPr>
         <p:spPr/>
         <p:txBody>
-          <a:bodyPr/>
+          <a:bodyPr>
+            <a:normAutofit fontScale="85000" lnSpcReduction="20000"/>
+          </a:bodyPr>
           <a:lstStyle/>
           <a:p>
             <a:r>
               <a:rPr lang="en-US"/>
-              <a:t>Try modelling the run to completion semantics</a:t>
+              <a:t>Data models</a:t>
             </a:r>
           </a:p>
           <a:p>
             <a:r>
               <a:rPr lang="en-US"/>
-              <a:t>E.g. trigger events create a token, </a:t>
-            </a:r>
-          </a:p>
-          <a:p>
-            <a:pPr lvl="1"/>
+              <a:t>Hierarchical nested statemachines </a:t>
+            </a:r>
+          </a:p>
+          <a:p>
             <a:r>
               <a:rPr lang="en-US"/>
-              <a:t>A new token can only be consumed when no transitions are enabled</a:t>
+              <a:t>Parrallel Statemachines</a:t>
             </a:r>
           </a:p>
           <a:p>
             <a:r>
               <a:rPr lang="en-US"/>
-              <a:t>Try enforcing transition sequences</a:t>
-            </a:r>
-          </a:p>
-          <a:p>
-            <a:pPr lvl="1"/>
+              <a:t>‘When’ Transitions (</a:t>
+            </a:r>
+            <a:r>
+              <a:rPr lang="en-US">
+                <a:solidFill>
+                  <a:srgbClr val="FF0000"/>
+                </a:solidFill>
+              </a:rPr>
+              <a:t>label</a:t>
+            </a:r>
             <a:r>
               <a:rPr lang="en-US"/>
-              <a:t>???</a:t>
+              <a:t>)</a:t>
+            </a:r>
+          </a:p>
+          <a:p>
+            <a:r>
+              <a:rPr lang="en-US"/>
+              <a:t>Transition parameters, </a:t>
+            </a:r>
+            <a:r>
+              <a:rPr lang="en-US">
+                <a:solidFill>
+                  <a:srgbClr val="FF0000"/>
+                </a:solidFill>
+              </a:rPr>
+              <a:t>guards</a:t>
+            </a:r>
+            <a:r>
+              <a:rPr lang="en-US"/>
+              <a:t> and actions</a:t>
+            </a:r>
+          </a:p>
+          <a:p>
+            <a:r>
+              <a:rPr lang="en-US">
+                <a:solidFill>
+                  <a:srgbClr val="FF0000"/>
+                </a:solidFill>
+              </a:rPr>
+              <a:t>Invariants</a:t>
+            </a:r>
+          </a:p>
+          <a:p>
+            <a:r>
+              <a:rPr lang="en-US">
+                <a:solidFill>
+                  <a:srgbClr val="000000"/>
+                </a:solidFill>
+              </a:rPr>
+              <a:t>Initial and Final states</a:t>
+            </a:r>
+          </a:p>
+          <a:p>
+            <a:r>
+              <a:rPr lang="en-US">
+                <a:solidFill>
+                  <a:srgbClr val="FF0000"/>
+                </a:solidFill>
+              </a:rPr>
+              <a:t>Refinement (superposition only)</a:t>
             </a:r>
           </a:p>
           <a:p>
@@ -3582,7 +4659,7 @@
     </p:spTree>
     <p:extLst>
       <p:ext uri="{BB962C8B-B14F-4D97-AF65-F5344CB8AC3E}">
-        <p14:creationId xmlns:p14="http://schemas.microsoft.com/office/powerpoint/2010/main" val="1798440046"/>
+        <p14:creationId xmlns:p14="http://schemas.microsoft.com/office/powerpoint/2010/main" val="2653461750"/>
       </p:ext>
     </p:extLst>
   </p:cSld>
@@ -3626,34 +4703,48 @@
           <a:p>
             <a:r>
               <a:rPr lang="en-US"/>
-              <a:t>Conclusions</a:t>
-            </a:r>
-          </a:p>
-        </p:txBody>
-      </p:sp>
-      <p:sp>
-        <p:nvSpPr>
-          <p:cNvPr id="3" name="Content Placeholder 2"/>
-          <p:cNvSpPr>
-            <a:spLocks noGrp="1"/>
-          </p:cNvSpPr>
-          <p:nvPr>
-            <p:ph idx="1"/>
-          </p:nvPr>
-        </p:nvSpPr>
-        <p:spPr/>
-        <p:txBody>
-          <a:bodyPr/>
-          <a:lstStyle/>
-          <a:p>
-            <a:endParaRPr lang="en-US"/>
-          </a:p>
-        </p:txBody>
-      </p:sp>
+              <a:t>Diagram of SCXML</a:t>
+            </a:r>
+          </a:p>
+        </p:txBody>
+      </p:sp>
+      <p:pic>
+        <p:nvPicPr>
+          <p:cNvPr id="4" name="Picture 3"/>
+          <p:cNvPicPr/>
+          <p:nvPr/>
+        </p:nvPicPr>
+        <p:blipFill>
+          <a:blip r:embed="rId2">
+            <a:extLst>
+              <a:ext uri="{28A0092B-C50C-407E-A947-70E740481C1C}">
+                <a14:useLocalDpi xmlns:a14="http://schemas.microsoft.com/office/drawing/2010/main" val="0"/>
+              </a:ext>
+            </a:extLst>
+          </a:blip>
+          <a:srcRect/>
+          <a:stretch>
+            <a:fillRect/>
+          </a:stretch>
+        </p:blipFill>
+        <p:spPr bwMode="auto">
+          <a:xfrm>
+            <a:off x="656981" y="1273834"/>
+            <a:ext cx="8487019" cy="5154320"/>
+          </a:xfrm>
+          <a:prstGeom prst="rect">
+            <a:avLst/>
+          </a:prstGeom>
+          <a:noFill/>
+          <a:ln>
+            <a:noFill/>
+          </a:ln>
+        </p:spPr>
+      </p:pic>
     </p:spTree>
     <p:extLst>
       <p:ext uri="{BB962C8B-B14F-4D97-AF65-F5344CB8AC3E}">
-        <p14:creationId xmlns:p14="http://schemas.microsoft.com/office/powerpoint/2010/main" val="1559235123"/>
+        <p14:creationId xmlns:p14="http://schemas.microsoft.com/office/powerpoint/2010/main" val="3191315879"/>
       </p:ext>
     </p:extLst>
   </p:cSld>
@@ -3690,27 +4781,1070 @@
             <p:ph type="title"/>
           </p:nvPr>
         </p:nvSpPr>
+        <p:spPr/>
+        <p:txBody>
+          <a:bodyPr/>
+          <a:lstStyle/>
+          <a:p>
+            <a:r>
+              <a:rPr lang="en-US"/>
+              <a:t>Example – generated iUML-B</a:t>
+            </a:r>
+          </a:p>
+        </p:txBody>
+      </p:sp>
+      <p:pic>
+        <p:nvPicPr>
+          <p:cNvPr id="4" name="Picture 3"/>
+          <p:cNvPicPr>
+            <a:picLocks noChangeAspect="1"/>
+          </p:cNvPicPr>
+          <p:nvPr/>
+        </p:nvPicPr>
+        <p:blipFill>
+          <a:blip r:embed="rId2"/>
+          <a:stretch>
+            <a:fillRect/>
+          </a:stretch>
+        </p:blipFill>
         <p:spPr>
           <a:xfrm>
-            <a:off x="457200" y="2232333"/>
-            <a:ext cx="8229600" cy="1143000"/>
+            <a:off x="0" y="1456665"/>
+            <a:ext cx="9144000" cy="4943548"/>
           </a:xfrm>
+          <a:prstGeom prst="rect">
+            <a:avLst/>
+          </a:prstGeom>
         </p:spPr>
-        <p:txBody>
-          <a:bodyPr/>
-          <a:lstStyle/>
-          <a:p>
-            <a:r>
-              <a:rPr lang="en-US"/>
-              <a:t>Questions?</a:t>
-            </a:r>
-          </a:p>
-        </p:txBody>
-      </p:sp>
+      </p:pic>
     </p:spTree>
     <p:extLst>
       <p:ext uri="{BB962C8B-B14F-4D97-AF65-F5344CB8AC3E}">
-        <p14:creationId xmlns:p14="http://schemas.microsoft.com/office/powerpoint/2010/main" val="3171320830"/>
+        <p14:creationId xmlns:p14="http://schemas.microsoft.com/office/powerpoint/2010/main" val="1486475643"/>
+      </p:ext>
+    </p:extLst>
+  </p:cSld>
+  <p:clrMapOvr>
+    <a:masterClrMapping/>
+  </p:clrMapOvr>
+</p:sld>
+</file>
+
+<file path=ppt/slides/slide15.xml><?xml version="1.0" encoding="utf-8"?>
+<p:sld xmlns:a="http://schemas.openxmlformats.org/drawingml/2006/main" xmlns:r="http://schemas.openxmlformats.org/officeDocument/2006/relationships" xmlns:p="http://schemas.openxmlformats.org/presentationml/2006/main">
+  <p:cSld>
+    <p:spTree>
+      <p:nvGrpSpPr>
+        <p:cNvPr id="1" name=""/>
+        <p:cNvGrpSpPr/>
+        <p:nvPr/>
+      </p:nvGrpSpPr>
+      <p:grpSpPr>
+        <a:xfrm>
+          <a:off x="0" y="0"/>
+          <a:ext cx="0" cy="0"/>
+          <a:chOff x="0" y="0"/>
+          <a:chExt cx="0" cy="0"/>
+        </a:xfrm>
+      </p:grpSpPr>
+      <p:sp>
+        <p:nvSpPr>
+          <p:cNvPr id="2" name="Title 1"/>
+          <p:cNvSpPr>
+            <a:spLocks noGrp="1"/>
+          </p:cNvSpPr>
+          <p:nvPr>
+            <p:ph type="title"/>
+          </p:nvPr>
+        </p:nvSpPr>
+        <p:spPr/>
+        <p:txBody>
+          <a:bodyPr/>
+          <a:lstStyle/>
+          <a:p>
+            <a:r>
+              <a:rPr lang="en-US"/>
+              <a:t>Next steps</a:t>
+            </a:r>
+          </a:p>
+        </p:txBody>
+      </p:sp>
+      <p:sp>
+        <p:nvSpPr>
+          <p:cNvPr id="3" name="Content Placeholder 2"/>
+          <p:cNvSpPr>
+            <a:spLocks noGrp="1"/>
+          </p:cNvSpPr>
+          <p:nvPr>
+            <p:ph idx="1"/>
+          </p:nvPr>
+        </p:nvSpPr>
+        <p:spPr/>
+        <p:txBody>
+          <a:bodyPr/>
+          <a:lstStyle/>
+          <a:p>
+            <a:r>
+              <a:rPr lang="en-US"/>
+              <a:t>Try modelling the run to completion semantics</a:t>
+            </a:r>
+          </a:p>
+          <a:p>
+            <a:r>
+              <a:rPr lang="en-US"/>
+              <a:t>E.g. trigger events create a token, </a:t>
+            </a:r>
+          </a:p>
+          <a:p>
+            <a:pPr lvl="1"/>
+            <a:r>
+              <a:rPr lang="en-US"/>
+              <a:t>A new token can only be consumed when no transitions are enabled</a:t>
+            </a:r>
+          </a:p>
+          <a:p>
+            <a:r>
+              <a:rPr lang="en-US"/>
+              <a:t>Try enforcing transition run-to-completion sequences</a:t>
+            </a:r>
+          </a:p>
+          <a:p>
+            <a:r>
+              <a:rPr lang="en-US" i="1">
+                <a:solidFill>
+                  <a:srgbClr val="FF0000"/>
+                </a:solidFill>
+              </a:rPr>
+              <a:t>Still omit sequencing of actions</a:t>
+            </a:r>
+            <a:endParaRPr lang="en-US" i="1">
+              <a:solidFill>
+                <a:srgbClr val="FF0000"/>
+              </a:solidFill>
+            </a:endParaRPr>
+          </a:p>
+          <a:p>
+            <a:endParaRPr lang="en-US"/>
+          </a:p>
+        </p:txBody>
+      </p:sp>
+    </p:spTree>
+    <p:extLst>
+      <p:ext uri="{BB962C8B-B14F-4D97-AF65-F5344CB8AC3E}">
+        <p14:creationId xmlns:p14="http://schemas.microsoft.com/office/powerpoint/2010/main" val="3358225415"/>
+      </p:ext>
+    </p:extLst>
+  </p:cSld>
+  <p:clrMapOvr>
+    <a:masterClrMapping/>
+  </p:clrMapOvr>
+</p:sld>
+</file>
+
+<file path=ppt/slides/slide16.xml><?xml version="1.0" encoding="utf-8"?>
+<p:sld xmlns:a="http://schemas.openxmlformats.org/drawingml/2006/main" xmlns:r="http://schemas.openxmlformats.org/officeDocument/2006/relationships" xmlns:p="http://schemas.openxmlformats.org/presentationml/2006/main">
+  <p:cSld>
+    <p:spTree>
+      <p:nvGrpSpPr>
+        <p:cNvPr id="1" name=""/>
+        <p:cNvGrpSpPr/>
+        <p:nvPr/>
+      </p:nvGrpSpPr>
+      <p:grpSpPr>
+        <a:xfrm>
+          <a:off x="0" y="0"/>
+          <a:ext cx="0" cy="0"/>
+          <a:chOff x="0" y="0"/>
+          <a:chExt cx="0" cy="0"/>
+        </a:xfrm>
+      </p:grpSpPr>
+      <p:sp>
+        <p:nvSpPr>
+          <p:cNvPr id="2" name="Title 1"/>
+          <p:cNvSpPr>
+            <a:spLocks noGrp="1"/>
+          </p:cNvSpPr>
+          <p:nvPr>
+            <p:ph type="title"/>
+          </p:nvPr>
+        </p:nvSpPr>
+        <p:spPr/>
+        <p:txBody>
+          <a:bodyPr>
+            <a:normAutofit/>
+          </a:bodyPr>
+          <a:lstStyle/>
+          <a:p>
+            <a:r>
+              <a:rPr lang="en-US"/>
+              <a:t>Enhance iUML-B to support triggers </a:t>
+            </a:r>
+          </a:p>
+        </p:txBody>
+      </p:sp>
+      <p:sp>
+        <p:nvSpPr>
+          <p:cNvPr id="3" name="Content Placeholder 2"/>
+          <p:cNvSpPr>
+            <a:spLocks noGrp="1"/>
+          </p:cNvSpPr>
+          <p:nvPr>
+            <p:ph idx="1"/>
+          </p:nvPr>
+        </p:nvSpPr>
+        <p:spPr/>
+        <p:txBody>
+          <a:bodyPr>
+            <a:normAutofit fontScale="70000" lnSpcReduction="20000"/>
+          </a:bodyPr>
+          <a:lstStyle/>
+          <a:p>
+            <a:pPr lvl="0"/>
+            <a:r>
+              <a:rPr lang="en-GB"/>
+              <a:t>iUML-B Statemachines will own a collection of triggers.  </a:t>
+            </a:r>
+          </a:p>
+          <a:p>
+            <a:pPr lvl="1"/>
+            <a:r>
+              <a:rPr lang="en-GB"/>
+              <a:t>Each trigger will generate an Event-B BOOL variable.</a:t>
+            </a:r>
+          </a:p>
+          <a:p>
+            <a:pPr lvl="2"/>
+            <a:r>
+              <a:rPr lang="en-GB"/>
+              <a:t> (Note simplification of SCXML, which permits several triggers of a kind to be queued). </a:t>
+            </a:r>
+          </a:p>
+          <a:p>
+            <a:pPr lvl="1"/>
+            <a:r>
+              <a:rPr lang="en-GB"/>
+              <a:t>Transitions may reference a trigger. </a:t>
+            </a:r>
+          </a:p>
+          <a:p>
+            <a:pPr lvl="2"/>
+            <a:r>
+              <a:rPr lang="en-GB"/>
+              <a:t>The reference will generate a guard, </a:t>
+            </a:r>
+            <a:r>
+              <a:rPr lang="en-GB" i="1"/>
+              <a:t>&lt;trigger variable&gt; = TRUE</a:t>
+            </a:r>
+            <a:r>
+              <a:rPr lang="en-GB"/>
+              <a:t> </a:t>
+            </a:r>
+          </a:p>
+          <a:p>
+            <a:pPr lvl="2"/>
+            <a:r>
+              <a:rPr lang="en-GB"/>
+              <a:t>And an action </a:t>
+            </a:r>
+            <a:r>
+              <a:rPr lang="en-GB" i="1"/>
+              <a:t>&lt;trigger variable&gt; :=  FALSE</a:t>
+            </a:r>
+            <a:r>
+              <a:rPr lang="en-GB"/>
+              <a:t>. </a:t>
+            </a:r>
+          </a:p>
+          <a:p>
+            <a:pPr lvl="1"/>
+            <a:r>
+              <a:rPr lang="en-GB"/>
+              <a:t>Transitions may own a collection of ‘Raise’ actions that reference an internal trigger. </a:t>
+            </a:r>
+          </a:p>
+          <a:p>
+            <a:pPr lvl="2"/>
+            <a:r>
+              <a:rPr lang="en-GB"/>
+              <a:t>This will generate an action </a:t>
+            </a:r>
+            <a:r>
+              <a:rPr lang="en-GB" i="1"/>
+              <a:t>&lt;trigger variable&gt; :=  TRUE.</a:t>
+            </a:r>
+            <a:r>
+              <a:rPr lang="en-GB"/>
+              <a:t> </a:t>
+            </a:r>
+          </a:p>
+          <a:p>
+            <a:pPr lvl="1"/>
+            <a:r>
+              <a:rPr lang="en-GB"/>
+              <a:t>Transitions may be designated as external. </a:t>
+            </a:r>
+          </a:p>
+          <a:p>
+            <a:pPr lvl="2"/>
+            <a:r>
+              <a:rPr lang="en-GB"/>
+              <a:t>An interface event will be generated to create a new trigger </a:t>
+            </a:r>
+            <a:r>
+              <a:rPr lang="en-GB" i="1"/>
+              <a:t>( &lt;trigger variable&gt; :=  TRUE )</a:t>
+            </a:r>
+          </a:p>
+          <a:p>
+            <a:pPr lvl="2"/>
+            <a:r>
+              <a:rPr lang="en-GB"/>
+              <a:t>when it has been consumed </a:t>
+            </a:r>
+            <a:r>
+              <a:rPr lang="en-GB" i="1"/>
+              <a:t>( &lt;trigger variable&gt; = FALSE ) and </a:t>
+            </a:r>
+          </a:p>
+          <a:p>
+            <a:pPr lvl="2"/>
+            <a:r>
+              <a:rPr lang="en-GB" i="1"/>
+              <a:t>No transitions are enabled</a:t>
+            </a:r>
+            <a:r>
+              <a:rPr lang="en-GB"/>
+              <a:t>. </a:t>
+            </a:r>
+            <a:r>
+              <a:rPr lang="en-GB" i="1"/>
+              <a:t>(run to completion)</a:t>
+            </a:r>
+          </a:p>
+          <a:p>
+            <a:pPr lvl="2"/>
+            <a:endParaRPr lang="en-GB" i="1"/>
+          </a:p>
+          <a:p>
+            <a:pPr lvl="0"/>
+            <a:r>
+              <a:rPr lang="en-GB"/>
+              <a:t>A partial ‘run-to-completion’ semantics will be introduced by disabling all interface events while any external or internal transition is enabled. </a:t>
+            </a:r>
+            <a:endParaRPr lang="en-US"/>
+          </a:p>
+        </p:txBody>
+      </p:sp>
+    </p:spTree>
+    <p:extLst>
+      <p:ext uri="{BB962C8B-B14F-4D97-AF65-F5344CB8AC3E}">
+        <p14:creationId xmlns:p14="http://schemas.microsoft.com/office/powerpoint/2010/main" val="383277120"/>
+      </p:ext>
+    </p:extLst>
+  </p:cSld>
+  <p:clrMapOvr>
+    <a:masterClrMapping/>
+  </p:clrMapOvr>
+</p:sld>
+</file>
+
+<file path=ppt/slides/slide17.xml><?xml version="1.0" encoding="utf-8"?>
+<p:sld xmlns:a="http://schemas.openxmlformats.org/drawingml/2006/main" xmlns:r="http://schemas.openxmlformats.org/officeDocument/2006/relationships" xmlns:p="http://schemas.openxmlformats.org/presentationml/2006/main">
+  <p:cSld>
+    <p:spTree>
+      <p:nvGrpSpPr>
+        <p:cNvPr id="1" name=""/>
+        <p:cNvGrpSpPr/>
+        <p:nvPr/>
+      </p:nvGrpSpPr>
+      <p:grpSpPr>
+        <a:xfrm>
+          <a:off x="0" y="0"/>
+          <a:ext cx="0" cy="0"/>
+          <a:chOff x="0" y="0"/>
+          <a:chExt cx="0" cy="0"/>
+        </a:xfrm>
+      </p:grpSpPr>
+      <p:sp>
+        <p:nvSpPr>
+          <p:cNvPr id="2" name="Title 1"/>
+          <p:cNvSpPr>
+            <a:spLocks noGrp="1"/>
+          </p:cNvSpPr>
+          <p:nvPr>
+            <p:ph type="title"/>
+          </p:nvPr>
+        </p:nvSpPr>
+        <p:spPr/>
+        <p:txBody>
+          <a:bodyPr/>
+          <a:lstStyle/>
+          <a:p>
+            <a:r>
+              <a:rPr lang="en-US"/>
+              <a:t>External Trigger Event</a:t>
+            </a:r>
+          </a:p>
+        </p:txBody>
+      </p:sp>
+      <p:pic>
+        <p:nvPicPr>
+          <p:cNvPr id="4" name="Picture 3"/>
+          <p:cNvPicPr/>
+          <p:nvPr/>
+        </p:nvPicPr>
+        <p:blipFill>
+          <a:blip r:embed="rId2">
+            <a:extLst>
+              <a:ext uri="{28A0092B-C50C-407E-A947-70E740481C1C}">
+                <a14:useLocalDpi xmlns:a14="http://schemas.microsoft.com/office/drawing/2010/main" val="0"/>
+              </a:ext>
+            </a:extLst>
+          </a:blip>
+          <a:srcRect/>
+          <a:stretch>
+            <a:fillRect/>
+          </a:stretch>
+        </p:blipFill>
+        <p:spPr bwMode="auto">
+          <a:xfrm>
+            <a:off x="889257" y="2524742"/>
+            <a:ext cx="4561938" cy="3235298"/>
+          </a:xfrm>
+          <a:prstGeom prst="rect">
+            <a:avLst/>
+          </a:prstGeom>
+          <a:noFill/>
+          <a:ln>
+            <a:noFill/>
+          </a:ln>
+        </p:spPr>
+      </p:pic>
+      <p:sp>
+        <p:nvSpPr>
+          <p:cNvPr id="5" name="TextBox 4"/>
+          <p:cNvSpPr txBox="1"/>
+          <p:nvPr/>
+        </p:nvSpPr>
+        <p:spPr>
+          <a:xfrm>
+            <a:off x="5798237" y="1861668"/>
+            <a:ext cx="3345763" cy="369332"/>
+          </a:xfrm>
+          <a:prstGeom prst="rect">
+            <a:avLst/>
+          </a:prstGeom>
+          <a:noFill/>
+        </p:spPr>
+        <p:txBody>
+          <a:bodyPr wrap="none" rtlCol="0">
+            <a:spAutoFit/>
+          </a:bodyPr>
+          <a:lstStyle/>
+          <a:p>
+            <a:r>
+              <a:rPr lang="en-US"/>
+              <a:t>Old trigger has been consumed</a:t>
+            </a:r>
+          </a:p>
+        </p:txBody>
+      </p:sp>
+      <p:cxnSp>
+        <p:nvCxnSpPr>
+          <p:cNvPr id="6" name="Straight Arrow Connector 5"/>
+          <p:cNvCxnSpPr/>
+          <p:nvPr/>
+        </p:nvCxnSpPr>
+        <p:spPr>
+          <a:xfrm flipH="1">
+            <a:off x="3569809" y="2260600"/>
+            <a:ext cx="2234091" cy="897500"/>
+          </a:xfrm>
+          <a:prstGeom prst="straightConnector1">
+            <a:avLst/>
+          </a:prstGeom>
+          <a:ln>
+            <a:tailEnd type="arrow"/>
+          </a:ln>
+        </p:spPr>
+        <p:style>
+          <a:lnRef idx="2">
+            <a:schemeClr val="accent1"/>
+          </a:lnRef>
+          <a:fillRef idx="0">
+            <a:schemeClr val="accent1"/>
+          </a:fillRef>
+          <a:effectRef idx="1">
+            <a:schemeClr val="accent1"/>
+          </a:effectRef>
+          <a:fontRef idx="minor">
+            <a:schemeClr val="tx1"/>
+          </a:fontRef>
+        </p:style>
+      </p:cxnSp>
+      <p:sp>
+        <p:nvSpPr>
+          <p:cNvPr id="7" name="TextBox 6"/>
+          <p:cNvSpPr txBox="1"/>
+          <p:nvPr/>
+        </p:nvSpPr>
+        <p:spPr>
+          <a:xfrm>
+            <a:off x="5556937" y="5430368"/>
+            <a:ext cx="1954569" cy="369332"/>
+          </a:xfrm>
+          <a:prstGeom prst="rect">
+            <a:avLst/>
+          </a:prstGeom>
+          <a:noFill/>
+        </p:spPr>
+        <p:txBody>
+          <a:bodyPr wrap="none" rtlCol="0">
+            <a:spAutoFit/>
+          </a:bodyPr>
+          <a:lstStyle/>
+          <a:p>
+            <a:r>
+              <a:rPr lang="en-US"/>
+              <a:t>Raise new trigger</a:t>
+            </a:r>
+          </a:p>
+        </p:txBody>
+      </p:sp>
+      <p:cxnSp>
+        <p:nvCxnSpPr>
+          <p:cNvPr id="8" name="Straight Arrow Connector 7"/>
+          <p:cNvCxnSpPr>
+            <a:stCxn id="7" idx="1"/>
+          </p:cNvCxnSpPr>
+          <p:nvPr/>
+        </p:nvCxnSpPr>
+        <p:spPr>
+          <a:xfrm flipH="1" flipV="1">
+            <a:off x="2884011" y="5482200"/>
+            <a:ext cx="2672926" cy="132834"/>
+          </a:xfrm>
+          <a:prstGeom prst="straightConnector1">
+            <a:avLst/>
+          </a:prstGeom>
+          <a:ln>
+            <a:tailEnd type="arrow"/>
+          </a:ln>
+        </p:spPr>
+        <p:style>
+          <a:lnRef idx="2">
+            <a:schemeClr val="accent1"/>
+          </a:lnRef>
+          <a:fillRef idx="0">
+            <a:schemeClr val="accent1"/>
+          </a:fillRef>
+          <a:effectRef idx="1">
+            <a:schemeClr val="accent1"/>
+          </a:effectRef>
+          <a:fontRef idx="minor">
+            <a:schemeClr val="tx1"/>
+          </a:fontRef>
+        </p:style>
+      </p:cxnSp>
+      <p:sp>
+        <p:nvSpPr>
+          <p:cNvPr id="10" name="TextBox 9"/>
+          <p:cNvSpPr txBox="1"/>
+          <p:nvPr/>
+        </p:nvSpPr>
+        <p:spPr>
+          <a:xfrm>
+            <a:off x="5887137" y="4007968"/>
+            <a:ext cx="2503472" cy="369332"/>
+          </a:xfrm>
+          <a:prstGeom prst="rect">
+            <a:avLst/>
+          </a:prstGeom>
+          <a:noFill/>
+        </p:spPr>
+        <p:txBody>
+          <a:bodyPr wrap="none" rtlCol="0">
+            <a:spAutoFit/>
+          </a:bodyPr>
+          <a:lstStyle/>
+          <a:p>
+            <a:r>
+              <a:rPr lang="en-US"/>
+              <a:t>No transitions enabled</a:t>
+            </a:r>
+          </a:p>
+        </p:txBody>
+      </p:sp>
+      <p:sp>
+        <p:nvSpPr>
+          <p:cNvPr id="11" name="Right Brace 10"/>
+          <p:cNvSpPr/>
+          <p:nvPr/>
+        </p:nvSpPr>
+        <p:spPr bwMode="auto">
+          <a:xfrm>
+            <a:off x="5295900" y="3314700"/>
+            <a:ext cx="342900" cy="1765300"/>
+          </a:xfrm>
+          <a:prstGeom prst="rightBrace">
+            <a:avLst/>
+          </a:prstGeom>
+          <a:noFill/>
+          <a:ln w="38100" cap="flat" cmpd="sng" algn="ctr">
+            <a:solidFill>
+              <a:schemeClr val="tx1"/>
+            </a:solidFill>
+            <a:prstDash val="solid"/>
+            <a:round/>
+            <a:headEnd type="none" w="med" len="med"/>
+            <a:tailEnd type="none" w="med" len="med"/>
+          </a:ln>
+          <a:effectLst/>
+        </p:spPr>
+        <p:txBody>
+          <a:bodyPr vert="horz" wrap="square" lIns="91440" tIns="45720" rIns="91440" bIns="0" numCol="1" rtlCol="0" anchor="t" anchorCtr="0" compatLnSpc="1">
+            <a:prstTxWarp prst="textNoShape">
+              <a:avLst/>
+            </a:prstTxWarp>
+            <a:spAutoFit/>
+          </a:bodyPr>
+          <a:lstStyle/>
+          <a:p>
+            <a:pPr marL="0" marR="0" indent="0" algn="ctr" defTabSz="914400" rtl="0" eaLnBrk="0" fontAlgn="base" latinLnBrk="0" hangingPunct="0">
+              <a:lnSpc>
+                <a:spcPct val="100000"/>
+              </a:lnSpc>
+              <a:spcBef>
+                <a:spcPct val="0"/>
+              </a:spcBef>
+              <a:spcAft>
+                <a:spcPct val="0"/>
+              </a:spcAft>
+              <a:buClrTx/>
+              <a:buSzTx/>
+              <a:buFontTx/>
+              <a:buNone/>
+              <a:tabLst/>
+            </a:pPr>
+            <a:endParaRPr kumimoji="0" lang="en-US" sz="1200" b="0" i="0" u="none" strike="noStrike" cap="none" normalizeH="0" baseline="0">
+              <a:ln>
+                <a:noFill/>
+              </a:ln>
+              <a:solidFill>
+                <a:schemeClr val="tx1"/>
+              </a:solidFill>
+              <a:effectLst/>
+              <a:latin typeface="Lucida Sans" charset="0"/>
+              <a:ea typeface="ＭＳ Ｐゴシック" charset="-128"/>
+              <a:cs typeface="ＭＳ Ｐゴシック" charset="-128"/>
+            </a:endParaRPr>
+          </a:p>
+        </p:txBody>
+      </p:sp>
+    </p:spTree>
+    <p:extLst>
+      <p:ext uri="{BB962C8B-B14F-4D97-AF65-F5344CB8AC3E}">
+        <p14:creationId xmlns:p14="http://schemas.microsoft.com/office/powerpoint/2010/main" val="3695732330"/>
+      </p:ext>
+    </p:extLst>
+  </p:cSld>
+  <p:clrMapOvr>
+    <a:masterClrMapping/>
+  </p:clrMapOvr>
+</p:sld>
+</file>
+
+<file path=ppt/slides/slide18.xml><?xml version="1.0" encoding="utf-8"?>
+<p:sld xmlns:a="http://schemas.openxmlformats.org/drawingml/2006/main" xmlns:r="http://schemas.openxmlformats.org/officeDocument/2006/relationships" xmlns:p="http://schemas.openxmlformats.org/presentationml/2006/main">
+  <p:cSld>
+    <p:spTree>
+      <p:nvGrpSpPr>
+        <p:cNvPr id="1" name=""/>
+        <p:cNvGrpSpPr/>
+        <p:nvPr/>
+      </p:nvGrpSpPr>
+      <p:grpSpPr>
+        <a:xfrm>
+          <a:off x="0" y="0"/>
+          <a:ext cx="0" cy="0"/>
+          <a:chOff x="0" y="0"/>
+          <a:chExt cx="0" cy="0"/>
+        </a:xfrm>
+      </p:grpSpPr>
+      <p:sp>
+        <p:nvSpPr>
+          <p:cNvPr id="2" name="Title 1"/>
+          <p:cNvSpPr>
+            <a:spLocks noGrp="1"/>
+          </p:cNvSpPr>
+          <p:nvPr>
+            <p:ph type="title"/>
+          </p:nvPr>
+        </p:nvSpPr>
+        <p:spPr/>
+        <p:txBody>
+          <a:bodyPr/>
+          <a:lstStyle/>
+          <a:p>
+            <a:r>
+              <a:rPr lang="en-US"/>
+              <a:t>Triggered transition</a:t>
+            </a:r>
+          </a:p>
+        </p:txBody>
+      </p:sp>
+      <p:pic>
+        <p:nvPicPr>
+          <p:cNvPr id="5" name="Picture 4"/>
+          <p:cNvPicPr/>
+          <p:nvPr/>
+        </p:nvPicPr>
+        <p:blipFill>
+          <a:blip r:embed="rId2">
+            <a:extLst>
+              <a:ext uri="{28A0092B-C50C-407E-A947-70E740481C1C}">
+                <a14:useLocalDpi xmlns:a14="http://schemas.microsoft.com/office/drawing/2010/main" val="0"/>
+              </a:ext>
+            </a:extLst>
+          </a:blip>
+          <a:srcRect/>
+          <a:stretch>
+            <a:fillRect/>
+          </a:stretch>
+        </p:blipFill>
+        <p:spPr bwMode="auto">
+          <a:xfrm>
+            <a:off x="937362" y="2819547"/>
+            <a:ext cx="5314235" cy="2638129"/>
+          </a:xfrm>
+          <a:prstGeom prst="rect">
+            <a:avLst/>
+          </a:prstGeom>
+          <a:noFill/>
+          <a:ln>
+            <a:noFill/>
+          </a:ln>
+        </p:spPr>
+      </p:pic>
+      <p:sp>
+        <p:nvSpPr>
+          <p:cNvPr id="6" name="TextBox 5"/>
+          <p:cNvSpPr txBox="1"/>
+          <p:nvPr/>
+        </p:nvSpPr>
+        <p:spPr>
+          <a:xfrm>
+            <a:off x="6606887" y="3080868"/>
+            <a:ext cx="1803311" cy="369332"/>
+          </a:xfrm>
+          <a:prstGeom prst="rect">
+            <a:avLst/>
+          </a:prstGeom>
+          <a:noFill/>
+        </p:spPr>
+        <p:txBody>
+          <a:bodyPr wrap="none" rtlCol="0">
+            <a:spAutoFit/>
+          </a:bodyPr>
+          <a:lstStyle/>
+          <a:p>
+            <a:r>
+              <a:rPr lang="en-US"/>
+              <a:t>The trigger guard</a:t>
+            </a:r>
+          </a:p>
+        </p:txBody>
+      </p:sp>
+      <p:sp>
+        <p:nvSpPr>
+          <p:cNvPr id="7" name="TextBox 6"/>
+          <p:cNvSpPr txBox="1"/>
+          <p:nvPr/>
+        </p:nvSpPr>
+        <p:spPr>
+          <a:xfrm>
+            <a:off x="6606887" y="4193275"/>
+            <a:ext cx="2422208" cy="369332"/>
+          </a:xfrm>
+          <a:prstGeom prst="rect">
+            <a:avLst/>
+          </a:prstGeom>
+          <a:noFill/>
+        </p:spPr>
+        <p:txBody>
+          <a:bodyPr wrap="none" rtlCol="0">
+            <a:spAutoFit/>
+          </a:bodyPr>
+          <a:lstStyle/>
+          <a:p>
+            <a:r>
+              <a:rPr lang="en-US"/>
+              <a:t>Raise an internal trigger</a:t>
+            </a:r>
+          </a:p>
+        </p:txBody>
+      </p:sp>
+      <p:sp>
+        <p:nvSpPr>
+          <p:cNvPr id="8" name="TextBox 7"/>
+          <p:cNvSpPr txBox="1"/>
+          <p:nvPr/>
+        </p:nvSpPr>
+        <p:spPr>
+          <a:xfrm>
+            <a:off x="5688413" y="4700953"/>
+            <a:ext cx="2962432" cy="369332"/>
+          </a:xfrm>
+          <a:prstGeom prst="rect">
+            <a:avLst/>
+          </a:prstGeom>
+          <a:noFill/>
+        </p:spPr>
+        <p:txBody>
+          <a:bodyPr wrap="none" rtlCol="0">
+            <a:spAutoFit/>
+          </a:bodyPr>
+          <a:lstStyle/>
+          <a:p>
+            <a:r>
+              <a:rPr lang="en-US"/>
+              <a:t>Consume the external trigger</a:t>
+            </a:r>
+          </a:p>
+        </p:txBody>
+      </p:sp>
+      <p:cxnSp>
+        <p:nvCxnSpPr>
+          <p:cNvPr id="10" name="Straight Arrow Connector 9"/>
+          <p:cNvCxnSpPr/>
+          <p:nvPr/>
+        </p:nvCxnSpPr>
+        <p:spPr>
+          <a:xfrm flipH="1">
+            <a:off x="4928708" y="3280653"/>
+            <a:ext cx="1564789" cy="169547"/>
+          </a:xfrm>
+          <a:prstGeom prst="straightConnector1">
+            <a:avLst/>
+          </a:prstGeom>
+          <a:ln>
+            <a:tailEnd type="arrow"/>
+          </a:ln>
+        </p:spPr>
+        <p:style>
+          <a:lnRef idx="2">
+            <a:schemeClr val="accent1"/>
+          </a:lnRef>
+          <a:fillRef idx="0">
+            <a:schemeClr val="accent1"/>
+          </a:fillRef>
+          <a:effectRef idx="1">
+            <a:schemeClr val="accent1"/>
+          </a:effectRef>
+          <a:fontRef idx="minor">
+            <a:schemeClr val="tx1"/>
+          </a:fontRef>
+        </p:style>
+      </p:cxnSp>
+      <p:cxnSp>
+        <p:nvCxnSpPr>
+          <p:cNvPr id="11" name="Straight Arrow Connector 10"/>
+          <p:cNvCxnSpPr>
+            <a:stCxn id="8" idx="1"/>
+          </p:cNvCxnSpPr>
+          <p:nvPr/>
+        </p:nvCxnSpPr>
+        <p:spPr>
+          <a:xfrm flipH="1" flipV="1">
+            <a:off x="4037917" y="4785727"/>
+            <a:ext cx="1650496" cy="99892"/>
+          </a:xfrm>
+          <a:prstGeom prst="straightConnector1">
+            <a:avLst/>
+          </a:prstGeom>
+          <a:ln>
+            <a:tailEnd type="arrow"/>
+          </a:ln>
+        </p:spPr>
+        <p:style>
+          <a:lnRef idx="2">
+            <a:schemeClr val="accent1"/>
+          </a:lnRef>
+          <a:fillRef idx="0">
+            <a:schemeClr val="accent1"/>
+          </a:fillRef>
+          <a:effectRef idx="1">
+            <a:schemeClr val="accent1"/>
+          </a:effectRef>
+          <a:fontRef idx="minor">
+            <a:schemeClr val="tx1"/>
+          </a:fontRef>
+        </p:style>
+      </p:cxnSp>
+      <p:cxnSp>
+        <p:nvCxnSpPr>
+          <p:cNvPr id="13" name="Straight Arrow Connector 12"/>
+          <p:cNvCxnSpPr>
+            <a:stCxn id="7" idx="1"/>
+          </p:cNvCxnSpPr>
+          <p:nvPr/>
+        </p:nvCxnSpPr>
+        <p:spPr>
+          <a:xfrm flipH="1">
+            <a:off x="4037917" y="4377941"/>
+            <a:ext cx="2568970" cy="184667"/>
+          </a:xfrm>
+          <a:prstGeom prst="straightConnector1">
+            <a:avLst/>
+          </a:prstGeom>
+          <a:ln>
+            <a:tailEnd type="arrow"/>
+          </a:ln>
+        </p:spPr>
+        <p:style>
+          <a:lnRef idx="2">
+            <a:schemeClr val="accent1"/>
+          </a:lnRef>
+          <a:fillRef idx="0">
+            <a:schemeClr val="accent1"/>
+          </a:fillRef>
+          <a:effectRef idx="1">
+            <a:schemeClr val="accent1"/>
+          </a:effectRef>
+          <a:fontRef idx="minor">
+            <a:schemeClr val="tx1"/>
+          </a:fontRef>
+        </p:style>
+      </p:cxnSp>
+    </p:spTree>
+    <p:extLst>
+      <p:ext uri="{BB962C8B-B14F-4D97-AF65-F5344CB8AC3E}">
+        <p14:creationId xmlns:p14="http://schemas.microsoft.com/office/powerpoint/2010/main" val="72789419"/>
+      </p:ext>
+    </p:extLst>
+  </p:cSld>
+  <p:clrMapOvr>
+    <a:masterClrMapping/>
+  </p:clrMapOvr>
+</p:sld>
+</file>
+
+<file path=ppt/slides/slide19.xml><?xml version="1.0" encoding="utf-8"?>
+<p:sld xmlns:a="http://schemas.openxmlformats.org/drawingml/2006/main" xmlns:r="http://schemas.openxmlformats.org/officeDocument/2006/relationships" xmlns:p="http://schemas.openxmlformats.org/presentationml/2006/main">
+  <p:cSld>
+    <p:spTree>
+      <p:nvGrpSpPr>
+        <p:cNvPr id="1" name=""/>
+        <p:cNvGrpSpPr/>
+        <p:nvPr/>
+      </p:nvGrpSpPr>
+      <p:grpSpPr>
+        <a:xfrm>
+          <a:off x="0" y="0"/>
+          <a:ext cx="0" cy="0"/>
+          <a:chOff x="0" y="0"/>
+          <a:chExt cx="0" cy="0"/>
+        </a:xfrm>
+      </p:grpSpPr>
+      <p:sp>
+        <p:nvSpPr>
+          <p:cNvPr id="2" name="Title 1"/>
+          <p:cNvSpPr>
+            <a:spLocks noGrp="1"/>
+          </p:cNvSpPr>
+          <p:nvPr>
+            <p:ph type="title"/>
+          </p:nvPr>
+        </p:nvSpPr>
+        <p:spPr/>
+        <p:txBody>
+          <a:bodyPr/>
+          <a:lstStyle/>
+          <a:p>
+            <a:r>
+              <a:rPr lang="en-US"/>
+              <a:t>Conclusions</a:t>
+            </a:r>
+          </a:p>
+        </p:txBody>
+      </p:sp>
+      <p:sp>
+        <p:nvSpPr>
+          <p:cNvPr id="3" name="Content Placeholder 2"/>
+          <p:cNvSpPr>
+            <a:spLocks noGrp="1"/>
+          </p:cNvSpPr>
+          <p:nvPr>
+            <p:ph idx="1"/>
+          </p:nvPr>
+        </p:nvSpPr>
+        <p:spPr/>
+        <p:txBody>
+          <a:bodyPr>
+            <a:normAutofit fontScale="92500" lnSpcReduction="10000"/>
+          </a:bodyPr>
+          <a:lstStyle/>
+          <a:p>
+            <a:r>
+              <a:rPr lang="en-US"/>
+              <a:t>Strong motivation from engineers</a:t>
+            </a:r>
+          </a:p>
+          <a:p>
+            <a:endParaRPr lang="en-US"/>
+          </a:p>
+          <a:p>
+            <a:r>
+              <a:rPr lang="en-US"/>
+              <a:t>Difficult to reconcile semantic differences</a:t>
+            </a:r>
+          </a:p>
+          <a:p>
+            <a:pPr lvl="1"/>
+            <a:r>
+              <a:rPr lang="en-US"/>
+              <a:t>Run-to-completion, Sequential execution</a:t>
+            </a:r>
+          </a:p>
+          <a:p>
+            <a:pPr lvl="1"/>
+            <a:endParaRPr lang="en-US"/>
+          </a:p>
+          <a:p>
+            <a:r>
+              <a:rPr lang="en-US"/>
+              <a:t>We adopt a compromise</a:t>
+            </a:r>
+          </a:p>
+          <a:p>
+            <a:pPr lvl="1"/>
+            <a:r>
+              <a:rPr lang="en-US"/>
+              <a:t>Support what we can</a:t>
+            </a:r>
+          </a:p>
+          <a:p>
+            <a:pPr lvl="2"/>
+            <a:r>
+              <a:rPr lang="en-US"/>
+              <a:t>Add extensions where necessary</a:t>
+            </a:r>
+            <a:endParaRPr lang="en-US"/>
+          </a:p>
+          <a:p>
+            <a:pPr lvl="1"/>
+            <a:r>
+              <a:rPr lang="en-US"/>
+              <a:t>Otherwise, restrict SCXML</a:t>
+            </a:r>
+          </a:p>
+        </p:txBody>
+      </p:sp>
+    </p:spTree>
+    <p:extLst>
+      <p:ext uri="{BB962C8B-B14F-4D97-AF65-F5344CB8AC3E}">
+        <p14:creationId xmlns:p14="http://schemas.microsoft.com/office/powerpoint/2010/main" val="1186958882"/>
       </p:ext>
     </p:extLst>
   </p:cSld>
@@ -3778,7 +5912,7 @@
           <a:p>
             <a:r>
               <a:rPr lang="en-US"/>
-              <a:t>Event-B gives verification by formal proof</a:t>
+              <a:t>Event-B provides verification by formal proof</a:t>
             </a:r>
             <a:r>
               <a:rPr lang="is-IS"/>
@@ -3793,19 +5927,19 @@
             </a:r>
             <a:r>
               <a:rPr lang="en-US"/>
-              <a:t>but restricted notation to simplify verification.</a:t>
+              <a:t>but notation is restricted to simplify verification.</a:t>
             </a:r>
           </a:p>
           <a:p>
             <a:r>
               <a:rPr lang="en-US"/>
-              <a:t>Engineers are used to richer semantics..</a:t>
+              <a:t>Engineers are used to a richer notation..</a:t>
             </a:r>
           </a:p>
           <a:p>
             <a:r>
               <a:rPr lang="en-US"/>
-              <a:t>.. may find these restrictions difficult to accept. </a:t>
+              <a:t>.. they may find the restrictions difficult to accept. </a:t>
             </a:r>
           </a:p>
           <a:p>
@@ -3823,7 +5957,7 @@
           <a:p>
             <a:r>
               <a:rPr lang="en-US"/>
-              <a:t> We investigate a translation from SCXML state-charts to iUML-B state-machins.</a:t>
+              <a:t> We investigate a translation from SCXML state-charts to iUML-B state-machines (and hence to Event-B).</a:t>
             </a:r>
           </a:p>
         </p:txBody>
@@ -3831,13 +5965,99 @@
     </p:spTree>
     <p:extLst>
       <p:ext uri="{BB962C8B-B14F-4D97-AF65-F5344CB8AC3E}">
-        <p14:creationId xmlns:p14="http://schemas.microsoft.com/office/powerpoint/2010/main" val="3156919924"/>
+        <p14:creationId xmlns:p14="http://schemas.microsoft.com/office/powerpoint/2010/main" val="3128286361"/>
       </p:ext>
     </p:extLst>
   </p:cSld>
   <p:clrMapOvr>
     <a:masterClrMapping/>
   </p:clrMapOvr>
+</p:sld>
+</file>
+
+<file path=ppt/slides/slide20.xml><?xml version="1.0" encoding="utf-8"?>
+<p:sld xmlns:a="http://schemas.openxmlformats.org/drawingml/2006/main" xmlns:r="http://schemas.openxmlformats.org/officeDocument/2006/relationships" xmlns:p="http://schemas.openxmlformats.org/presentationml/2006/main">
+  <p:cSld>
+    <p:spTree>
+      <p:nvGrpSpPr>
+        <p:cNvPr id="1" name=""/>
+        <p:cNvGrpSpPr/>
+        <p:nvPr/>
+      </p:nvGrpSpPr>
+      <p:grpSpPr>
+        <a:xfrm>
+          <a:off x="0" y="0"/>
+          <a:ext cx="0" cy="0"/>
+          <a:chOff x="0" y="0"/>
+          <a:chExt cx="0" cy="0"/>
+        </a:xfrm>
+      </p:grpSpPr>
+      <p:sp>
+        <p:nvSpPr>
+          <p:cNvPr id="2" name="Title 1"/>
+          <p:cNvSpPr>
+            <a:spLocks noGrp="1"/>
+          </p:cNvSpPr>
+          <p:nvPr>
+            <p:ph type="ctrTitle"/>
+          </p:nvPr>
+        </p:nvSpPr>
+        <p:spPr/>
+        <p:txBody>
+          <a:bodyPr/>
+          <a:lstStyle/>
+          <a:p>
+            <a:r>
+              <a:rPr lang="en-GB" smtClean="0"/>
+              <a:t>Thank you</a:t>
+            </a:r>
+            <a:endParaRPr lang="en-GB"/>
+          </a:p>
+        </p:txBody>
+      </p:sp>
+      <p:sp>
+        <p:nvSpPr>
+          <p:cNvPr id="3" name="Subtitle 2"/>
+          <p:cNvSpPr>
+            <a:spLocks noGrp="1"/>
+          </p:cNvSpPr>
+          <p:nvPr>
+            <p:ph type="subTitle" idx="1"/>
+          </p:nvPr>
+        </p:nvSpPr>
+        <p:spPr/>
+        <p:txBody>
+          <a:bodyPr/>
+          <a:lstStyle/>
+          <a:p>
+            <a:r>
+              <a:rPr lang="en-GB" smtClean="0">
+                <a:solidFill>
+                  <a:srgbClr val="C3C3C3"/>
+                </a:solidFill>
+              </a:rPr>
+              <a:t>Questions?</a:t>
+            </a:r>
+            <a:endParaRPr lang="en-GB">
+              <a:solidFill>
+                <a:srgbClr val="C3C3C3"/>
+              </a:solidFill>
+            </a:endParaRPr>
+          </a:p>
+        </p:txBody>
+      </p:sp>
+    </p:spTree>
+  </p:cSld>
+  <p:clrMapOvr>
+    <a:masterClrMapping/>
+  </p:clrMapOvr>
+  <p:timing>
+    <p:tnLst>
+      <p:par>
+        <p:cTn xmlns:p14="http://schemas.microsoft.com/office/powerpoint/2010/main" id="1" dur="indefinite" restart="never" nodeType="tmRoot"/>
+      </p:par>
+    </p:tnLst>
+  </p:timing>
 </p:sld>
 </file>
 
@@ -3882,299 +6102,53 @@
       </p:sp>
       <p:sp>
         <p:nvSpPr>
-          <p:cNvPr id="4" name="Rectangle 3"/>
-          <p:cNvSpPr/>
-          <p:nvPr/>
-        </p:nvSpPr>
-        <p:spPr>
-          <a:xfrm>
-            <a:off x="544530" y="1835654"/>
-            <a:ext cx="3749675" cy="3231653"/>
-          </a:xfrm>
-          <a:prstGeom prst="rect">
-            <a:avLst/>
-          </a:prstGeom>
-        </p:spPr>
-        <p:txBody>
-          <a:bodyPr wrap="square">
-            <a:spAutoFit/>
-          </a:bodyPr>
+          <p:cNvPr id="3" name="Content Placeholder 2"/>
+          <p:cNvSpPr>
+            <a:spLocks noGrp="1"/>
+          </p:cNvSpPr>
+          <p:nvPr>
+            <p:ph idx="1"/>
+          </p:nvPr>
+        </p:nvSpPr>
+        <p:spPr/>
+        <p:txBody>
+          <a:bodyPr/>
           <a:lstStyle/>
           <a:p>
             <a:r>
-              <a:rPr lang="en-US" sz="1200"/>
-              <a:t>&lt;?xml version="1.0"?&gt;</a:t>
-            </a:r>
-          </a:p>
-          <a:p>
-            <a:r>
-              <a:rPr lang="en-US" sz="1200"/>
-              <a:t>&lt;scxml xmlns="http://www.w3.org/2005/07/scxml"</a:t>
-            </a:r>
-          </a:p>
-          <a:p>
-            <a:r>
-              <a:rPr lang="en-US" sz="1200"/>
-              <a:t>       version="1.0"</a:t>
-            </a:r>
-          </a:p>
-          <a:p>
-            <a:r>
-              <a:rPr lang="en-US" sz="1200"/>
-              <a:t>       datamodel="ecmascript"</a:t>
-            </a:r>
-          </a:p>
-          <a:p>
-            <a:r>
-              <a:rPr lang="en-US" sz="1200"/>
-              <a:t>       initial="off"&gt;</a:t>
-            </a:r>
-          </a:p>
-          <a:p>
-            <a:endParaRPr lang="en-US" sz="1200"/>
-          </a:p>
-          <a:p>
-            <a:r>
-              <a:rPr lang="en-US" sz="1200"/>
-              <a:t>  &lt;!--  trivial 5 second microwave oven example --&gt;</a:t>
-            </a:r>
-          </a:p>
-          <a:p>
-            <a:r>
-              <a:rPr lang="en-US" sz="1200"/>
-              <a:t>  &lt;datamodel&gt;</a:t>
-            </a:r>
-          </a:p>
-          <a:p>
-            <a:r>
-              <a:rPr lang="en-US" sz="1200"/>
-              <a:t>    &lt;data id="cook_time" expr="5"/&gt;</a:t>
-            </a:r>
-          </a:p>
-          <a:p>
-            <a:r>
-              <a:rPr lang="en-US" sz="1200"/>
-              <a:t>    &lt;data id="door_closed" expr="true"/&gt;</a:t>
-            </a:r>
-          </a:p>
-          <a:p>
-            <a:r>
-              <a:rPr lang="en-US" sz="1200"/>
-              <a:t>    &lt;data id="timer" expr="0"/&gt;</a:t>
-            </a:r>
-          </a:p>
-          <a:p>
-            <a:r>
-              <a:rPr lang="en-US" sz="1200"/>
-              <a:t>  &lt;/datamodel&gt;</a:t>
-            </a:r>
-          </a:p>
-          <a:p>
-            <a:endParaRPr lang="en-US" sz="1200"/>
-          </a:p>
-          <a:p>
-            <a:r>
-              <a:rPr lang="en-US" sz="1200"/>
-              <a:t>  &lt;state id="off"&gt;</a:t>
-            </a:r>
-          </a:p>
-          <a:p>
-            <a:r>
-              <a:rPr lang="en-US" sz="1200"/>
-              <a:t>    &lt;!-- off state --&gt;</a:t>
-            </a:r>
-          </a:p>
-          <a:p>
-            <a:r>
-              <a:rPr lang="en-US" sz="1200"/>
-              <a:t>    &lt;transition event="turn.on" target="on"/&gt;</a:t>
-            </a:r>
-          </a:p>
-          <a:p>
-            <a:r>
-              <a:rPr lang="en-US" sz="1200"/>
-              <a:t>  &lt;/state&gt;</a:t>
-            </a:r>
-          </a:p>
-        </p:txBody>
-      </p:sp>
-      <p:sp>
-        <p:nvSpPr>
-          <p:cNvPr id="5" name="Rectangle 4"/>
-          <p:cNvSpPr/>
-          <p:nvPr/>
-        </p:nvSpPr>
-        <p:spPr>
-          <a:xfrm>
-            <a:off x="4696365" y="1521839"/>
-            <a:ext cx="4141747" cy="5078312"/>
-          </a:xfrm>
-          <a:prstGeom prst="rect">
-            <a:avLst/>
-          </a:prstGeom>
-        </p:spPr>
-        <p:txBody>
-          <a:bodyPr wrap="square">
-            <a:spAutoFit/>
-          </a:bodyPr>
-          <a:lstStyle/>
-          <a:p>
-            <a:endParaRPr lang="en-US" sz="1200"/>
-          </a:p>
-          <a:p>
-            <a:r>
-              <a:rPr lang="en-US" sz="1200"/>
-              <a:t>  &lt;state id="on"&gt;</a:t>
-            </a:r>
-          </a:p>
-          <a:p>
-            <a:r>
-              <a:rPr lang="en-US" sz="1200"/>
-              <a:t>    &lt;initial&gt;</a:t>
-            </a:r>
-          </a:p>
-          <a:p>
-            <a:r>
-              <a:rPr lang="en-US" sz="1200"/>
-              <a:t>        &lt;transition target="idle"/&gt;</a:t>
-            </a:r>
-          </a:p>
-          <a:p>
-            <a:r>
-              <a:rPr lang="en-US" sz="1200"/>
-              <a:t>    &lt;/initial&gt;</a:t>
-            </a:r>
-          </a:p>
-          <a:p>
-            <a:r>
-              <a:rPr lang="en-US" sz="1200"/>
-              <a:t>    &lt;!-- on/pause state --&gt;</a:t>
-            </a:r>
-          </a:p>
-          <a:p>
-            <a:r>
-              <a:rPr lang="en-US" sz="1200"/>
-              <a:t>    &lt;transition event="turn.off" target="off"/&gt;</a:t>
-            </a:r>
-          </a:p>
-          <a:p>
-            <a:r>
-              <a:rPr lang="en-US" sz="1200"/>
-              <a:t>    &lt;transition cond="timer &amp;gt;= cook_time" target="off"/&gt;</a:t>
-            </a:r>
-          </a:p>
-          <a:p>
-            <a:r>
-              <a:rPr lang="en-US" sz="1200"/>
-              <a:t>    &lt;state id="idle"&gt;</a:t>
-            </a:r>
-          </a:p>
-          <a:p>
-            <a:r>
-              <a:rPr lang="en-US" sz="1200"/>
-              <a:t>      &lt;!-- default immediate transition if door is shut --&gt;</a:t>
-            </a:r>
-          </a:p>
-          <a:p>
-            <a:r>
-              <a:rPr lang="en-US" sz="1200"/>
-              <a:t>      &lt;transition cond="door_closed" target="cooking"/&gt;</a:t>
-            </a:r>
-          </a:p>
-          <a:p>
-            <a:r>
-              <a:rPr lang="en-US" sz="1200"/>
-              <a:t>      &lt;transition event="door.close" target="cooking"&gt;</a:t>
-            </a:r>
-          </a:p>
-          <a:p>
-            <a:r>
-              <a:rPr lang="en-US" sz="1200"/>
-              <a:t>        &lt;assign location="door_closed" expr="true"/&gt;</a:t>
-            </a:r>
-          </a:p>
-          <a:p>
-            <a:r>
-              <a:rPr lang="en-US" sz="1200"/>
-              <a:t>        &lt;!-- start cooking --&gt;</a:t>
-            </a:r>
-          </a:p>
-          <a:p>
-            <a:r>
-              <a:rPr lang="en-US" sz="1200"/>
-              <a:t>      &lt;/transition&gt;</a:t>
-            </a:r>
-          </a:p>
-          <a:p>
-            <a:r>
-              <a:rPr lang="en-US" sz="1200"/>
-              <a:t>    &lt;/state&gt;</a:t>
-            </a:r>
-          </a:p>
-          <a:p>
-            <a:r>
-              <a:rPr lang="en-US" sz="1200"/>
-              <a:t>    &lt;state id="cooking"&gt;</a:t>
-            </a:r>
-          </a:p>
-          <a:p>
-            <a:r>
-              <a:rPr lang="en-US" sz="1200"/>
-              <a:t>      &lt;transition event="door.open" target="idle"&gt;</a:t>
-            </a:r>
-          </a:p>
-          <a:p>
-            <a:r>
-              <a:rPr lang="en-US" sz="1200"/>
-              <a:t>        &lt;assign location="door_closed" expr="false"/&gt;</a:t>
-            </a:r>
-          </a:p>
-          <a:p>
-            <a:r>
-              <a:rPr lang="en-US" sz="1200"/>
-              <a:t>      &lt;/transition&gt;</a:t>
-            </a:r>
-          </a:p>
-          <a:p>
-            <a:r>
-              <a:rPr lang="en-US" sz="1200"/>
-              <a:t>      &lt;!-- a 'time' event is seen once a second --&gt;</a:t>
-            </a:r>
-          </a:p>
-          <a:p>
-            <a:r>
-              <a:rPr lang="en-US" sz="1200"/>
-              <a:t>      &lt;transition event="time"&gt;</a:t>
-            </a:r>
-          </a:p>
-          <a:p>
-            <a:r>
-              <a:rPr lang="en-US" sz="1200"/>
-              <a:t>        &lt;assign location="timer" expr="timer + 1"/&gt;</a:t>
-            </a:r>
-          </a:p>
-          <a:p>
-            <a:r>
-              <a:rPr lang="en-US" sz="1200"/>
-              <a:t>      &lt;/transition&gt;</a:t>
-            </a:r>
-          </a:p>
-          <a:p>
-            <a:r>
-              <a:rPr lang="en-US" sz="1200"/>
-              <a:t>    &lt;/state&gt;</a:t>
-            </a:r>
-          </a:p>
-          <a:p>
-            <a:r>
-              <a:rPr lang="en-US" sz="1200"/>
-              <a:t>  &lt;/state&gt;</a:t>
-            </a:r>
-          </a:p>
-          <a:p>
-            <a:r>
-              <a:rPr lang="en-US" sz="1200"/>
-              <a:t>&lt;/scxml&gt;</a:t>
+              <a:rPr lang="en-US"/>
+              <a:t>State Chart XML : </a:t>
+            </a:r>
+          </a:p>
+          <a:p>
+            <a:pPr lvl="1"/>
+            <a:r>
+              <a:rPr lang="en-US"/>
+              <a:t>State Machine Notation for Control Abstraction</a:t>
+            </a:r>
+          </a:p>
+          <a:p>
+            <a:r>
+              <a:rPr lang="en-US"/>
+              <a:t>XML notation</a:t>
+            </a:r>
+          </a:p>
+          <a:p>
+            <a:r>
+              <a:rPr lang="en-US"/>
+              <a:t>Harel Statecharts</a:t>
+            </a:r>
+          </a:p>
+          <a:p>
+            <a:r>
+              <a:rPr lang="en-US"/>
+              <a:t>Executable (via simulator tools)</a:t>
+            </a:r>
+          </a:p>
+          <a:p>
+            <a:r>
+              <a:rPr lang="en-US"/>
+              <a:t>Related to CCXML Call Control XML, event-based telephony</a:t>
             </a:r>
           </a:p>
         </p:txBody>
@@ -4182,7 +6156,7 @@
     </p:spTree>
     <p:extLst>
       <p:ext uri="{BB962C8B-B14F-4D97-AF65-F5344CB8AC3E}">
-        <p14:creationId xmlns:p14="http://schemas.microsoft.com/office/powerpoint/2010/main" val="4251235027"/>
+        <p14:creationId xmlns:p14="http://schemas.microsoft.com/office/powerpoint/2010/main" val="1977118680"/>
       </p:ext>
     </p:extLst>
   </p:cSld>
@@ -4226,34 +6200,314 @@
           <a:p>
             <a:r>
               <a:rPr lang="en-US"/>
-              <a:t>iUML-B Statemachines</a:t>
-            </a:r>
-          </a:p>
-        </p:txBody>
-      </p:sp>
-      <p:sp>
-        <p:nvSpPr>
-          <p:cNvPr id="3" name="Content Placeholder 2"/>
-          <p:cNvSpPr>
-            <a:spLocks noGrp="1"/>
-          </p:cNvSpPr>
-          <p:nvPr>
-            <p:ph idx="1"/>
-          </p:nvPr>
-        </p:nvSpPr>
-        <p:spPr/>
-        <p:txBody>
-          <a:bodyPr/>
+              <a:t>SCXML</a:t>
+            </a:r>
+          </a:p>
+        </p:txBody>
+      </p:sp>
+      <p:sp>
+        <p:nvSpPr>
+          <p:cNvPr id="4" name="Rectangle 3"/>
+          <p:cNvSpPr/>
+          <p:nvPr/>
+        </p:nvSpPr>
+        <p:spPr>
+          <a:xfrm>
+            <a:off x="544530" y="1835654"/>
+            <a:ext cx="3749675" cy="3231653"/>
+          </a:xfrm>
+          <a:prstGeom prst="rect">
+            <a:avLst/>
+          </a:prstGeom>
+        </p:spPr>
+        <p:txBody>
+          <a:bodyPr wrap="square">
+            <a:spAutoFit/>
+          </a:bodyPr>
           <a:lstStyle/>
           <a:p>
-            <a:endParaRPr lang="en-US"/>
+            <a:r>
+              <a:rPr lang="en-US" sz="1200"/>
+              <a:t>&lt;?xml version="1.0"?&gt;</a:t>
+            </a:r>
+          </a:p>
+          <a:p>
+            <a:r>
+              <a:rPr lang="en-US" sz="1200"/>
+              <a:t>&lt;scxml xmlns="http://www.w3.org/2005/07/scxml"</a:t>
+            </a:r>
+          </a:p>
+          <a:p>
+            <a:r>
+              <a:rPr lang="en-US" sz="1200"/>
+              <a:t>       version="1.0"</a:t>
+            </a:r>
+          </a:p>
+          <a:p>
+            <a:r>
+              <a:rPr lang="en-US" sz="1200"/>
+              <a:t>       datamodel="ecmascript"</a:t>
+            </a:r>
+          </a:p>
+          <a:p>
+            <a:r>
+              <a:rPr lang="en-US" sz="1200"/>
+              <a:t>       initial="off"&gt;</a:t>
+            </a:r>
+          </a:p>
+          <a:p>
+            <a:endParaRPr lang="en-US" sz="1200"/>
+          </a:p>
+          <a:p>
+            <a:r>
+              <a:rPr lang="en-US" sz="1200"/>
+              <a:t>  &lt;!--  trivial 5 second microwave oven example --&gt;</a:t>
+            </a:r>
+          </a:p>
+          <a:p>
+            <a:r>
+              <a:rPr lang="en-US" sz="1200"/>
+              <a:t>  &lt;datamodel&gt;</a:t>
+            </a:r>
+          </a:p>
+          <a:p>
+            <a:r>
+              <a:rPr lang="en-US" sz="1200"/>
+              <a:t>    &lt;data id="cook_time" expr="5"/&gt;</a:t>
+            </a:r>
+          </a:p>
+          <a:p>
+            <a:r>
+              <a:rPr lang="en-US" sz="1200"/>
+              <a:t>    &lt;data id="door_closed" expr="true"/&gt;</a:t>
+            </a:r>
+          </a:p>
+          <a:p>
+            <a:r>
+              <a:rPr lang="en-US" sz="1200"/>
+              <a:t>    &lt;data id="timer" expr="0"/&gt;</a:t>
+            </a:r>
+          </a:p>
+          <a:p>
+            <a:r>
+              <a:rPr lang="en-US" sz="1200"/>
+              <a:t>  &lt;/datamodel&gt;</a:t>
+            </a:r>
+          </a:p>
+          <a:p>
+            <a:endParaRPr lang="en-US" sz="1200"/>
+          </a:p>
+          <a:p>
+            <a:r>
+              <a:rPr lang="en-US" sz="1200"/>
+              <a:t>  &lt;state id="off"&gt;</a:t>
+            </a:r>
+          </a:p>
+          <a:p>
+            <a:r>
+              <a:rPr lang="en-US" sz="1200"/>
+              <a:t>    &lt;!-- off state --&gt;</a:t>
+            </a:r>
+          </a:p>
+          <a:p>
+            <a:r>
+              <a:rPr lang="en-US" sz="1200"/>
+              <a:t>    &lt;transition event="turn.on" target="on"/&gt;</a:t>
+            </a:r>
+          </a:p>
+          <a:p>
+            <a:r>
+              <a:rPr lang="en-US" sz="1200"/>
+              <a:t>  &lt;/state&gt;</a:t>
+            </a:r>
+          </a:p>
+        </p:txBody>
+      </p:sp>
+      <p:sp>
+        <p:nvSpPr>
+          <p:cNvPr id="5" name="Rectangle 4"/>
+          <p:cNvSpPr/>
+          <p:nvPr/>
+        </p:nvSpPr>
+        <p:spPr>
+          <a:xfrm>
+            <a:off x="4696365" y="1305939"/>
+            <a:ext cx="4307935" cy="5078312"/>
+          </a:xfrm>
+          <a:prstGeom prst="rect">
+            <a:avLst/>
+          </a:prstGeom>
+        </p:spPr>
+        <p:txBody>
+          <a:bodyPr wrap="square">
+            <a:spAutoFit/>
+          </a:bodyPr>
+          <a:lstStyle/>
+          <a:p>
+            <a:endParaRPr lang="en-US" sz="1200"/>
+          </a:p>
+          <a:p>
+            <a:r>
+              <a:rPr lang="en-US" sz="1200"/>
+              <a:t>  &lt;state id="on"&gt;</a:t>
+            </a:r>
+          </a:p>
+          <a:p>
+            <a:r>
+              <a:rPr lang="en-US" sz="1200"/>
+              <a:t>    &lt;initial&gt;</a:t>
+            </a:r>
+          </a:p>
+          <a:p>
+            <a:r>
+              <a:rPr lang="en-US" sz="1200"/>
+              <a:t>        &lt;transition target="idle"/&gt;</a:t>
+            </a:r>
+          </a:p>
+          <a:p>
+            <a:r>
+              <a:rPr lang="en-US" sz="1200"/>
+              <a:t>    &lt;/initial&gt;</a:t>
+            </a:r>
+          </a:p>
+          <a:p>
+            <a:r>
+              <a:rPr lang="en-US" sz="1200"/>
+              <a:t>    &lt;!-- on/pause state --&gt;</a:t>
+            </a:r>
+          </a:p>
+          <a:p>
+            <a:r>
+              <a:rPr lang="en-US" sz="1200"/>
+              <a:t>    &lt;transition event="turn.off" target="off"/&gt;</a:t>
+            </a:r>
+          </a:p>
+          <a:p>
+            <a:r>
+              <a:rPr lang="en-US" sz="1200"/>
+              <a:t>    &lt;transition cond="timer &amp;gt;= cook_time" target="off"/&gt;</a:t>
+            </a:r>
+          </a:p>
+          <a:p>
+            <a:r>
+              <a:rPr lang="en-US" sz="1200"/>
+              <a:t>    &lt;state id="idle"&gt;</a:t>
+            </a:r>
+          </a:p>
+          <a:p>
+            <a:r>
+              <a:rPr lang="en-US" sz="1200"/>
+              <a:t>      &lt;!-- default immediate transition if door is shut --&gt;</a:t>
+            </a:r>
+          </a:p>
+          <a:p>
+            <a:r>
+              <a:rPr lang="en-US" sz="1200"/>
+              <a:t>      &lt;transition cond="door_closed" target="cooking"/&gt;</a:t>
+            </a:r>
+          </a:p>
+          <a:p>
+            <a:r>
+              <a:rPr lang="en-US" sz="1200"/>
+              <a:t>      &lt;transition event="door.close" target="cooking"&gt;</a:t>
+            </a:r>
+          </a:p>
+          <a:p>
+            <a:r>
+              <a:rPr lang="en-US" sz="1200"/>
+              <a:t>        &lt;assign location="door_closed" expr="true"/&gt;</a:t>
+            </a:r>
+          </a:p>
+          <a:p>
+            <a:r>
+              <a:rPr lang="en-US" sz="1200"/>
+              <a:t>        &lt;!-- start cooking --&gt;</a:t>
+            </a:r>
+          </a:p>
+          <a:p>
+            <a:r>
+              <a:rPr lang="en-US" sz="1200"/>
+              <a:t>      &lt;/transition&gt;</a:t>
+            </a:r>
+          </a:p>
+          <a:p>
+            <a:r>
+              <a:rPr lang="en-US" sz="1200"/>
+              <a:t>    &lt;/state&gt;</a:t>
+            </a:r>
+          </a:p>
+          <a:p>
+            <a:r>
+              <a:rPr lang="en-US" sz="1200"/>
+              <a:t>    &lt;state id="cooking"&gt;</a:t>
+            </a:r>
+          </a:p>
+          <a:p>
+            <a:r>
+              <a:rPr lang="en-US" sz="1200"/>
+              <a:t>      &lt;transition event="door.open" target="idle"&gt;</a:t>
+            </a:r>
+          </a:p>
+          <a:p>
+            <a:r>
+              <a:rPr lang="en-US" sz="1200"/>
+              <a:t>        &lt;assign location="door_closed" expr="false"/&gt;</a:t>
+            </a:r>
+          </a:p>
+          <a:p>
+            <a:r>
+              <a:rPr lang="en-US" sz="1200"/>
+              <a:t>      &lt;/transition&gt;</a:t>
+            </a:r>
+          </a:p>
+          <a:p>
+            <a:r>
+              <a:rPr lang="en-US" sz="1200"/>
+              <a:t>      &lt;!-- a 'time' event is seen once a second --&gt;</a:t>
+            </a:r>
+          </a:p>
+          <a:p>
+            <a:r>
+              <a:rPr lang="en-US" sz="1200"/>
+              <a:t>      &lt;transition event="time"&gt;</a:t>
+            </a:r>
+          </a:p>
+          <a:p>
+            <a:r>
+              <a:rPr lang="en-US" sz="1200"/>
+              <a:t>        &lt;assign location="timer" expr="timer + 1"/&gt;</a:t>
+            </a:r>
+          </a:p>
+          <a:p>
+            <a:r>
+              <a:rPr lang="en-US" sz="1200"/>
+              <a:t>      &lt;/transition&gt;</a:t>
+            </a:r>
+          </a:p>
+          <a:p>
+            <a:r>
+              <a:rPr lang="en-US" sz="1200"/>
+              <a:t>    &lt;/state&gt;</a:t>
+            </a:r>
+          </a:p>
+          <a:p>
+            <a:r>
+              <a:rPr lang="en-US" sz="1200"/>
+              <a:t>  &lt;/state&gt;</a:t>
+            </a:r>
+          </a:p>
+          <a:p>
+            <a:r>
+              <a:rPr lang="en-US" sz="1200"/>
+              <a:t>&lt;/scxml&gt;</a:t>
+            </a:r>
           </a:p>
         </p:txBody>
       </p:sp>
     </p:spTree>
     <p:extLst>
       <p:ext uri="{BB962C8B-B14F-4D97-AF65-F5344CB8AC3E}">
-        <p14:creationId xmlns:p14="http://schemas.microsoft.com/office/powerpoint/2010/main" val="815523108"/>
+        <p14:creationId xmlns:p14="http://schemas.microsoft.com/office/powerpoint/2010/main" val="656815330"/>
       </p:ext>
     </p:extLst>
   </p:cSld>
@@ -4297,56 +6551,39 @@
           <a:p>
             <a:r>
               <a:rPr lang="en-US"/>
-              <a:t>Similarities</a:t>
-            </a:r>
-          </a:p>
-        </p:txBody>
-      </p:sp>
-      <p:sp>
-        <p:nvSpPr>
-          <p:cNvPr id="3" name="Content Placeholder 2"/>
-          <p:cNvSpPr>
-            <a:spLocks noGrp="1"/>
-          </p:cNvSpPr>
-          <p:nvPr>
-            <p:ph idx="1"/>
-          </p:nvPr>
-        </p:nvSpPr>
-        <p:spPr/>
-        <p:txBody>
-          <a:bodyPr/>
-          <a:lstStyle/>
-          <a:p>
-            <a:r>
-              <a:rPr lang="en-US"/>
-              <a:t>Hierarchical nested state-charts</a:t>
-            </a:r>
-          </a:p>
-          <a:p>
-            <a:r>
-              <a:rPr lang="en-US"/>
-              <a:t>Transitions have Guards and Actions</a:t>
-            </a:r>
-          </a:p>
-          <a:p>
-            <a:r>
-              <a:rPr lang="en-US"/>
-              <a:t>States can have Entry and Exit Actions</a:t>
-            </a:r>
-          </a:p>
-          <a:p>
-            <a:pPr lvl="1"/>
-            <a:r>
-              <a:rPr lang="en-US"/>
-              <a:t>(use with care in iUML-B)</a:t>
-            </a:r>
-          </a:p>
-        </p:txBody>
-      </p:sp>
+              <a:t>iUML-B Statemachines</a:t>
+            </a:r>
+          </a:p>
+        </p:txBody>
+      </p:sp>
+      <p:pic>
+        <p:nvPicPr>
+          <p:cNvPr id="3" name="Picture 2"/>
+          <p:cNvPicPr>
+            <a:picLocks noChangeAspect="1"/>
+          </p:cNvPicPr>
+          <p:nvPr/>
+        </p:nvPicPr>
+        <p:blipFill>
+          <a:blip r:embed="rId2"/>
+          <a:stretch>
+            <a:fillRect/>
+          </a:stretch>
+        </p:blipFill>
+        <p:spPr>
+          <a:xfrm>
+            <a:off x="1360686" y="2265553"/>
+            <a:ext cx="6841228" cy="3485878"/>
+          </a:xfrm>
+          <a:prstGeom prst="rect">
+            <a:avLst/>
+          </a:prstGeom>
+        </p:spPr>
+      </p:pic>
     </p:spTree>
     <p:extLst>
       <p:ext uri="{BB962C8B-B14F-4D97-AF65-F5344CB8AC3E}">
-        <p14:creationId xmlns:p14="http://schemas.microsoft.com/office/powerpoint/2010/main" val="2408181568"/>
+        <p14:creationId xmlns:p14="http://schemas.microsoft.com/office/powerpoint/2010/main" val="2653694905"/>
       </p:ext>
     </p:extLst>
   </p:cSld>
@@ -4390,55 +6627,40 @@
           <a:p>
             <a:r>
               <a:rPr lang="en-US"/>
-              <a:t>Differences</a:t>
-            </a:r>
-          </a:p>
-        </p:txBody>
-      </p:sp>
-      <p:sp>
-        <p:nvSpPr>
-          <p:cNvPr id="3" name="Content Placeholder 2"/>
-          <p:cNvSpPr>
-            <a:spLocks noGrp="1"/>
-          </p:cNvSpPr>
-          <p:nvPr>
-            <p:ph idx="1"/>
-          </p:nvPr>
-        </p:nvSpPr>
-        <p:spPr/>
-        <p:txBody>
-          <a:bodyPr/>
-          <a:lstStyle/>
-          <a:p>
-            <a:r>
-              <a:rPr lang="en-US"/>
-              <a:t>Refinement in Event-B</a:t>
-            </a:r>
-          </a:p>
-          <a:p>
-            <a:r>
-              <a:rPr lang="en-US"/>
-              <a:t>Invariants in Event-B</a:t>
-            </a:r>
-          </a:p>
-          <a:p>
+              <a:t>iUML-B Statemachines</a:t>
+            </a:r>
             <a:endParaRPr lang="en-US"/>
           </a:p>
-          <a:p>
-            <a:r>
-              <a:rPr lang="en-US"/>
-              <a:t>Run to Completion – Big step/little step</a:t>
-            </a:r>
-          </a:p>
-          <a:p>
-            <a:endParaRPr lang="en-US"/>
-          </a:p>
-        </p:txBody>
-      </p:sp>
+        </p:txBody>
+      </p:sp>
+      <p:pic>
+        <p:nvPicPr>
+          <p:cNvPr id="4" name="Picture 3"/>
+          <p:cNvPicPr>
+            <a:picLocks noChangeAspect="1"/>
+          </p:cNvPicPr>
+          <p:nvPr/>
+        </p:nvPicPr>
+        <p:blipFill>
+          <a:blip r:embed="rId2"/>
+          <a:stretch>
+            <a:fillRect/>
+          </a:stretch>
+        </p:blipFill>
+        <p:spPr>
+          <a:xfrm>
+            <a:off x="521586" y="1882188"/>
+            <a:ext cx="7579211" cy="4237994"/>
+          </a:xfrm>
+          <a:prstGeom prst="rect">
+            <a:avLst/>
+          </a:prstGeom>
+        </p:spPr>
+      </p:pic>
     </p:spTree>
     <p:extLst>
       <p:ext uri="{BB962C8B-B14F-4D97-AF65-F5344CB8AC3E}">
-        <p14:creationId xmlns:p14="http://schemas.microsoft.com/office/powerpoint/2010/main" val="3975850997"/>
+        <p14:creationId xmlns:p14="http://schemas.microsoft.com/office/powerpoint/2010/main" val="4285186983"/>
       </p:ext>
     </p:extLst>
   </p:cSld>
@@ -4482,7 +6704,7 @@
           <a:p>
             <a:r>
               <a:rPr lang="en-US"/>
-              <a:t>Initial translation</a:t>
+              <a:t>Similarities</a:t>
             </a:r>
           </a:p>
         </p:txBody>
@@ -4502,14 +6724,50 @@
           <a:bodyPr/>
           <a:lstStyle/>
           <a:p>
-            <a:endParaRPr lang="en-US"/>
+            <a:r>
+              <a:rPr lang="en-US"/>
+              <a:t>Hierarchical nested state-charts</a:t>
+            </a:r>
+          </a:p>
+          <a:p>
+            <a:r>
+              <a:rPr lang="en-US"/>
+              <a:t>Transitions with </a:t>
+            </a:r>
+          </a:p>
+          <a:p>
+            <a:pPr lvl="1"/>
+            <a:r>
+              <a:rPr lang="en-US"/>
+              <a:t>Conditions / Guards</a:t>
+            </a:r>
+          </a:p>
+          <a:p>
+            <a:pPr lvl="1"/>
+            <a:r>
+              <a:rPr lang="en-US"/>
+              <a:t>Actions</a:t>
+            </a:r>
+          </a:p>
+          <a:p>
+            <a:r>
+              <a:rPr lang="en-US"/>
+              <a:t>States can have Entry and Exit Actions</a:t>
+            </a:r>
+          </a:p>
+          <a:p>
+            <a:pPr lvl="1"/>
+            <a:r>
+              <a:rPr lang="en-US"/>
+              <a:t>(use with care in iUML-B)</a:t>
+            </a:r>
           </a:p>
         </p:txBody>
       </p:sp>
     </p:spTree>
     <p:extLst>
       <p:ext uri="{BB962C8B-B14F-4D97-AF65-F5344CB8AC3E}">
-        <p14:creationId xmlns:p14="http://schemas.microsoft.com/office/powerpoint/2010/main" val="2223747362"/>
+        <p14:creationId xmlns:p14="http://schemas.microsoft.com/office/powerpoint/2010/main" val="1716355857"/>
       </p:ext>
     </p:extLst>
   </p:cSld>
@@ -4553,7 +6811,7 @@
           <a:p>
             <a:r>
               <a:rPr lang="en-US"/>
-              <a:t>SCXML Extensions</a:t>
+              <a:t>Differences</a:t>
             </a:r>
           </a:p>
         </p:txBody>
@@ -4571,20 +6829,27 @@
         <p:spPr/>
         <p:txBody>
           <a:bodyPr>
-            <a:normAutofit/>
+            <a:normAutofit lnSpcReduction="10000"/>
           </a:bodyPr>
           <a:lstStyle/>
           <a:p>
             <a:r>
               <a:rPr lang="en-US"/>
-              <a:t>XML tools allow new meta-model ‘namespaces’ to be introduced.</a:t>
+              <a:t>Event-B has..</a:t>
             </a:r>
           </a:p>
           <a:p>
             <a:pPr lvl="1"/>
             <a:r>
               <a:rPr lang="en-US"/>
-              <a:t>Existing SCXML tools will ignore them</a:t>
+              <a:t>Refinement </a:t>
+            </a:r>
+          </a:p>
+          <a:p>
+            <a:pPr lvl="1"/>
+            <a:r>
+              <a:rPr lang="en-US"/>
+              <a:t>Invariants</a:t>
             </a:r>
           </a:p>
           <a:p>
@@ -4594,107 +6859,38 @@
           <a:p>
             <a:r>
               <a:rPr lang="en-US"/>
-              <a:t>Needed in order to support:</a:t>
+              <a:t>SCXML has..</a:t>
             </a:r>
           </a:p>
           <a:p>
             <a:pPr lvl="1"/>
             <a:r>
               <a:rPr lang="en-US"/>
-              <a:t>Refinement levels </a:t>
-            </a:r>
-            <a:r>
-              <a:rPr lang="en-US" sz="2000"/>
-              <a:t>(new attribute </a:t>
-            </a:r>
-            <a:r>
-              <a:rPr lang="en-US" sz="2000">
-                <a:solidFill>
-                  <a:srgbClr val="FF0000"/>
-                </a:solidFill>
-              </a:rPr>
-              <a:t>&lt;iumlb:refinement </a:t>
-            </a:r>
-            <a:r>
-              <a:rPr lang="is-IS" sz="2000">
-                <a:solidFill>
-                  <a:srgbClr val="FF0000"/>
-                </a:solidFill>
-              </a:rPr>
-              <a:t>…&gt;</a:t>
-            </a:r>
-            <a:r>
-              <a:rPr lang="is-IS" sz="2000"/>
-              <a:t>)</a:t>
-            </a:r>
-            <a:endParaRPr lang="en-US" sz="2000"/>
+              <a:t>External Trigger events</a:t>
+            </a:r>
+          </a:p>
+          <a:p>
+            <a:pPr lvl="2"/>
+            <a:r>
+              <a:rPr lang="en-US"/>
+              <a:t>Hence transitions do not have a name/label</a:t>
+            </a:r>
           </a:p>
           <a:p>
             <a:pPr lvl="1"/>
             <a:r>
               <a:rPr lang="en-US"/>
-              <a:t>Invariants		</a:t>
-            </a:r>
-            <a:r>
-              <a:rPr lang="en-US" sz="2000"/>
-              <a:t>(new element </a:t>
-            </a:r>
-            <a:r>
-              <a:rPr lang="en-US" sz="2000">
-                <a:solidFill>
-                  <a:srgbClr val="FF0000"/>
-                </a:solidFill>
-              </a:rPr>
-              <a:t>&lt;iumlb:invariant </a:t>
-            </a:r>
-            <a:r>
-              <a:rPr lang="is-IS" sz="2000">
-                <a:solidFill>
-                  <a:srgbClr val="FF0000"/>
-                </a:solidFill>
-              </a:rPr>
-              <a:t>…&gt;</a:t>
-            </a:r>
-            <a:r>
-              <a:rPr lang="is-IS" sz="2000"/>
-              <a:t>)</a:t>
-            </a:r>
-            <a:endParaRPr lang="en-US" sz="2000"/>
+              <a:t>Sequential actions</a:t>
+            </a:r>
           </a:p>
           <a:p>
             <a:pPr lvl="1"/>
             <a:r>
               <a:rPr lang="en-US"/>
-              <a:t>Guards			</a:t>
-            </a:r>
-            <a:r>
-              <a:rPr lang="en-US" sz="2000"/>
-              <a:t>(new element </a:t>
-            </a:r>
-            <a:r>
-              <a:rPr lang="en-US" sz="2000">
-                <a:solidFill>
-                  <a:srgbClr val="FF0000"/>
-                </a:solidFill>
-              </a:rPr>
-              <a:t>&lt;iumlb:guard </a:t>
-            </a:r>
-            <a:r>
-              <a:rPr lang="is-IS" sz="2000">
-                <a:solidFill>
-                  <a:srgbClr val="FF0000"/>
-                </a:solidFill>
-              </a:rPr>
-              <a:t>…&gt;</a:t>
-            </a:r>
-            <a:r>
-              <a:rPr lang="is-IS" sz="2000"/>
-              <a:t>)</a:t>
-            </a:r>
-            <a:endParaRPr lang="en-US" sz="2000"/>
-          </a:p>
-          <a:p>
-            <a:pPr lvl="1"/>
+              <a:t>Run to Completion – Big step/little step</a:t>
+            </a:r>
+          </a:p>
+          <a:p>
             <a:endParaRPr lang="en-US"/>
           </a:p>
         </p:txBody>
@@ -4702,7 +6898,7 @@
     </p:spTree>
     <p:extLst>
       <p:ext uri="{BB962C8B-B14F-4D97-AF65-F5344CB8AC3E}">
-        <p14:creationId xmlns:p14="http://schemas.microsoft.com/office/powerpoint/2010/main" val="3832618948"/>
+        <p14:creationId xmlns:p14="http://schemas.microsoft.com/office/powerpoint/2010/main" val="1296087290"/>
       </p:ext>
     </p:extLst>
   </p:cSld>
@@ -4746,39 +6942,156 @@
           <a:p>
             <a:r>
               <a:rPr lang="en-US"/>
-              <a:t>SCXML Extension Attributes</a:t>
-            </a:r>
-          </a:p>
-        </p:txBody>
-      </p:sp>
-      <p:pic>
-        <p:nvPicPr>
-          <p:cNvPr id="4" name="Picture 3"/>
-          <p:cNvPicPr>
-            <a:picLocks noChangeAspect="1"/>
-          </p:cNvPicPr>
-          <p:nvPr/>
-        </p:nvPicPr>
-        <p:blipFill>
-          <a:blip r:embed="rId2"/>
-          <a:stretch>
-            <a:fillRect/>
-          </a:stretch>
-        </p:blipFill>
-        <p:spPr>
-          <a:xfrm>
-            <a:off x="1206503" y="1782918"/>
-            <a:ext cx="7016749" cy="4964553"/>
-          </a:xfrm>
-          <a:prstGeom prst="rect">
-            <a:avLst/>
-          </a:prstGeom>
-        </p:spPr>
-      </p:pic>
+              <a:t>SCXML Extensions</a:t>
+            </a:r>
+          </a:p>
+        </p:txBody>
+      </p:sp>
+      <p:sp>
+        <p:nvSpPr>
+          <p:cNvPr id="3" name="Content Placeholder 2"/>
+          <p:cNvSpPr>
+            <a:spLocks noGrp="1"/>
+          </p:cNvSpPr>
+          <p:nvPr>
+            <p:ph idx="1"/>
+          </p:nvPr>
+        </p:nvSpPr>
+        <p:spPr/>
+        <p:txBody>
+          <a:bodyPr>
+            <a:normAutofit/>
+          </a:bodyPr>
+          <a:lstStyle/>
+          <a:p>
+            <a:r>
+              <a:rPr lang="en-US"/>
+              <a:t>XML tools allow new meta-model ‘namespaces’ to be introduced.</a:t>
+            </a:r>
+          </a:p>
+          <a:p>
+            <a:pPr lvl="1"/>
+            <a:r>
+              <a:rPr lang="en-US"/>
+              <a:t>Existing SCXML tools will ignore them</a:t>
+            </a:r>
+          </a:p>
+          <a:p>
+            <a:pPr lvl="1"/>
+            <a:endParaRPr lang="en-US"/>
+          </a:p>
+          <a:p>
+            <a:r>
+              <a:rPr lang="en-US"/>
+              <a:t>Needed in order to support:</a:t>
+            </a:r>
+          </a:p>
+          <a:p>
+            <a:pPr lvl="1"/>
+            <a:r>
+              <a:rPr lang="en-US"/>
+              <a:t>Refinement levels </a:t>
+            </a:r>
+            <a:r>
+              <a:rPr lang="en-US" sz="2000"/>
+              <a:t>(new attribute </a:t>
+            </a:r>
+            <a:r>
+              <a:rPr lang="en-US" sz="2000">
+                <a:solidFill>
+                  <a:srgbClr val="FF0000"/>
+                </a:solidFill>
+              </a:rPr>
+              <a:t>&lt;iumlb:refinement </a:t>
+            </a:r>
+            <a:r>
+              <a:rPr lang="is-IS" sz="2000">
+                <a:solidFill>
+                  <a:srgbClr val="FF0000"/>
+                </a:solidFill>
+              </a:rPr>
+              <a:t>…&gt;</a:t>
+            </a:r>
+            <a:r>
+              <a:rPr lang="is-IS" sz="2000"/>
+              <a:t>)</a:t>
+            </a:r>
+            <a:endParaRPr lang="en-US" sz="2000"/>
+          </a:p>
+          <a:p>
+            <a:pPr lvl="1"/>
+            <a:r>
+              <a:rPr lang="en-US"/>
+              <a:t>Invariants		</a:t>
+            </a:r>
+            <a:r>
+              <a:rPr lang="en-US" sz="2000"/>
+              <a:t>(new element </a:t>
+            </a:r>
+            <a:r>
+              <a:rPr lang="en-US" sz="2000">
+                <a:solidFill>
+                  <a:srgbClr val="FF0000"/>
+                </a:solidFill>
+              </a:rPr>
+              <a:t>&lt;iumlb:invariant </a:t>
+            </a:r>
+            <a:r>
+              <a:rPr lang="is-IS" sz="2000">
+                <a:solidFill>
+                  <a:srgbClr val="FF0000"/>
+                </a:solidFill>
+              </a:rPr>
+              <a:t>…&gt;</a:t>
+            </a:r>
+            <a:r>
+              <a:rPr lang="is-IS" sz="2000"/>
+              <a:t>)</a:t>
+            </a:r>
+            <a:endParaRPr lang="en-US" sz="2000"/>
+          </a:p>
+          <a:p>
+            <a:pPr lvl="1"/>
+            <a:r>
+              <a:rPr lang="en-US"/>
+              <a:t>Guards			</a:t>
+            </a:r>
+            <a:r>
+              <a:rPr lang="en-US" sz="2000"/>
+              <a:t>(new element </a:t>
+            </a:r>
+            <a:r>
+              <a:rPr lang="en-US" sz="2000">
+                <a:solidFill>
+                  <a:srgbClr val="FF0000"/>
+                </a:solidFill>
+              </a:rPr>
+              <a:t>&lt;iumlb:guard </a:t>
+            </a:r>
+            <a:r>
+              <a:rPr lang="is-IS" sz="2000">
+                <a:solidFill>
+                  <a:srgbClr val="FF0000"/>
+                </a:solidFill>
+              </a:rPr>
+              <a:t>…&gt;</a:t>
+            </a:r>
+            <a:r>
+              <a:rPr lang="is-IS" sz="2000"/>
+              <a:t>)</a:t>
+            </a:r>
+            <a:endParaRPr lang="en-US" sz="2000"/>
+          </a:p>
+          <a:p>
+            <a:pPr lvl="1"/>
+            <a:endParaRPr lang="en-US"/>
+          </a:p>
+        </p:txBody>
+      </p:sp>
     </p:spTree>
     <p:extLst>
       <p:ext uri="{BB962C8B-B14F-4D97-AF65-F5344CB8AC3E}">
-        <p14:creationId xmlns:p14="http://schemas.microsoft.com/office/powerpoint/2010/main" val="420088391"/>
+        <p14:creationId xmlns:p14="http://schemas.microsoft.com/office/powerpoint/2010/main" val="1426597746"/>
       </p:ext>
     </p:extLst>
   </p:cSld>
@@ -4789,6 +7102,400 @@
 </file>
 
 <file path=ppt/theme/theme1.xml><?xml version="1.0" encoding="utf-8"?>
+<a:theme xmlns:a="http://schemas.openxmlformats.org/drawingml/2006/main" name="SotonUni">
+  <a:themeElements>
+    <a:clrScheme name="Custom 2">
+      <a:dk1>
+        <a:srgbClr val="323D43"/>
+      </a:dk1>
+      <a:lt1>
+        <a:srgbClr val="FFFFFF"/>
+      </a:lt1>
+      <a:dk2>
+        <a:srgbClr val="014359"/>
+      </a:dk2>
+      <a:lt2>
+        <a:srgbClr val="77ADD3"/>
+      </a:lt2>
+      <a:accent1>
+        <a:srgbClr val="4F7E9E"/>
+      </a:accent1>
+      <a:accent2>
+        <a:srgbClr val="D57F0E"/>
+      </a:accent2>
+      <a:accent3>
+        <a:srgbClr val="FFFFFF"/>
+      </a:accent3>
+      <a:accent4>
+        <a:srgbClr val="293338"/>
+      </a:accent4>
+      <a:accent5>
+        <a:srgbClr val="C9CCB0"/>
+      </a:accent5>
+      <a:accent6>
+        <a:srgbClr val="47511C"/>
+      </a:accent6>
+      <a:hlink>
+        <a:srgbClr val="A67891"/>
+      </a:hlink>
+      <a:folHlink>
+        <a:srgbClr val="8F9E94"/>
+      </a:folHlink>
+    </a:clrScheme>
+    <a:fontScheme name="uos_ppt__template_electronics">
+      <a:majorFont>
+        <a:latin typeface="Georgia"/>
+        <a:ea typeface="ＭＳ Ｐゴシック"/>
+        <a:cs typeface="ＭＳ Ｐゴシック"/>
+      </a:majorFont>
+      <a:minorFont>
+        <a:latin typeface="Georgia"/>
+        <a:ea typeface="ＭＳ Ｐゴシック"/>
+        <a:cs typeface="ＭＳ Ｐゴシック"/>
+      </a:minorFont>
+    </a:fontScheme>
+    <a:fmtScheme name="Office">
+      <a:fillStyleLst>
+        <a:solidFill>
+          <a:schemeClr val="phClr"/>
+        </a:solidFill>
+        <a:gradFill rotWithShape="1">
+          <a:gsLst>
+            <a:gs pos="0">
+              <a:schemeClr val="phClr">
+                <a:tint val="50000"/>
+                <a:satMod val="300000"/>
+              </a:schemeClr>
+            </a:gs>
+            <a:gs pos="35000">
+              <a:schemeClr val="phClr">
+                <a:tint val="37000"/>
+                <a:satMod val="300000"/>
+              </a:schemeClr>
+            </a:gs>
+            <a:gs pos="100000">
+              <a:schemeClr val="phClr">
+                <a:tint val="15000"/>
+                <a:satMod val="350000"/>
+              </a:schemeClr>
+            </a:gs>
+          </a:gsLst>
+          <a:lin ang="16200000" scaled="1"/>
+        </a:gradFill>
+        <a:gradFill rotWithShape="1">
+          <a:gsLst>
+            <a:gs pos="0">
+              <a:schemeClr val="phClr">
+                <a:tint val="100000"/>
+                <a:shade val="100000"/>
+                <a:satMod val="130000"/>
+              </a:schemeClr>
+            </a:gs>
+            <a:gs pos="100000">
+              <a:schemeClr val="phClr">
+                <a:tint val="50000"/>
+                <a:shade val="100000"/>
+                <a:satMod val="350000"/>
+              </a:schemeClr>
+            </a:gs>
+          </a:gsLst>
+          <a:lin ang="16200000" scaled="0"/>
+        </a:gradFill>
+      </a:fillStyleLst>
+      <a:lnStyleLst>
+        <a:ln w="9525" cap="flat" cmpd="sng" algn="ctr">
+          <a:solidFill>
+            <a:schemeClr val="phClr">
+              <a:shade val="95000"/>
+              <a:satMod val="105000"/>
+            </a:schemeClr>
+          </a:solidFill>
+          <a:prstDash val="solid"/>
+        </a:ln>
+        <a:ln w="25400" cap="flat" cmpd="sng" algn="ctr">
+          <a:solidFill>
+            <a:schemeClr val="phClr"/>
+          </a:solidFill>
+          <a:prstDash val="solid"/>
+        </a:ln>
+        <a:ln w="38100" cap="flat" cmpd="sng" algn="ctr">
+          <a:solidFill>
+            <a:schemeClr val="phClr"/>
+          </a:solidFill>
+          <a:prstDash val="solid"/>
+        </a:ln>
+      </a:lnStyleLst>
+      <a:effectStyleLst>
+        <a:effectStyle>
+          <a:effectLst>
+            <a:outerShdw blurRad="40000" dist="20000" dir="5400000" rotWithShape="0">
+              <a:srgbClr val="000000">
+                <a:alpha val="38000"/>
+              </a:srgbClr>
+            </a:outerShdw>
+          </a:effectLst>
+        </a:effectStyle>
+        <a:effectStyle>
+          <a:effectLst>
+            <a:outerShdw blurRad="40000" dist="23000" dir="5400000" rotWithShape="0">
+              <a:srgbClr val="000000">
+                <a:alpha val="35000"/>
+              </a:srgbClr>
+            </a:outerShdw>
+          </a:effectLst>
+        </a:effectStyle>
+        <a:effectStyle>
+          <a:effectLst>
+            <a:outerShdw blurRad="40000" dist="23000" dir="5400000" rotWithShape="0">
+              <a:srgbClr val="000000">
+                <a:alpha val="35000"/>
+              </a:srgbClr>
+            </a:outerShdw>
+          </a:effectLst>
+          <a:scene3d>
+            <a:camera prst="orthographicFront">
+              <a:rot lat="0" lon="0" rev="0"/>
+            </a:camera>
+            <a:lightRig rig="threePt" dir="t">
+              <a:rot lat="0" lon="0" rev="1200000"/>
+            </a:lightRig>
+          </a:scene3d>
+          <a:sp3d>
+            <a:bevelT w="63500" h="25400"/>
+          </a:sp3d>
+        </a:effectStyle>
+      </a:effectStyleLst>
+      <a:bgFillStyleLst>
+        <a:solidFill>
+          <a:schemeClr val="phClr"/>
+        </a:solidFill>
+        <a:gradFill rotWithShape="1">
+          <a:gsLst>
+            <a:gs pos="0">
+              <a:schemeClr val="phClr">
+                <a:tint val="40000"/>
+                <a:satMod val="350000"/>
+              </a:schemeClr>
+            </a:gs>
+            <a:gs pos="40000">
+              <a:schemeClr val="phClr">
+                <a:tint val="45000"/>
+                <a:shade val="99000"/>
+                <a:satMod val="350000"/>
+              </a:schemeClr>
+            </a:gs>
+            <a:gs pos="100000">
+              <a:schemeClr val="phClr">
+                <a:shade val="20000"/>
+                <a:satMod val="255000"/>
+              </a:schemeClr>
+            </a:gs>
+          </a:gsLst>
+          <a:path path="circle">
+            <a:fillToRect l="50000" t="-80000" r="50000" b="180000"/>
+          </a:path>
+        </a:gradFill>
+        <a:gradFill rotWithShape="1">
+          <a:gsLst>
+            <a:gs pos="0">
+              <a:schemeClr val="phClr">
+                <a:tint val="80000"/>
+                <a:satMod val="300000"/>
+              </a:schemeClr>
+            </a:gs>
+            <a:gs pos="100000">
+              <a:schemeClr val="phClr">
+                <a:shade val="30000"/>
+                <a:satMod val="200000"/>
+              </a:schemeClr>
+            </a:gs>
+          </a:gsLst>
+          <a:path path="circle">
+            <a:fillToRect l="50000" t="50000" r="50000" b="50000"/>
+          </a:path>
+        </a:gradFill>
+      </a:bgFillStyleLst>
+    </a:fmtScheme>
+  </a:themeElements>
+  <a:objectDefaults>
+    <a:spDef>
+      <a:spPr bwMode="auto">
+        <a:xfrm>
+          <a:off x="0" y="0"/>
+          <a:ext cx="1" cy="1"/>
+        </a:xfrm>
+        <a:custGeom>
+          <a:avLst/>
+          <a:gdLst/>
+          <a:ahLst/>
+          <a:cxnLst/>
+          <a:rect l="0" t="0" r="0" b="0"/>
+          <a:pathLst/>
+        </a:custGeom>
+        <a:solidFill>
+          <a:schemeClr val="accent1"/>
+        </a:solidFill>
+        <a:ln w="12700" cap="flat" cmpd="sng" algn="ctr">
+          <a:solidFill>
+            <a:schemeClr val="accent2"/>
+          </a:solidFill>
+          <a:prstDash val="solid"/>
+          <a:round/>
+          <a:headEnd type="none" w="med" len="med"/>
+          <a:tailEnd type="none" w="med" len="med"/>
+        </a:ln>
+        <a:effectLst/>
+      </a:spPr>
+      <a:bodyPr vert="horz" wrap="none" lIns="91440" tIns="45720" rIns="91440" bIns="0" numCol="1" anchor="t" anchorCtr="0" compatLnSpc="1">
+        <a:prstTxWarp prst="textNoShape">
+          <a:avLst/>
+        </a:prstTxWarp>
+        <a:spAutoFit/>
+      </a:bodyPr>
+      <a:lstStyle>
+        <a:defPPr marL="0" marR="0" indent="0" algn="ctr" defTabSz="914400" rtl="0" eaLnBrk="0" fontAlgn="base" latinLnBrk="0" hangingPunct="0">
+          <a:lnSpc>
+            <a:spcPct val="100000"/>
+          </a:lnSpc>
+          <a:spcBef>
+            <a:spcPct val="0"/>
+          </a:spcBef>
+          <a:spcAft>
+            <a:spcPct val="0"/>
+          </a:spcAft>
+          <a:buClrTx/>
+          <a:buSzTx/>
+          <a:buFontTx/>
+          <a:buNone/>
+          <a:tabLst/>
+          <a:defRPr kumimoji="0" lang="en-GB" sz="1200" b="0" i="0" u="none" strike="noStrike" cap="none" normalizeH="0" baseline="0">
+            <a:ln>
+              <a:noFill/>
+            </a:ln>
+            <a:solidFill>
+              <a:schemeClr val="tx1"/>
+            </a:solidFill>
+            <a:effectLst/>
+            <a:latin typeface="Lucida Sans" charset="0"/>
+            <a:ea typeface="ＭＳ Ｐゴシック" charset="-128"/>
+            <a:cs typeface="ＭＳ Ｐゴシック" charset="-128"/>
+          </a:defRPr>
+        </a:defPPr>
+      </a:lstStyle>
+    </a:spDef>
+    <a:lnDef>
+      <a:spPr bwMode="auto">
+        <a:xfrm>
+          <a:off x="0" y="0"/>
+          <a:ext cx="1" cy="1"/>
+        </a:xfrm>
+        <a:custGeom>
+          <a:avLst/>
+          <a:gdLst/>
+          <a:ahLst/>
+          <a:cxnLst/>
+          <a:rect l="0" t="0" r="0" b="0"/>
+          <a:pathLst/>
+        </a:custGeom>
+        <a:solidFill>
+          <a:schemeClr val="accent1"/>
+        </a:solidFill>
+        <a:ln w="12700" cap="flat" cmpd="sng" algn="ctr">
+          <a:solidFill>
+            <a:schemeClr val="accent2"/>
+          </a:solidFill>
+          <a:prstDash val="solid"/>
+          <a:round/>
+          <a:headEnd type="none" w="med" len="med"/>
+          <a:tailEnd type="none" w="med" len="med"/>
+        </a:ln>
+        <a:effectLst/>
+      </a:spPr>
+      <a:bodyPr vert="horz" wrap="none" lIns="91440" tIns="45720" rIns="91440" bIns="0" numCol="1" anchor="t" anchorCtr="0" compatLnSpc="1">
+        <a:prstTxWarp prst="textNoShape">
+          <a:avLst/>
+        </a:prstTxWarp>
+        <a:spAutoFit/>
+      </a:bodyPr>
+      <a:lstStyle>
+        <a:defPPr marL="0" marR="0" indent="0" algn="ctr" defTabSz="914400" rtl="0" eaLnBrk="0" fontAlgn="base" latinLnBrk="0" hangingPunct="0">
+          <a:lnSpc>
+            <a:spcPct val="100000"/>
+          </a:lnSpc>
+          <a:spcBef>
+            <a:spcPct val="0"/>
+          </a:spcBef>
+          <a:spcAft>
+            <a:spcPct val="0"/>
+          </a:spcAft>
+          <a:buClrTx/>
+          <a:buSzTx/>
+          <a:buFontTx/>
+          <a:buNone/>
+          <a:tabLst/>
+          <a:defRPr kumimoji="0" lang="en-GB" sz="1200" b="0" i="0" u="none" strike="noStrike" cap="none" normalizeH="0" baseline="0">
+            <a:ln>
+              <a:noFill/>
+            </a:ln>
+            <a:solidFill>
+              <a:schemeClr val="tx1"/>
+            </a:solidFill>
+            <a:effectLst/>
+            <a:latin typeface="Lucida Sans" charset="0"/>
+            <a:ea typeface="ＭＳ Ｐゴシック" charset="-128"/>
+            <a:cs typeface="ＭＳ Ｐゴシック" charset="-128"/>
+          </a:defRPr>
+        </a:defPPr>
+      </a:lstStyle>
+    </a:lnDef>
+  </a:objectDefaults>
+  <a:extraClrSchemeLst>
+    <a:extraClrScheme>
+      <a:clrScheme name="uos_ppt__template_electronics 1">
+        <a:dk1>
+          <a:srgbClr val="323D43"/>
+        </a:dk1>
+        <a:lt1>
+          <a:srgbClr val="FFFFFF"/>
+        </a:lt1>
+        <a:dk2>
+          <a:srgbClr val="014359"/>
+        </a:dk2>
+        <a:lt2>
+          <a:srgbClr val="77ADD3"/>
+        </a:lt2>
+        <a:accent1>
+          <a:srgbClr val="979E45"/>
+        </a:accent1>
+        <a:accent2>
+          <a:srgbClr val="4F5A20"/>
+        </a:accent2>
+        <a:accent3>
+          <a:srgbClr val="FFFFFF"/>
+        </a:accent3>
+        <a:accent4>
+          <a:srgbClr val="293338"/>
+        </a:accent4>
+        <a:accent5>
+          <a:srgbClr val="C9CCB0"/>
+        </a:accent5>
+        <a:accent6>
+          <a:srgbClr val="47511C"/>
+        </a:accent6>
+        <a:hlink>
+          <a:srgbClr val="A67891"/>
+        </a:hlink>
+        <a:folHlink>
+          <a:srgbClr val="8F9E94"/>
+        </a:folHlink>
+      </a:clrScheme>
+      <a:clrMap bg1="lt1" tx1="dk1" bg2="lt2" tx2="dk2" accent1="accent1" accent2="accent2" accent3="accent3" accent4="accent4" accent5="accent5" accent6="accent6" hlink="hlink" folHlink="folHlink"/>
+    </a:extraClrScheme>
+  </a:extraClrSchemeLst>
+</a:theme>
+</file>
+
+<file path=ppt/theme/theme2.xml><?xml version="1.0" encoding="utf-8"?>
 <a:theme xmlns:a="http://schemas.openxmlformats.org/drawingml/2006/main" name="Office Theme">
   <a:themeElements>
     <a:clrScheme name="Office">
@@ -4863,7 +7570,6 @@
         <a:font script="Mong" typeface="Mongolian Baiti"/>
         <a:font script="Viet" typeface="Times New Roman"/>
         <a:font script="Uigh" typeface="Microsoft Uighur"/>
-        <a:font script="Geor" typeface="Sylfaen"/>
       </a:majorFont>
       <a:minorFont>
         <a:latin typeface="Calibri"/>
@@ -4898,7 +7604,6 @@
         <a:font script="Mong" typeface="Mongolian Baiti"/>
         <a:font script="Viet" typeface="Arial"/>
         <a:font script="Uigh" typeface="Microsoft Uighur"/>
-        <a:font script="Geor" typeface="Sylfaen"/>
       </a:minorFont>
     </a:fontScheme>
     <a:fmtScheme name="Office">
